--- a/posters/23.11.2024 Psychonomics.pptx
+++ b/posters/23.11.2024 Psychonomics.pptx
@@ -197,7 +197,7 @@
           <a:p>
             <a:fld id="{EEC5D35E-0963-4D6F-988F-33756D057105}" type="datetimeFigureOut">
               <a:rPr lang="en-GB" smtClean="0"/>
-              <a:t>11/11/2024</a:t>
+              <a:t>13/11/2024</a:t>
             </a:fld>
             <a:endParaRPr lang="en-GB"/>
           </a:p>
@@ -705,7 +705,7 @@
           <a:p>
             <a:fld id="{CC43DE9C-2BD6-4679-B7E2-0596B4CBC97F}" type="datetimeFigureOut">
               <a:rPr lang="en-GB" smtClean="0"/>
-              <a:t>11/11/2024</a:t>
+              <a:t>13/11/2024</a:t>
             </a:fld>
             <a:endParaRPr lang="en-GB"/>
           </a:p>
@@ -875,7 +875,7 @@
           <a:p>
             <a:fld id="{CC43DE9C-2BD6-4679-B7E2-0596B4CBC97F}" type="datetimeFigureOut">
               <a:rPr lang="en-GB" smtClean="0"/>
-              <a:t>11/11/2024</a:t>
+              <a:t>13/11/2024</a:t>
             </a:fld>
             <a:endParaRPr lang="en-GB"/>
           </a:p>
@@ -1055,7 +1055,7 @@
           <a:p>
             <a:fld id="{CC43DE9C-2BD6-4679-B7E2-0596B4CBC97F}" type="datetimeFigureOut">
               <a:rPr lang="en-GB" smtClean="0"/>
-              <a:t>11/11/2024</a:t>
+              <a:t>13/11/2024</a:t>
             </a:fld>
             <a:endParaRPr lang="en-GB"/>
           </a:p>
@@ -1225,7 +1225,7 @@
           <a:p>
             <a:fld id="{CC43DE9C-2BD6-4679-B7E2-0596B4CBC97F}" type="datetimeFigureOut">
               <a:rPr lang="en-GB" smtClean="0"/>
-              <a:t>11/11/2024</a:t>
+              <a:t>13/11/2024</a:t>
             </a:fld>
             <a:endParaRPr lang="en-GB"/>
           </a:p>
@@ -1469,7 +1469,7 @@
           <a:p>
             <a:fld id="{CC43DE9C-2BD6-4679-B7E2-0596B4CBC97F}" type="datetimeFigureOut">
               <a:rPr lang="en-GB" smtClean="0"/>
-              <a:t>11/11/2024</a:t>
+              <a:t>13/11/2024</a:t>
             </a:fld>
             <a:endParaRPr lang="en-GB"/>
           </a:p>
@@ -1701,7 +1701,7 @@
           <a:p>
             <a:fld id="{CC43DE9C-2BD6-4679-B7E2-0596B4CBC97F}" type="datetimeFigureOut">
               <a:rPr lang="en-GB" smtClean="0"/>
-              <a:t>11/11/2024</a:t>
+              <a:t>13/11/2024</a:t>
             </a:fld>
             <a:endParaRPr lang="en-GB"/>
           </a:p>
@@ -2068,7 +2068,7 @@
           <a:p>
             <a:fld id="{CC43DE9C-2BD6-4679-B7E2-0596B4CBC97F}" type="datetimeFigureOut">
               <a:rPr lang="en-GB" smtClean="0"/>
-              <a:t>11/11/2024</a:t>
+              <a:t>13/11/2024</a:t>
             </a:fld>
             <a:endParaRPr lang="en-GB"/>
           </a:p>
@@ -2186,7 +2186,7 @@
           <a:p>
             <a:fld id="{CC43DE9C-2BD6-4679-B7E2-0596B4CBC97F}" type="datetimeFigureOut">
               <a:rPr lang="en-GB" smtClean="0"/>
-              <a:t>11/11/2024</a:t>
+              <a:t>13/11/2024</a:t>
             </a:fld>
             <a:endParaRPr lang="en-GB"/>
           </a:p>
@@ -2281,7 +2281,7 @@
           <a:p>
             <a:fld id="{CC43DE9C-2BD6-4679-B7E2-0596B4CBC97F}" type="datetimeFigureOut">
               <a:rPr lang="en-GB" smtClean="0"/>
-              <a:t>11/11/2024</a:t>
+              <a:t>13/11/2024</a:t>
             </a:fld>
             <a:endParaRPr lang="en-GB"/>
           </a:p>
@@ -2558,7 +2558,7 @@
           <a:p>
             <a:fld id="{CC43DE9C-2BD6-4679-B7E2-0596B4CBC97F}" type="datetimeFigureOut">
               <a:rPr lang="en-GB" smtClean="0"/>
-              <a:t>11/11/2024</a:t>
+              <a:t>13/11/2024</a:t>
             </a:fld>
             <a:endParaRPr lang="en-GB"/>
           </a:p>
@@ -2815,7 +2815,7 @@
           <a:p>
             <a:fld id="{CC43DE9C-2BD6-4679-B7E2-0596B4CBC97F}" type="datetimeFigureOut">
               <a:rPr lang="en-GB" smtClean="0"/>
-              <a:t>11/11/2024</a:t>
+              <a:t>13/11/2024</a:t>
             </a:fld>
             <a:endParaRPr lang="en-GB"/>
           </a:p>
@@ -3028,7 +3028,7 @@
           <a:p>
             <a:fld id="{CC43DE9C-2BD6-4679-B7E2-0596B4CBC97F}" type="datetimeFigureOut">
               <a:rPr lang="en-GB" smtClean="0"/>
-              <a:t>11/11/2024</a:t>
+              <a:t>13/11/2024</a:t>
             </a:fld>
             <a:endParaRPr lang="en-GB"/>
           </a:p>
@@ -4001,8 +4001,8 @@
         </p:nvSpPr>
         <p:spPr>
           <a:xfrm>
-            <a:off x="2460898" y="32787018"/>
-            <a:ext cx="42451256" cy="720000"/>
+            <a:off x="22344605" y="30731791"/>
+            <a:ext cx="20826539" cy="1501228"/>
           </a:xfrm>
           <a:prstGeom prst="rect">
             <a:avLst/>
@@ -4277,7 +4277,7 @@
               <a:rPr lang="en-GB" sz="7000" dirty="0">
                 <a:latin typeface="Source Sans Pro Black" panose="020B0803030403020204" pitchFamily="34" charset="0"/>
               </a:rPr>
-              <a:t>Results</a:t>
+              <a:t>Preliminary Results</a:t>
             </a:r>
           </a:p>
         </p:txBody>
@@ -4442,12 +4442,12 @@
                 </a:solidFill>
                 <a:latin typeface="Source Sans Pro" panose="020B0503030403020204" pitchFamily="34" charset="0"/>
               </a:rPr>
-              <a:t>Unbeknownst to participants. one </a:t>
+              <a:t>Unbeknownst to participants, one </a:t>
             </a:r>
             <a:r>
               <a:rPr lang="en-GB" sz="5000" b="1" dirty="0">
                 <a:solidFill>
-                  <a:srgbClr val="131E29"/>
+                  <a:srgbClr val="440099"/>
                 </a:solidFill>
                 <a:latin typeface="Source Sans Pro" panose="020B0503030403020204" pitchFamily="34" charset="0"/>
               </a:rPr>
@@ -4465,7 +4465,7 @@
             <a:r>
               <a:rPr lang="en-GB" sz="5000" b="1" dirty="0">
                 <a:solidFill>
-                  <a:srgbClr val="131E29"/>
+                  <a:srgbClr val="981F92"/>
                 </a:solidFill>
                 <a:latin typeface="Source Sans Pro" panose="020B0503030403020204" pitchFamily="34" charset="0"/>
               </a:rPr>
@@ -6011,8 +6011,8 @@
         </p:nvSpPr>
         <p:spPr>
           <a:xfrm>
-            <a:off x="22344605" y="4737818"/>
-            <a:ext cx="11344403" cy="8667159"/>
+            <a:off x="22344605" y="4725485"/>
+            <a:ext cx="11425986" cy="10569221"/>
           </a:xfrm>
           <a:prstGeom prst="rect">
             <a:avLst/>
@@ -6053,17 +6053,60 @@
                 </a:solidFill>
                 <a:latin typeface="Source Sans Pro" panose="020B0503030403020204" pitchFamily="34" charset="0"/>
               </a:rPr>
-              <a:t>Overall, participants showed greater accuracy on Hebb compared to Filler trials </a:t>
+              <a:t>Overall, </a:t>
             </a:r>
             <a:r>
               <a:rPr lang="en-GB" sz="5000" b="1" dirty="0">
                 <a:solidFill>
-                  <a:srgbClr val="FF0000"/>
-                </a:solidFill>
-                <a:latin typeface="Source Sans Pro" panose="020B0503030403020204" pitchFamily="34" charset="0"/>
-              </a:rPr>
-              <a:t>(p = 0.00, BF = 0.00)</a:t>
-            </a:r>
+                  <a:srgbClr val="131E29"/>
+                </a:solidFill>
+                <a:latin typeface="Source Sans Pro" panose="020B0503030403020204" pitchFamily="34" charset="0"/>
+              </a:rPr>
+              <a:t>greater mean accuracy </a:t>
+            </a:r>
+            <a:r>
+              <a:rPr lang="en-GB" sz="5000" dirty="0">
+                <a:solidFill>
+                  <a:srgbClr val="131E29"/>
+                </a:solidFill>
+                <a:latin typeface="Source Sans Pro" panose="020B0503030403020204" pitchFamily="34" charset="0"/>
+              </a:rPr>
+              <a:t>on </a:t>
+            </a:r>
+            <a:r>
+              <a:rPr lang="en-GB" sz="5000" b="1" dirty="0">
+                <a:solidFill>
+                  <a:srgbClr val="131E29"/>
+                </a:solidFill>
+                <a:latin typeface="Source Sans Pro" panose="020B0503030403020204" pitchFamily="34" charset="0"/>
+              </a:rPr>
+              <a:t>Hebb</a:t>
+            </a:r>
+            <a:r>
+              <a:rPr lang="en-GB" sz="5000" dirty="0">
+                <a:solidFill>
+                  <a:srgbClr val="131E29"/>
+                </a:solidFill>
+                <a:latin typeface="Source Sans Pro" panose="020B0503030403020204" pitchFamily="34" charset="0"/>
+              </a:rPr>
+              <a:t> than Filler trials. </a:t>
+            </a:r>
+          </a:p>
+          <a:p>
+            <a:endParaRPr lang="en-GB" sz="5000" dirty="0">
+              <a:solidFill>
+                <a:srgbClr val="131E29"/>
+              </a:solidFill>
+              <a:latin typeface="Source Sans Pro" panose="020B0503030403020204" pitchFamily="34" charset="0"/>
+            </a:endParaRPr>
+          </a:p>
+          <a:p>
+            <a:endParaRPr lang="en-GB" sz="5000" dirty="0">
+              <a:solidFill>
+                <a:srgbClr val="131E29"/>
+              </a:solidFill>
+              <a:latin typeface="Source Sans Pro" panose="020B0503030403020204" pitchFamily="34" charset="0"/>
+            </a:endParaRPr>
           </a:p>
           <a:p>
             <a:pPr marL="685800" indent="-685800">
@@ -6077,26 +6120,41 @@
                 </a:solidFill>
                 <a:latin typeface="Source Sans Pro" panose="020B0503030403020204" pitchFamily="34" charset="0"/>
               </a:rPr>
-              <a:t>Participants also showed an improvement in accuracy from Block 1 to Block 2 of the Hebb trials </a:t>
-            </a:r>
-            <a:r>
-              <a:rPr lang="en-GB" sz="5000" b="1" dirty="0">
-                <a:solidFill>
-                  <a:srgbClr val="FF0000"/>
-                </a:solidFill>
-                <a:latin typeface="Source Sans Pro" panose="020B0503030403020204" pitchFamily="34" charset="0"/>
-              </a:rPr>
-              <a:t>(p = 0.00, BF = 0.00)</a:t>
-            </a:r>
-            <a:r>
-              <a:rPr lang="en-GB" sz="5000" dirty="0">
-                <a:solidFill>
-                  <a:schemeClr val="tx1"/>
-                </a:solidFill>
-                <a:latin typeface="Source Sans Pro" panose="020B0503030403020204" pitchFamily="34" charset="0"/>
-              </a:rPr>
-              <a:t>.</a:t>
-            </a:r>
+              <a:t>Allows estimation of both population-level parameters which describe the sample as a whole, and individual-level parameters per participant </a:t>
+            </a:r>
+            <a:r>
+              <a:rPr lang="en-GB" sz="4000" i="1" dirty="0">
+                <a:solidFill>
+                  <a:srgbClr val="131E29"/>
+                </a:solidFill>
+                <a:latin typeface="Source Sans Pro" panose="020B0503030403020204" pitchFamily="34" charset="0"/>
+              </a:rPr>
+              <a:t>(</a:t>
+            </a:r>
+            <a:r>
+              <a:rPr lang="en-GB" sz="4000" i="1" dirty="0" err="1">
+                <a:solidFill>
+                  <a:srgbClr val="131E29"/>
+                </a:solidFill>
+                <a:latin typeface="Source Sans Pro" panose="020B0503030403020204" pitchFamily="34" charset="0"/>
+              </a:rPr>
+              <a:t>Musfeld</a:t>
+            </a:r>
+            <a:r>
+              <a:rPr lang="en-GB" sz="4000" i="1" dirty="0">
+                <a:solidFill>
+                  <a:srgbClr val="131E29"/>
+                </a:solidFill>
+                <a:latin typeface="Source Sans Pro" panose="020B0503030403020204" pitchFamily="34" charset="0"/>
+              </a:rPr>
+              <a:t> et al., 2023).</a:t>
+            </a:r>
+            <a:endParaRPr lang="en-GB" sz="4000" dirty="0">
+              <a:solidFill>
+                <a:srgbClr val="131E29"/>
+              </a:solidFill>
+              <a:latin typeface="Source Sans Pro" panose="020B0503030403020204" pitchFamily="34" charset="0"/>
+            </a:endParaRPr>
           </a:p>
           <a:p>
             <a:pPr marL="685800" indent="-685800">
@@ -6104,13 +6162,103 @@
               <a:buChar char="•"/>
             </a:pPr>
             <a:r>
+              <a:rPr lang="en-GB" sz="5000" b="1" dirty="0">
+                <a:solidFill>
+                  <a:srgbClr val="F9918A"/>
+                </a:solidFill>
+                <a:latin typeface="Source Sans Pro" panose="020B0503030403020204" pitchFamily="34" charset="0"/>
+              </a:rPr>
+              <a:t>Mixture Proportion</a:t>
+            </a:r>
+            <a:r>
               <a:rPr lang="en-GB" sz="5000" dirty="0">
                 <a:solidFill>
-                  <a:schemeClr val="tx1"/>
-                </a:solidFill>
-                <a:latin typeface="Source Sans Pro" panose="020B0503030403020204" pitchFamily="34" charset="0"/>
-              </a:rPr>
-              <a:t>Mixture modelling was applied to learning data revealing.</a:t>
+                  <a:srgbClr val="F9918A"/>
+                </a:solidFill>
+                <a:latin typeface="Source Sans Pro" panose="020B0503030403020204" pitchFamily="34" charset="0"/>
+              </a:rPr>
+              <a:t>: </a:t>
+            </a:r>
+            <a:r>
+              <a:rPr lang="en-GB" sz="5000" dirty="0">
+                <a:solidFill>
+                  <a:srgbClr val="131E29"/>
+                </a:solidFill>
+                <a:latin typeface="Source Sans Pro" panose="020B0503030403020204" pitchFamily="34" charset="0"/>
+              </a:rPr>
+              <a:t>number of participants classified as </a:t>
+            </a:r>
+            <a:r>
+              <a:rPr lang="en-GB" sz="5000" b="1" dirty="0">
+                <a:solidFill>
+                  <a:srgbClr val="131E29"/>
+                </a:solidFill>
+                <a:latin typeface="Source Sans Pro" panose="020B0503030403020204" pitchFamily="34" charset="0"/>
+              </a:rPr>
+              <a:t>Learners</a:t>
+            </a:r>
+            <a:r>
+              <a:rPr lang="en-GB" sz="5000" dirty="0">
+                <a:solidFill>
+                  <a:srgbClr val="131E29"/>
+                </a:solidFill>
+                <a:latin typeface="Source Sans Pro" panose="020B0503030403020204" pitchFamily="34" charset="0"/>
+              </a:rPr>
+              <a:t> (</a:t>
+            </a:r>
+            <a:r>
+              <a:rPr lang="en-GB" sz="5000" i="1" dirty="0">
+                <a:solidFill>
+                  <a:srgbClr val="131E29"/>
+                </a:solidFill>
+                <a:latin typeface="Source Sans Pro" panose="020B0503030403020204" pitchFamily="34" charset="0"/>
+              </a:rPr>
+              <a:t>n</a:t>
+            </a:r>
+            <a:r>
+              <a:rPr lang="en-GB" sz="5000" dirty="0">
+                <a:solidFill>
+                  <a:srgbClr val="131E29"/>
+                </a:solidFill>
+                <a:latin typeface="Source Sans Pro" panose="020B0503030403020204" pitchFamily="34" charset="0"/>
+              </a:rPr>
+              <a:t> = 27) and </a:t>
+            </a:r>
+            <a:r>
+              <a:rPr lang="en-GB" sz="5000" b="1" dirty="0">
+                <a:solidFill>
+                  <a:srgbClr val="131E29"/>
+                </a:solidFill>
+                <a:latin typeface="Source Sans Pro" panose="020B0503030403020204" pitchFamily="34" charset="0"/>
+              </a:rPr>
+              <a:t>Non-Learners</a:t>
+            </a:r>
+            <a:r>
+              <a:rPr lang="en-GB" sz="5000" dirty="0">
+                <a:solidFill>
+                  <a:srgbClr val="131E29"/>
+                </a:solidFill>
+                <a:latin typeface="Source Sans Pro" panose="020B0503030403020204" pitchFamily="34" charset="0"/>
+              </a:rPr>
+              <a:t> (</a:t>
+            </a:r>
+            <a:r>
+              <a:rPr lang="en-GB" sz="5000" i="1" dirty="0">
+                <a:solidFill>
+                  <a:srgbClr val="131E29"/>
+                </a:solidFill>
+                <a:latin typeface="Source Sans Pro" panose="020B0503030403020204" pitchFamily="34" charset="0"/>
+              </a:rPr>
+              <a:t>n</a:t>
+            </a:r>
+            <a:r>
+              <a:rPr lang="en-GB" sz="5000" dirty="0">
+                <a:solidFill>
+                  <a:srgbClr val="131E29"/>
+                </a:solidFill>
+                <a:latin typeface="Source Sans Pro" panose="020B0503030403020204" pitchFamily="34" charset="0"/>
+              </a:rPr>
+              <a:t> = 29).</a:t>
             </a:r>
           </a:p>
           <a:p>
@@ -6119,23 +6267,68 @@
               <a:buChar char="•"/>
             </a:pPr>
             <a:r>
+              <a:rPr lang="en-GB" sz="5000" b="1" dirty="0">
+                <a:solidFill>
+                  <a:srgbClr val="131E29"/>
+                </a:solidFill>
+                <a:latin typeface="Source Sans Pro" panose="020B0503030403020204" pitchFamily="34" charset="0"/>
+              </a:rPr>
+              <a:t>Learning Curve: </a:t>
+            </a:r>
+            <a:r>
+              <a:rPr lang="en-GB" sz="5000" b="1" dirty="0">
+                <a:solidFill>
+                  <a:srgbClr val="33CCD0"/>
+                </a:solidFill>
+                <a:latin typeface="Source Sans Pro" panose="020B0503030403020204" pitchFamily="34" charset="0"/>
+              </a:rPr>
+              <a:t>Learning Rate</a:t>
+            </a:r>
+            <a:r>
               <a:rPr lang="en-GB" sz="5000" dirty="0">
                 <a:solidFill>
-                  <a:schemeClr val="tx1"/>
-                </a:solidFill>
-                <a:latin typeface="Source Sans Pro" panose="020B0503030403020204" pitchFamily="34" charset="0"/>
-              </a:rPr>
-              <a:t>Statistical tests revealed CS ranking related to XXX</a:t>
+                  <a:srgbClr val="131E29"/>
+                </a:solidFill>
+                <a:latin typeface="Source Sans Pro" panose="020B0503030403020204" pitchFamily="34" charset="0"/>
+              </a:rPr>
+              <a:t>, </a:t>
+            </a:r>
+            <a:r>
+              <a:rPr lang="en-GB" sz="5000" b="1" dirty="0">
+                <a:solidFill>
+                  <a:srgbClr val="81B0FF"/>
+                </a:solidFill>
+                <a:latin typeface="Source Sans Pro" panose="020B0503030403020204" pitchFamily="34" charset="0"/>
+              </a:rPr>
+              <a:t>Onset of Learning</a:t>
+            </a:r>
+            <a:r>
+              <a:rPr lang="en-GB" sz="5000" dirty="0">
+                <a:solidFill>
+                  <a:srgbClr val="131E29"/>
+                </a:solidFill>
+                <a:latin typeface="Source Sans Pro" panose="020B0503030403020204" pitchFamily="34" charset="0"/>
+              </a:rPr>
+              <a:t> and </a:t>
+            </a:r>
+            <a:r>
+              <a:rPr lang="en-GB" sz="5000" b="1" dirty="0">
+                <a:solidFill>
+                  <a:srgbClr val="F783E9"/>
+                </a:solidFill>
+                <a:latin typeface="Source Sans Pro" panose="020B0503030403020204" pitchFamily="34" charset="0"/>
+              </a:rPr>
+              <a:t>Upper Asymptote</a:t>
             </a:r>
           </a:p>
         </p:txBody>
       </p:sp>
       <p:grpSp>
         <p:nvGrpSpPr>
-          <p:cNvPr id="31" name="Group 30">
+          <p:cNvPr id="52" name="Group 51">
             <a:extLst>
               <a:ext uri="{FF2B5EF4-FFF2-40B4-BE49-F238E27FC236}">
-                <a16:creationId xmlns:a16="http://schemas.microsoft.com/office/drawing/2014/main" id="{F8840AF8-0E82-CB02-BB43-2C3F257F9010}"/>
+                <a16:creationId xmlns:a16="http://schemas.microsoft.com/office/drawing/2014/main" id="{1B4F7BE6-C3C8-FC75-9B11-876FA37D8A1D}"/>
               </a:ext>
             </a:extLst>
           </p:cNvPr>
@@ -6144,18 +6337,756 @@
         </p:nvGrpSpPr>
         <p:grpSpPr>
           <a:xfrm>
-            <a:off x="33729556" y="5032334"/>
-            <a:ext cx="8991438" cy="8377993"/>
-            <a:chOff x="34517936" y="4677738"/>
-            <a:chExt cx="8649202" cy="8243997"/>
+            <a:off x="44319811" y="13670985"/>
+            <a:ext cx="8272735" cy="17924257"/>
+            <a:chOff x="34727556" y="13783755"/>
+            <a:chExt cx="8272735" cy="17924257"/>
+          </a:xfrm>
+        </p:grpSpPr>
+        <p:pic>
+          <p:nvPicPr>
+            <p:cNvPr id="45" name="Picture 44" descr="A graph with numbers and lines&#10;&#10;Description automatically generated with medium confidence">
+              <a:extLst>
+                <a:ext uri="{FF2B5EF4-FFF2-40B4-BE49-F238E27FC236}">
+                  <a16:creationId xmlns:a16="http://schemas.microsoft.com/office/drawing/2014/main" id="{C86CC911-EC61-5B5B-59BC-AE99C4EDDBCD}"/>
+                </a:ext>
+              </a:extLst>
+            </p:cNvPr>
+            <p:cNvPicPr>
+              <a:picLocks noChangeAspect="1"/>
+            </p:cNvPicPr>
+            <p:nvPr/>
+          </p:nvPicPr>
+          <p:blipFill>
+            <a:blip r:embed="rId21">
+              <a:extLst>
+                <a:ext uri="{28A0092B-C50C-407E-A947-70E740481C1C}">
+                  <a14:useLocalDpi xmlns:a14="http://schemas.microsoft.com/office/drawing/2010/main" val="0"/>
+                </a:ext>
+              </a:extLst>
+            </a:blip>
+            <a:stretch>
+              <a:fillRect/>
+            </a:stretch>
+          </p:blipFill>
+          <p:spPr>
+            <a:xfrm>
+              <a:off x="34727556" y="13783755"/>
+              <a:ext cx="8272735" cy="17924257"/>
+            </a:xfrm>
+            <a:prstGeom prst="rect">
+              <a:avLst/>
+            </a:prstGeom>
+          </p:spPr>
+        </p:pic>
+        <p:sp>
+          <p:nvSpPr>
+            <p:cNvPr id="46" name="Rectangle 45">
+              <a:extLst>
+                <a:ext uri="{FF2B5EF4-FFF2-40B4-BE49-F238E27FC236}">
+                  <a16:creationId xmlns:a16="http://schemas.microsoft.com/office/drawing/2014/main" id="{BCAF4416-86F4-372E-D491-6437C7538128}"/>
+                </a:ext>
+              </a:extLst>
+            </p:cNvPr>
+            <p:cNvSpPr/>
+            <p:nvPr/>
+          </p:nvSpPr>
+          <p:spPr>
+            <a:xfrm>
+              <a:off x="35408383" y="29320662"/>
+              <a:ext cx="1294226" cy="1043627"/>
+            </a:xfrm>
+            <a:prstGeom prst="rect">
+              <a:avLst/>
+            </a:prstGeom>
+            <a:noFill/>
+            <a:ln w="76200">
+              <a:solidFill>
+                <a:srgbClr val="64CBE8"/>
+              </a:solidFill>
+            </a:ln>
+          </p:spPr>
+          <p:style>
+            <a:lnRef idx="2">
+              <a:schemeClr val="accent1">
+                <a:shade val="15000"/>
+              </a:schemeClr>
+            </a:lnRef>
+            <a:fillRef idx="1">
+              <a:schemeClr val="accent1"/>
+            </a:fillRef>
+            <a:effectRef idx="0">
+              <a:schemeClr val="accent1"/>
+            </a:effectRef>
+            <a:fontRef idx="minor">
+              <a:schemeClr val="lt1"/>
+            </a:fontRef>
+          </p:style>
+          <p:txBody>
+            <a:bodyPr rtlCol="0" anchor="ctr"/>
+            <a:lstStyle/>
+            <a:p>
+              <a:pPr algn="ctr"/>
+              <a:endParaRPr lang="en-GB"/>
+            </a:p>
+          </p:txBody>
+        </p:sp>
+        <p:sp>
+          <p:nvSpPr>
+            <p:cNvPr id="47" name="Rectangle 46">
+              <a:extLst>
+                <a:ext uri="{FF2B5EF4-FFF2-40B4-BE49-F238E27FC236}">
+                  <a16:creationId xmlns:a16="http://schemas.microsoft.com/office/drawing/2014/main" id="{67905DA1-F80F-0AD2-5454-B56D04F09034}"/>
+                </a:ext>
+              </a:extLst>
+            </p:cNvPr>
+            <p:cNvSpPr/>
+            <p:nvPr/>
+          </p:nvSpPr>
+          <p:spPr>
+            <a:xfrm>
+              <a:off x="35408383" y="28240662"/>
+              <a:ext cx="1294226" cy="370860"/>
+            </a:xfrm>
+            <a:prstGeom prst="rect">
+              <a:avLst/>
+            </a:prstGeom>
+            <a:noFill/>
+            <a:ln w="76200">
+              <a:solidFill>
+                <a:srgbClr val="64CBE8"/>
+              </a:solidFill>
+            </a:ln>
+          </p:spPr>
+          <p:style>
+            <a:lnRef idx="2">
+              <a:schemeClr val="accent1">
+                <a:shade val="15000"/>
+              </a:schemeClr>
+            </a:lnRef>
+            <a:fillRef idx="1">
+              <a:schemeClr val="accent1"/>
+            </a:fillRef>
+            <a:effectRef idx="0">
+              <a:schemeClr val="accent1"/>
+            </a:effectRef>
+            <a:fontRef idx="minor">
+              <a:schemeClr val="lt1"/>
+            </a:fontRef>
+          </p:style>
+          <p:txBody>
+            <a:bodyPr rtlCol="0" anchor="ctr"/>
+            <a:lstStyle/>
+            <a:p>
+              <a:pPr algn="ctr"/>
+              <a:endParaRPr lang="en-GB"/>
+            </a:p>
+          </p:txBody>
+        </p:sp>
+        <p:sp>
+          <p:nvSpPr>
+            <p:cNvPr id="48" name="Rectangle 47">
+              <a:extLst>
+                <a:ext uri="{FF2B5EF4-FFF2-40B4-BE49-F238E27FC236}">
+                  <a16:creationId xmlns:a16="http://schemas.microsoft.com/office/drawing/2014/main" id="{D282B582-6AB1-91D5-4721-726023D24A5E}"/>
+                </a:ext>
+              </a:extLst>
+            </p:cNvPr>
+            <p:cNvSpPr/>
+            <p:nvPr/>
+          </p:nvSpPr>
+          <p:spPr>
+            <a:xfrm>
+              <a:off x="35408383" y="27060387"/>
+              <a:ext cx="1294226" cy="370860"/>
+            </a:xfrm>
+            <a:prstGeom prst="rect">
+              <a:avLst/>
+            </a:prstGeom>
+            <a:noFill/>
+            <a:ln w="76200">
+              <a:solidFill>
+                <a:srgbClr val="64CBE8"/>
+              </a:solidFill>
+            </a:ln>
+          </p:spPr>
+          <p:style>
+            <a:lnRef idx="2">
+              <a:schemeClr val="accent1">
+                <a:shade val="15000"/>
+              </a:schemeClr>
+            </a:lnRef>
+            <a:fillRef idx="1">
+              <a:schemeClr val="accent1"/>
+            </a:fillRef>
+            <a:effectRef idx="0">
+              <a:schemeClr val="accent1"/>
+            </a:effectRef>
+            <a:fontRef idx="minor">
+              <a:schemeClr val="lt1"/>
+            </a:fontRef>
+          </p:style>
+          <p:txBody>
+            <a:bodyPr rtlCol="0" anchor="ctr"/>
+            <a:lstStyle/>
+            <a:p>
+              <a:pPr algn="ctr"/>
+              <a:endParaRPr lang="en-GB"/>
+            </a:p>
+          </p:txBody>
+        </p:sp>
+        <p:sp>
+          <p:nvSpPr>
+            <p:cNvPr id="49" name="Rectangle 48">
+              <a:extLst>
+                <a:ext uri="{FF2B5EF4-FFF2-40B4-BE49-F238E27FC236}">
+                  <a16:creationId xmlns:a16="http://schemas.microsoft.com/office/drawing/2014/main" id="{FEA0A799-3D98-0342-53A1-AB5E968AB819}"/>
+                </a:ext>
+              </a:extLst>
+            </p:cNvPr>
+            <p:cNvSpPr/>
+            <p:nvPr/>
+          </p:nvSpPr>
+          <p:spPr>
+            <a:xfrm>
+              <a:off x="35408383" y="21814282"/>
+              <a:ext cx="1294226" cy="1636561"/>
+            </a:xfrm>
+            <a:prstGeom prst="rect">
+              <a:avLst/>
+            </a:prstGeom>
+            <a:noFill/>
+            <a:ln w="76200">
+              <a:solidFill>
+                <a:srgbClr val="64CBE8"/>
+              </a:solidFill>
+            </a:ln>
+          </p:spPr>
+          <p:style>
+            <a:lnRef idx="2">
+              <a:schemeClr val="accent1">
+                <a:shade val="15000"/>
+              </a:schemeClr>
+            </a:lnRef>
+            <a:fillRef idx="1">
+              <a:schemeClr val="accent1"/>
+            </a:fillRef>
+            <a:effectRef idx="0">
+              <a:schemeClr val="accent1"/>
+            </a:effectRef>
+            <a:fontRef idx="minor">
+              <a:schemeClr val="lt1"/>
+            </a:fontRef>
+          </p:style>
+          <p:txBody>
+            <a:bodyPr rtlCol="0" anchor="ctr"/>
+            <a:lstStyle/>
+            <a:p>
+              <a:pPr algn="ctr"/>
+              <a:endParaRPr lang="en-GB"/>
+            </a:p>
+          </p:txBody>
+        </p:sp>
+        <p:sp>
+          <p:nvSpPr>
+            <p:cNvPr id="50" name="Rectangle 49">
+              <a:extLst>
+                <a:ext uri="{FF2B5EF4-FFF2-40B4-BE49-F238E27FC236}">
+                  <a16:creationId xmlns:a16="http://schemas.microsoft.com/office/drawing/2014/main" id="{4BA7BE10-5B38-5681-CB4A-90CAA346E26D}"/>
+                </a:ext>
+              </a:extLst>
+            </p:cNvPr>
+            <p:cNvSpPr/>
+            <p:nvPr/>
+          </p:nvSpPr>
+          <p:spPr>
+            <a:xfrm>
+              <a:off x="35408383" y="16535292"/>
+              <a:ext cx="1294226" cy="4580313"/>
+            </a:xfrm>
+            <a:prstGeom prst="rect">
+              <a:avLst/>
+            </a:prstGeom>
+            <a:noFill/>
+            <a:ln w="76200">
+              <a:solidFill>
+                <a:srgbClr val="64CBE8"/>
+              </a:solidFill>
+            </a:ln>
+          </p:spPr>
+          <p:style>
+            <a:lnRef idx="2">
+              <a:schemeClr val="accent1">
+                <a:shade val="15000"/>
+              </a:schemeClr>
+            </a:lnRef>
+            <a:fillRef idx="1">
+              <a:schemeClr val="accent1"/>
+            </a:fillRef>
+            <a:effectRef idx="0">
+              <a:schemeClr val="accent1"/>
+            </a:effectRef>
+            <a:fontRef idx="minor">
+              <a:schemeClr val="lt1"/>
+            </a:fontRef>
+          </p:style>
+          <p:txBody>
+            <a:bodyPr rtlCol="0" anchor="ctr"/>
+            <a:lstStyle/>
+            <a:p>
+              <a:pPr algn="ctr"/>
+              <a:endParaRPr lang="en-GB"/>
+            </a:p>
+          </p:txBody>
+        </p:sp>
+        <p:sp>
+          <p:nvSpPr>
+            <p:cNvPr id="51" name="Rectangle 50">
+              <a:extLst>
+                <a:ext uri="{FF2B5EF4-FFF2-40B4-BE49-F238E27FC236}">
+                  <a16:creationId xmlns:a16="http://schemas.microsoft.com/office/drawing/2014/main" id="{E4C68094-C0DE-49BF-542F-EC6D4D09ED41}"/>
+                </a:ext>
+              </a:extLst>
+            </p:cNvPr>
+            <p:cNvSpPr/>
+            <p:nvPr/>
+          </p:nvSpPr>
+          <p:spPr>
+            <a:xfrm>
+              <a:off x="35408383" y="25314576"/>
+              <a:ext cx="1294226" cy="370860"/>
+            </a:xfrm>
+            <a:prstGeom prst="rect">
+              <a:avLst/>
+            </a:prstGeom>
+            <a:noFill/>
+            <a:ln w="76200">
+              <a:solidFill>
+                <a:srgbClr val="64CBE8"/>
+              </a:solidFill>
+            </a:ln>
+          </p:spPr>
+          <p:style>
+            <a:lnRef idx="2">
+              <a:schemeClr val="accent1">
+                <a:shade val="15000"/>
+              </a:schemeClr>
+            </a:lnRef>
+            <a:fillRef idx="1">
+              <a:schemeClr val="accent1"/>
+            </a:fillRef>
+            <a:effectRef idx="0">
+              <a:schemeClr val="accent1"/>
+            </a:effectRef>
+            <a:fontRef idx="minor">
+              <a:schemeClr val="lt1"/>
+            </a:fontRef>
+          </p:style>
+          <p:txBody>
+            <a:bodyPr rtlCol="0" anchor="ctr"/>
+            <a:lstStyle/>
+            <a:p>
+              <a:pPr algn="ctr"/>
+              <a:endParaRPr lang="en-GB"/>
+            </a:p>
+          </p:txBody>
+        </p:sp>
+      </p:grpSp>
+      <p:grpSp>
+        <p:nvGrpSpPr>
+          <p:cNvPr id="61" name="Group 60">
+            <a:extLst>
+              <a:ext uri="{FF2B5EF4-FFF2-40B4-BE49-F238E27FC236}">
+                <a16:creationId xmlns:a16="http://schemas.microsoft.com/office/drawing/2014/main" id="{9C883754-6270-FADE-0753-1EB4A2D335C7}"/>
+              </a:ext>
+            </a:extLst>
+          </p:cNvPr>
+          <p:cNvGrpSpPr/>
+          <p:nvPr/>
+        </p:nvGrpSpPr>
+        <p:grpSpPr>
+          <a:xfrm>
+            <a:off x="52856907" y="13651034"/>
+            <a:ext cx="8272735" cy="17924256"/>
+            <a:chOff x="52856907" y="13651034"/>
+            <a:chExt cx="8272735" cy="17924256"/>
+          </a:xfrm>
+        </p:grpSpPr>
+        <p:pic>
+          <p:nvPicPr>
+            <p:cNvPr id="54" name="Picture 53" descr="A graph of a number of dots and lines&#10;&#10;Description automatically generated with medium confidence">
+              <a:extLst>
+                <a:ext uri="{FF2B5EF4-FFF2-40B4-BE49-F238E27FC236}">
+                  <a16:creationId xmlns:a16="http://schemas.microsoft.com/office/drawing/2014/main" id="{DDEC2E7B-6C0B-0B7A-C55B-F067A5DE0DA3}"/>
+                </a:ext>
+              </a:extLst>
+            </p:cNvPr>
+            <p:cNvPicPr>
+              <a:picLocks noChangeAspect="1"/>
+            </p:cNvPicPr>
+            <p:nvPr/>
+          </p:nvPicPr>
+          <p:blipFill>
+            <a:blip r:embed="rId22">
+              <a:extLst>
+                <a:ext uri="{28A0092B-C50C-407E-A947-70E740481C1C}">
+                  <a14:useLocalDpi xmlns:a14="http://schemas.microsoft.com/office/drawing/2010/main" val="0"/>
+                </a:ext>
+              </a:extLst>
+            </a:blip>
+            <a:stretch>
+              <a:fillRect/>
+            </a:stretch>
+          </p:blipFill>
+          <p:spPr>
+            <a:xfrm>
+              <a:off x="52856907" y="13651034"/>
+              <a:ext cx="8272735" cy="17924256"/>
+            </a:xfrm>
+            <a:prstGeom prst="rect">
+              <a:avLst/>
+            </a:prstGeom>
+          </p:spPr>
+        </p:pic>
+        <p:sp>
+          <p:nvSpPr>
+            <p:cNvPr id="55" name="Rectangle 54">
+              <a:extLst>
+                <a:ext uri="{FF2B5EF4-FFF2-40B4-BE49-F238E27FC236}">
+                  <a16:creationId xmlns:a16="http://schemas.microsoft.com/office/drawing/2014/main" id="{982A433F-E533-9DB2-3F8C-3E847A55535D}"/>
+                </a:ext>
+              </a:extLst>
+            </p:cNvPr>
+            <p:cNvSpPr/>
+            <p:nvPr/>
+          </p:nvSpPr>
+          <p:spPr>
+            <a:xfrm>
+              <a:off x="53477769" y="26323959"/>
+              <a:ext cx="1294226" cy="3927559"/>
+            </a:xfrm>
+            <a:prstGeom prst="rect">
+              <a:avLst/>
+            </a:prstGeom>
+            <a:noFill/>
+            <a:ln w="76200">
+              <a:solidFill>
+                <a:srgbClr val="64CBE8"/>
+              </a:solidFill>
+            </a:ln>
+          </p:spPr>
+          <p:style>
+            <a:lnRef idx="2">
+              <a:schemeClr val="accent1">
+                <a:shade val="15000"/>
+              </a:schemeClr>
+            </a:lnRef>
+            <a:fillRef idx="1">
+              <a:schemeClr val="accent1"/>
+            </a:fillRef>
+            <a:effectRef idx="0">
+              <a:schemeClr val="accent1"/>
+            </a:effectRef>
+            <a:fontRef idx="minor">
+              <a:schemeClr val="lt1"/>
+            </a:fontRef>
+          </p:style>
+          <p:txBody>
+            <a:bodyPr rtlCol="0" anchor="ctr"/>
+            <a:lstStyle/>
+            <a:p>
+              <a:pPr algn="ctr"/>
+              <a:endParaRPr lang="en-GB"/>
+            </a:p>
+          </p:txBody>
+        </p:sp>
+        <p:sp>
+          <p:nvSpPr>
+            <p:cNvPr id="56" name="Rectangle 55">
+              <a:extLst>
+                <a:ext uri="{FF2B5EF4-FFF2-40B4-BE49-F238E27FC236}">
+                  <a16:creationId xmlns:a16="http://schemas.microsoft.com/office/drawing/2014/main" id="{ADB2E19D-86BC-0501-3F9C-AC5CDA14790C}"/>
+                </a:ext>
+              </a:extLst>
+            </p:cNvPr>
+            <p:cNvSpPr/>
+            <p:nvPr/>
+          </p:nvSpPr>
+          <p:spPr>
+            <a:xfrm>
+              <a:off x="53477769" y="23978795"/>
+              <a:ext cx="1294226" cy="1593871"/>
+            </a:xfrm>
+            <a:prstGeom prst="rect">
+              <a:avLst/>
+            </a:prstGeom>
+            <a:noFill/>
+            <a:ln w="76200">
+              <a:solidFill>
+                <a:srgbClr val="64CBE8"/>
+              </a:solidFill>
+            </a:ln>
+          </p:spPr>
+          <p:style>
+            <a:lnRef idx="2">
+              <a:schemeClr val="accent1">
+                <a:shade val="15000"/>
+              </a:schemeClr>
+            </a:lnRef>
+            <a:fillRef idx="1">
+              <a:schemeClr val="accent1"/>
+            </a:fillRef>
+            <a:effectRef idx="0">
+              <a:schemeClr val="accent1"/>
+            </a:effectRef>
+            <a:fontRef idx="minor">
+              <a:schemeClr val="lt1"/>
+            </a:fontRef>
+          </p:style>
+          <p:txBody>
+            <a:bodyPr rtlCol="0" anchor="ctr"/>
+            <a:lstStyle/>
+            <a:p>
+              <a:pPr algn="ctr"/>
+              <a:endParaRPr lang="en-GB"/>
+            </a:p>
+          </p:txBody>
+        </p:sp>
+        <p:sp>
+          <p:nvSpPr>
+            <p:cNvPr id="57" name="Rectangle 56">
+              <a:extLst>
+                <a:ext uri="{FF2B5EF4-FFF2-40B4-BE49-F238E27FC236}">
+                  <a16:creationId xmlns:a16="http://schemas.microsoft.com/office/drawing/2014/main" id="{5F4CF5D6-A5F1-A8AE-12DD-CCDBD4D7C820}"/>
+                </a:ext>
+              </a:extLst>
+            </p:cNvPr>
+            <p:cNvSpPr/>
+            <p:nvPr/>
+          </p:nvSpPr>
+          <p:spPr>
+            <a:xfrm>
+              <a:off x="53477769" y="22257572"/>
+              <a:ext cx="1294226" cy="971723"/>
+            </a:xfrm>
+            <a:prstGeom prst="rect">
+              <a:avLst/>
+            </a:prstGeom>
+            <a:noFill/>
+            <a:ln w="76200">
+              <a:solidFill>
+                <a:srgbClr val="64CBE8"/>
+              </a:solidFill>
+            </a:ln>
+          </p:spPr>
+          <p:style>
+            <a:lnRef idx="2">
+              <a:schemeClr val="accent1">
+                <a:shade val="15000"/>
+              </a:schemeClr>
+            </a:lnRef>
+            <a:fillRef idx="1">
+              <a:schemeClr val="accent1"/>
+            </a:fillRef>
+            <a:effectRef idx="0">
+              <a:schemeClr val="accent1"/>
+            </a:effectRef>
+            <a:fontRef idx="minor">
+              <a:schemeClr val="lt1"/>
+            </a:fontRef>
+          </p:style>
+          <p:txBody>
+            <a:bodyPr rtlCol="0" anchor="ctr"/>
+            <a:lstStyle/>
+            <a:p>
+              <a:pPr algn="ctr"/>
+              <a:endParaRPr lang="en-GB"/>
+            </a:p>
+          </p:txBody>
+        </p:sp>
+        <p:sp>
+          <p:nvSpPr>
+            <p:cNvPr id="58" name="Rectangle 57">
+              <a:extLst>
+                <a:ext uri="{FF2B5EF4-FFF2-40B4-BE49-F238E27FC236}">
+                  <a16:creationId xmlns:a16="http://schemas.microsoft.com/office/drawing/2014/main" id="{8587D201-F494-6507-455A-27320E1063F1}"/>
+                </a:ext>
+              </a:extLst>
+            </p:cNvPr>
+            <p:cNvSpPr/>
+            <p:nvPr/>
+          </p:nvSpPr>
+          <p:spPr>
+            <a:xfrm>
+              <a:off x="53477769" y="20486324"/>
+              <a:ext cx="1294226" cy="971723"/>
+            </a:xfrm>
+            <a:prstGeom prst="rect">
+              <a:avLst/>
+            </a:prstGeom>
+            <a:noFill/>
+            <a:ln w="76200">
+              <a:solidFill>
+                <a:srgbClr val="64CBE8"/>
+              </a:solidFill>
+            </a:ln>
+          </p:spPr>
+          <p:style>
+            <a:lnRef idx="2">
+              <a:schemeClr val="accent1">
+                <a:shade val="15000"/>
+              </a:schemeClr>
+            </a:lnRef>
+            <a:fillRef idx="1">
+              <a:schemeClr val="accent1"/>
+            </a:fillRef>
+            <a:effectRef idx="0">
+              <a:schemeClr val="accent1"/>
+            </a:effectRef>
+            <a:fontRef idx="minor">
+              <a:schemeClr val="lt1"/>
+            </a:fontRef>
+          </p:style>
+          <p:txBody>
+            <a:bodyPr rtlCol="0" anchor="ctr"/>
+            <a:lstStyle/>
+            <a:p>
+              <a:pPr algn="ctr"/>
+              <a:endParaRPr lang="en-GB"/>
+            </a:p>
+          </p:txBody>
+        </p:sp>
+        <p:sp>
+          <p:nvSpPr>
+            <p:cNvPr id="59" name="Rectangle 58">
+              <a:extLst>
+                <a:ext uri="{FF2B5EF4-FFF2-40B4-BE49-F238E27FC236}">
+                  <a16:creationId xmlns:a16="http://schemas.microsoft.com/office/drawing/2014/main" id="{259CC3D9-6FCE-4463-D52E-F33BC2AD34DA}"/>
+                </a:ext>
+              </a:extLst>
+            </p:cNvPr>
+            <p:cNvSpPr/>
+            <p:nvPr/>
+          </p:nvSpPr>
+          <p:spPr>
+            <a:xfrm>
+              <a:off x="53477769" y="19313075"/>
+              <a:ext cx="1294226" cy="410915"/>
+            </a:xfrm>
+            <a:prstGeom prst="rect">
+              <a:avLst/>
+            </a:prstGeom>
+            <a:noFill/>
+            <a:ln w="76200">
+              <a:solidFill>
+                <a:srgbClr val="64CBE8"/>
+              </a:solidFill>
+            </a:ln>
+          </p:spPr>
+          <p:style>
+            <a:lnRef idx="2">
+              <a:schemeClr val="accent1">
+                <a:shade val="15000"/>
+              </a:schemeClr>
+            </a:lnRef>
+            <a:fillRef idx="1">
+              <a:schemeClr val="accent1"/>
+            </a:fillRef>
+            <a:effectRef idx="0">
+              <a:schemeClr val="accent1"/>
+            </a:effectRef>
+            <a:fontRef idx="minor">
+              <a:schemeClr val="lt1"/>
+            </a:fontRef>
+          </p:style>
+          <p:txBody>
+            <a:bodyPr rtlCol="0" anchor="ctr"/>
+            <a:lstStyle/>
+            <a:p>
+              <a:pPr algn="ctr"/>
+              <a:endParaRPr lang="en-GB" dirty="0"/>
+            </a:p>
+          </p:txBody>
+        </p:sp>
+        <p:sp>
+          <p:nvSpPr>
+            <p:cNvPr id="60" name="Rectangle 59">
+              <a:extLst>
+                <a:ext uri="{FF2B5EF4-FFF2-40B4-BE49-F238E27FC236}">
+                  <a16:creationId xmlns:a16="http://schemas.microsoft.com/office/drawing/2014/main" id="{EE837257-DCC7-D3C2-3C7A-478444C774F8}"/>
+                </a:ext>
+              </a:extLst>
+            </p:cNvPr>
+            <p:cNvSpPr/>
+            <p:nvPr/>
+          </p:nvSpPr>
+          <p:spPr>
+            <a:xfrm>
+              <a:off x="53477769" y="16459200"/>
+              <a:ext cx="1294226" cy="1530103"/>
+            </a:xfrm>
+            <a:prstGeom prst="rect">
+              <a:avLst/>
+            </a:prstGeom>
+            <a:noFill/>
+            <a:ln w="76200">
+              <a:solidFill>
+                <a:srgbClr val="64CBE8"/>
+              </a:solidFill>
+            </a:ln>
+          </p:spPr>
+          <p:style>
+            <a:lnRef idx="2">
+              <a:schemeClr val="accent1">
+                <a:shade val="15000"/>
+              </a:schemeClr>
+            </a:lnRef>
+            <a:fillRef idx="1">
+              <a:schemeClr val="accent1"/>
+            </a:fillRef>
+            <a:effectRef idx="0">
+              <a:schemeClr val="accent1"/>
+            </a:effectRef>
+            <a:fontRef idx="minor">
+              <a:schemeClr val="lt1"/>
+            </a:fontRef>
+          </p:style>
+          <p:txBody>
+            <a:bodyPr rtlCol="0" anchor="ctr"/>
+            <a:lstStyle/>
+            <a:p>
+              <a:pPr algn="ctr"/>
+              <a:endParaRPr lang="en-GB"/>
+            </a:p>
+          </p:txBody>
+        </p:sp>
+      </p:grpSp>
+      <p:grpSp>
+        <p:nvGrpSpPr>
+          <p:cNvPr id="65" name="Group 64">
+            <a:extLst>
+              <a:ext uri="{FF2B5EF4-FFF2-40B4-BE49-F238E27FC236}">
+                <a16:creationId xmlns:a16="http://schemas.microsoft.com/office/drawing/2014/main" id="{A52E242A-CD87-1F41-4D17-708E26A9087A}"/>
+              </a:ext>
+            </a:extLst>
+          </p:cNvPr>
+          <p:cNvGrpSpPr/>
+          <p:nvPr/>
+        </p:nvGrpSpPr>
+        <p:grpSpPr>
+          <a:xfrm>
+            <a:off x="33816499" y="4850917"/>
+            <a:ext cx="9082800" cy="8655061"/>
+            <a:chOff x="33888676" y="4800879"/>
+            <a:chExt cx="9082800" cy="8655061"/>
           </a:xfrm>
         </p:grpSpPr>
         <p:grpSp>
           <p:nvGrpSpPr>
-            <p:cNvPr id="28" name="Group 27">
+            <p:cNvPr id="40" name="Group 39">
               <a:extLst>
                 <a:ext uri="{FF2B5EF4-FFF2-40B4-BE49-F238E27FC236}">
-                  <a16:creationId xmlns:a16="http://schemas.microsoft.com/office/drawing/2014/main" id="{D57ABC19-E6CE-88F2-B4E9-9D83A95831A8}"/>
+                  <a16:creationId xmlns:a16="http://schemas.microsoft.com/office/drawing/2014/main" id="{6CA30F34-051E-D831-84FB-58331044195E}"/>
                 </a:ext>
               </a:extLst>
             </p:cNvPr>
@@ -6164,18 +7095,18 @@
           </p:nvGrpSpPr>
           <p:grpSpPr>
             <a:xfrm>
-              <a:off x="34517936" y="4677738"/>
-              <a:ext cx="8649202" cy="8243997"/>
-              <a:chOff x="34517936" y="4677738"/>
-              <a:chExt cx="8649202" cy="8243997"/>
+              <a:off x="33888676" y="4800879"/>
+              <a:ext cx="9082800" cy="8655061"/>
+              <a:chOff x="33888676" y="4800879"/>
+              <a:chExt cx="9082800" cy="8655061"/>
             </a:xfrm>
           </p:grpSpPr>
           <p:pic>
             <p:nvPicPr>
-              <p:cNvPr id="21" name="Picture 20">
+              <p:cNvPr id="39" name="Picture 38" descr="A graph showing a graph of correct and filler&#10;&#10;Description automatically generated">
                 <a:extLst>
                   <a:ext uri="{FF2B5EF4-FFF2-40B4-BE49-F238E27FC236}">
-                    <a16:creationId xmlns:a16="http://schemas.microsoft.com/office/drawing/2014/main" id="{A37BB1A9-43C3-9DB6-1629-AC2B18EB486B}"/>
+                    <a16:creationId xmlns:a16="http://schemas.microsoft.com/office/drawing/2014/main" id="{73774C4B-1071-D02B-5092-7D2E1D95428B}"/>
                   </a:ext>
                 </a:extLst>
               </p:cNvPr>
@@ -6184,15 +7115,692 @@
               </p:cNvPicPr>
               <p:nvPr/>
             </p:nvPicPr>
-            <p:blipFill>
-              <a:blip r:embed="rId21"/>
-              <a:srcRect l="8564" t="3758" b="15873"/>
+            <p:blipFill rotWithShape="1">
+              <a:blip r:embed="rId23">
+                <a:extLst>
+                  <a:ext uri="{28A0092B-C50C-407E-A947-70E740481C1C}">
+                    <a14:useLocalDpi xmlns:a14="http://schemas.microsoft.com/office/drawing/2010/main" val="0"/>
+                  </a:ext>
+                </a:extLst>
+              </a:blip>
+              <a:srcRect b="8183"/>
               <a:stretch/>
             </p:blipFill>
             <p:spPr>
               <a:xfrm>
-                <a:off x="35318287" y="4677738"/>
-                <a:ext cx="7848851" cy="7200000"/>
+                <a:off x="33892563" y="5119950"/>
+                <a:ext cx="9078913" cy="8335990"/>
+              </a:xfrm>
+              <a:prstGeom prst="rect">
+                <a:avLst/>
+              </a:prstGeom>
+            </p:spPr>
+          </p:pic>
+          <p:grpSp>
+            <p:nvGrpSpPr>
+              <p:cNvPr id="36" name="Group 35">
+                <a:extLst>
+                  <a:ext uri="{FF2B5EF4-FFF2-40B4-BE49-F238E27FC236}">
+                    <a16:creationId xmlns:a16="http://schemas.microsoft.com/office/drawing/2014/main" id="{33E6E6AF-38A8-5578-508E-F8837F2361DA}"/>
+                  </a:ext>
+                </a:extLst>
+              </p:cNvPr>
+              <p:cNvGrpSpPr/>
+              <p:nvPr/>
+            </p:nvGrpSpPr>
+            <p:grpSpPr>
+              <a:xfrm>
+                <a:off x="33888676" y="4800879"/>
+                <a:ext cx="9082800" cy="809486"/>
+                <a:chOff x="33728069" y="4758350"/>
+                <a:chExt cx="9082800" cy="809486"/>
+              </a:xfrm>
+            </p:grpSpPr>
+            <p:sp>
+              <p:nvSpPr>
+                <p:cNvPr id="35" name="Rectangle 34">
+                  <a:extLst>
+                    <a:ext uri="{FF2B5EF4-FFF2-40B4-BE49-F238E27FC236}">
+                      <a16:creationId xmlns:a16="http://schemas.microsoft.com/office/drawing/2014/main" id="{55949B42-2C60-A27F-7704-E8F8D5585F6E}"/>
+                    </a:ext>
+                  </a:extLst>
+                </p:cNvPr>
+                <p:cNvSpPr/>
+                <p:nvPr/>
+              </p:nvSpPr>
+              <p:spPr>
+                <a:xfrm>
+                  <a:off x="33728069" y="4823421"/>
+                  <a:ext cx="9082800" cy="360000"/>
+                </a:xfrm>
+                <a:prstGeom prst="rect">
+                  <a:avLst/>
+                </a:prstGeom>
+                <a:solidFill>
+                  <a:srgbClr val="FFFFFF"/>
+                </a:solidFill>
+                <a:ln>
+                  <a:noFill/>
+                </a:ln>
+              </p:spPr>
+              <p:style>
+                <a:lnRef idx="2">
+                  <a:schemeClr val="accent1">
+                    <a:shade val="15000"/>
+                  </a:schemeClr>
+                </a:lnRef>
+                <a:fillRef idx="1">
+                  <a:schemeClr val="accent1"/>
+                </a:fillRef>
+                <a:effectRef idx="0">
+                  <a:schemeClr val="accent1"/>
+                </a:effectRef>
+                <a:fontRef idx="minor">
+                  <a:schemeClr val="lt1"/>
+                </a:fontRef>
+              </p:style>
+              <p:txBody>
+                <a:bodyPr rtlCol="0" anchor="ctr"/>
+                <a:lstStyle/>
+                <a:p>
+                  <a:pPr algn="ctr"/>
+                  <a:endParaRPr lang="en-GB" dirty="0"/>
+                </a:p>
+              </p:txBody>
+            </p:sp>
+            <p:grpSp>
+              <p:nvGrpSpPr>
+                <p:cNvPr id="33" name="Group 32">
+                  <a:extLst>
+                    <a:ext uri="{FF2B5EF4-FFF2-40B4-BE49-F238E27FC236}">
+                      <a16:creationId xmlns:a16="http://schemas.microsoft.com/office/drawing/2014/main" id="{E929CBCD-3CC4-2A54-7CF0-3E83C873D97F}"/>
+                    </a:ext>
+                  </a:extLst>
+                </p:cNvPr>
+                <p:cNvGrpSpPr/>
+                <p:nvPr/>
+              </p:nvGrpSpPr>
+              <p:grpSpPr>
+                <a:xfrm>
+                  <a:off x="37776371" y="5387836"/>
+                  <a:ext cx="2993865" cy="180000"/>
+                  <a:chOff x="37776371" y="5221580"/>
+                  <a:chExt cx="2993865" cy="180000"/>
+                </a:xfrm>
+              </p:grpSpPr>
+              <p:cxnSp>
+                <p:nvCxnSpPr>
+                  <p:cNvPr id="17" name="Straight Connector 16">
+                    <a:extLst>
+                      <a:ext uri="{FF2B5EF4-FFF2-40B4-BE49-F238E27FC236}">
+                        <a16:creationId xmlns:a16="http://schemas.microsoft.com/office/drawing/2014/main" id="{7B33D5D5-1247-0C95-CEDF-6C67BDC58E0C}"/>
+                      </a:ext>
+                    </a:extLst>
+                  </p:cNvPr>
+                  <p:cNvCxnSpPr>
+                    <a:cxnSpLocks/>
+                  </p:cNvCxnSpPr>
+                  <p:nvPr/>
+                </p:nvCxnSpPr>
+                <p:spPr>
+                  <a:xfrm>
+                    <a:off x="37776371" y="5260419"/>
+                    <a:ext cx="2993865" cy="0"/>
+                  </a:xfrm>
+                  <a:prstGeom prst="line">
+                    <a:avLst/>
+                  </a:prstGeom>
+                  <a:ln w="76200">
+                    <a:solidFill>
+                      <a:srgbClr val="131E29"/>
+                    </a:solidFill>
+                  </a:ln>
+                </p:spPr>
+                <p:style>
+                  <a:lnRef idx="3">
+                    <a:schemeClr val="dk1"/>
+                  </a:lnRef>
+                  <a:fillRef idx="0">
+                    <a:schemeClr val="dk1"/>
+                  </a:fillRef>
+                  <a:effectRef idx="2">
+                    <a:schemeClr val="dk1"/>
+                  </a:effectRef>
+                  <a:fontRef idx="minor">
+                    <a:schemeClr val="tx1"/>
+                  </a:fontRef>
+                </p:style>
+              </p:cxnSp>
+              <p:cxnSp>
+                <p:nvCxnSpPr>
+                  <p:cNvPr id="19" name="Straight Connector 18">
+                    <a:extLst>
+                      <a:ext uri="{FF2B5EF4-FFF2-40B4-BE49-F238E27FC236}">
+                        <a16:creationId xmlns:a16="http://schemas.microsoft.com/office/drawing/2014/main" id="{405DE04F-04BF-5207-A679-F7476D405BF4}"/>
+                      </a:ext>
+                    </a:extLst>
+                  </p:cNvPr>
+                  <p:cNvCxnSpPr>
+                    <a:cxnSpLocks/>
+                  </p:cNvCxnSpPr>
+                  <p:nvPr/>
+                </p:nvCxnSpPr>
+                <p:spPr>
+                  <a:xfrm>
+                    <a:off x="37815206" y="5221580"/>
+                    <a:ext cx="0" cy="180000"/>
+                  </a:xfrm>
+                  <a:prstGeom prst="line">
+                    <a:avLst/>
+                  </a:prstGeom>
+                  <a:ln w="76200">
+                    <a:solidFill>
+                      <a:srgbClr val="131E29"/>
+                    </a:solidFill>
+                  </a:ln>
+                </p:spPr>
+                <p:style>
+                  <a:lnRef idx="3">
+                    <a:schemeClr val="dk1"/>
+                  </a:lnRef>
+                  <a:fillRef idx="0">
+                    <a:schemeClr val="dk1"/>
+                  </a:fillRef>
+                  <a:effectRef idx="2">
+                    <a:schemeClr val="dk1"/>
+                  </a:effectRef>
+                  <a:fontRef idx="minor">
+                    <a:schemeClr val="tx1"/>
+                  </a:fontRef>
+                </p:style>
+              </p:cxnSp>
+              <p:cxnSp>
+                <p:nvCxnSpPr>
+                  <p:cNvPr id="32" name="Straight Connector 31">
+                    <a:extLst>
+                      <a:ext uri="{FF2B5EF4-FFF2-40B4-BE49-F238E27FC236}">
+                        <a16:creationId xmlns:a16="http://schemas.microsoft.com/office/drawing/2014/main" id="{EAE25531-A796-BBA9-407C-D2F69F56F8A3}"/>
+                      </a:ext>
+                    </a:extLst>
+                  </p:cNvPr>
+                  <p:cNvCxnSpPr>
+                    <a:cxnSpLocks/>
+                  </p:cNvCxnSpPr>
+                  <p:nvPr/>
+                </p:nvCxnSpPr>
+                <p:spPr>
+                  <a:xfrm>
+                    <a:off x="40731989" y="5221580"/>
+                    <a:ext cx="0" cy="180000"/>
+                  </a:xfrm>
+                  <a:prstGeom prst="line">
+                    <a:avLst/>
+                  </a:prstGeom>
+                  <a:ln w="76200">
+                    <a:solidFill>
+                      <a:srgbClr val="131E29"/>
+                    </a:solidFill>
+                  </a:ln>
+                </p:spPr>
+                <p:style>
+                  <a:lnRef idx="3">
+                    <a:schemeClr val="dk1"/>
+                  </a:lnRef>
+                  <a:fillRef idx="0">
+                    <a:schemeClr val="dk1"/>
+                  </a:fillRef>
+                  <a:effectRef idx="2">
+                    <a:schemeClr val="dk1"/>
+                  </a:effectRef>
+                  <a:fontRef idx="minor">
+                    <a:schemeClr val="tx1"/>
+                  </a:fontRef>
+                </p:style>
+              </p:cxnSp>
+            </p:grpSp>
+            <p:sp>
+              <p:nvSpPr>
+                <p:cNvPr id="34" name="TextBox 33">
+                  <a:extLst>
+                    <a:ext uri="{FF2B5EF4-FFF2-40B4-BE49-F238E27FC236}">
+                      <a16:creationId xmlns:a16="http://schemas.microsoft.com/office/drawing/2014/main" id="{A0E85D88-06DA-E82C-28F3-04BCB7A85645}"/>
+                    </a:ext>
+                  </a:extLst>
+                </p:cNvPr>
+                <p:cNvSpPr txBox="1"/>
+                <p:nvPr/>
+              </p:nvSpPr>
+              <p:spPr>
+                <a:xfrm>
+                  <a:off x="36598943" y="4758350"/>
+                  <a:ext cx="5348717" cy="707886"/>
+                </a:xfrm>
+                <a:prstGeom prst="rect">
+                  <a:avLst/>
+                </a:prstGeom>
+                <a:noFill/>
+              </p:spPr>
+              <p:txBody>
+                <a:bodyPr wrap="square" rtlCol="0">
+                  <a:spAutoFit/>
+                </a:bodyPr>
+                <a:lstStyle/>
+                <a:p>
+                  <a:pPr algn="ctr"/>
+                  <a:r>
+                    <a:rPr lang="en-GB" sz="4000" b="1" i="1" dirty="0">
+                      <a:latin typeface="Source Sans Pro" panose="020B0503030403020204" pitchFamily="34" charset="0"/>
+                    </a:rPr>
+                    <a:t>p</a:t>
+                  </a:r>
+                  <a:r>
+                    <a:rPr lang="en-GB" sz="4000" b="1" dirty="0">
+                      <a:latin typeface="Source Sans Pro" panose="020B0503030403020204" pitchFamily="34" charset="0"/>
+                    </a:rPr>
+                    <a:t> &lt; .001, BF = 87.20</a:t>
+                  </a:r>
+                </a:p>
+              </p:txBody>
+            </p:sp>
+          </p:grpSp>
+        </p:grpSp>
+        <p:sp>
+          <p:nvSpPr>
+            <p:cNvPr id="62" name="TextBox 61">
+              <a:extLst>
+                <a:ext uri="{FF2B5EF4-FFF2-40B4-BE49-F238E27FC236}">
+                  <a16:creationId xmlns:a16="http://schemas.microsoft.com/office/drawing/2014/main" id="{0513384B-2362-BEF9-3749-62969D006484}"/>
+                </a:ext>
+              </a:extLst>
+            </p:cNvPr>
+            <p:cNvSpPr txBox="1"/>
+            <p:nvPr/>
+          </p:nvSpPr>
+          <p:spPr>
+            <a:xfrm>
+              <a:off x="36759551" y="11176772"/>
+              <a:ext cx="2354854" cy="1323439"/>
+            </a:xfrm>
+            <a:prstGeom prst="rect">
+              <a:avLst/>
+            </a:prstGeom>
+            <a:noFill/>
+          </p:spPr>
+          <p:txBody>
+            <a:bodyPr wrap="square" rtlCol="0">
+              <a:spAutoFit/>
+            </a:bodyPr>
+            <a:lstStyle/>
+            <a:p>
+              <a:pPr algn="ctr"/>
+              <a:r>
+                <a:rPr lang="en-GB" sz="4000" i="1" dirty="0">
+                  <a:latin typeface="Source Sans Pro" panose="020B0503030403020204" pitchFamily="34" charset="0"/>
+                </a:rPr>
+                <a:t>M</a:t>
+              </a:r>
+              <a:r>
+                <a:rPr lang="en-GB" sz="4000" dirty="0">
+                  <a:latin typeface="Source Sans Pro" panose="020B0503030403020204" pitchFamily="34" charset="0"/>
+                </a:rPr>
+                <a:t> = 54.81, </a:t>
+              </a:r>
+            </a:p>
+            <a:p>
+              <a:pPr algn="ctr"/>
+              <a:r>
+                <a:rPr lang="en-GB" sz="4000" i="1" dirty="0">
+                  <a:latin typeface="Source Sans Pro" panose="020B0503030403020204" pitchFamily="34" charset="0"/>
+                </a:rPr>
+                <a:t>SD </a:t>
+              </a:r>
+              <a:r>
+                <a:rPr lang="en-GB" sz="4000" dirty="0">
+                  <a:latin typeface="Source Sans Pro" panose="020B0503030403020204" pitchFamily="34" charset="0"/>
+                </a:rPr>
+                <a:t>= 17.54</a:t>
+              </a:r>
+            </a:p>
+          </p:txBody>
+        </p:sp>
+        <p:sp>
+          <p:nvSpPr>
+            <p:cNvPr id="63" name="TextBox 62">
+              <a:extLst>
+                <a:ext uri="{FF2B5EF4-FFF2-40B4-BE49-F238E27FC236}">
+                  <a16:creationId xmlns:a16="http://schemas.microsoft.com/office/drawing/2014/main" id="{78C32A8A-734C-D30A-D519-28D8F172F072}"/>
+                </a:ext>
+              </a:extLst>
+            </p:cNvPr>
+            <p:cNvSpPr txBox="1"/>
+            <p:nvPr/>
+          </p:nvSpPr>
+          <p:spPr>
+            <a:xfrm>
+              <a:off x="39753415" y="11176771"/>
+              <a:ext cx="2354854" cy="1323439"/>
+            </a:xfrm>
+            <a:prstGeom prst="rect">
+              <a:avLst/>
+            </a:prstGeom>
+            <a:noFill/>
+          </p:spPr>
+          <p:txBody>
+            <a:bodyPr wrap="square" rtlCol="0">
+              <a:spAutoFit/>
+            </a:bodyPr>
+            <a:lstStyle/>
+            <a:p>
+              <a:pPr algn="ctr"/>
+              <a:r>
+                <a:rPr lang="en-GB" sz="4000" i="1" dirty="0">
+                  <a:latin typeface="Source Sans Pro" panose="020B0503030403020204" pitchFamily="34" charset="0"/>
+                </a:rPr>
+                <a:t>M</a:t>
+              </a:r>
+              <a:r>
+                <a:rPr lang="en-GB" sz="4000" dirty="0">
+                  <a:latin typeface="Source Sans Pro" panose="020B0503030403020204" pitchFamily="34" charset="0"/>
+                </a:rPr>
+                <a:t> = 43.67, </a:t>
+              </a:r>
+            </a:p>
+            <a:p>
+              <a:pPr algn="ctr"/>
+              <a:r>
+                <a:rPr lang="en-GB" sz="4000" i="1" dirty="0">
+                  <a:latin typeface="Source Sans Pro" panose="020B0503030403020204" pitchFamily="34" charset="0"/>
+                </a:rPr>
+                <a:t>SD </a:t>
+              </a:r>
+              <a:r>
+                <a:rPr lang="en-GB" sz="4000" dirty="0">
+                  <a:latin typeface="Source Sans Pro" panose="020B0503030403020204" pitchFamily="34" charset="0"/>
+                </a:rPr>
+                <a:t>= 8.46</a:t>
+              </a:r>
+            </a:p>
+          </p:txBody>
+        </p:sp>
+      </p:grpSp>
+      <p:sp>
+        <p:nvSpPr>
+          <p:cNvPr id="68" name="Rectangle 67">
+            <a:extLst>
+              <a:ext uri="{FF2B5EF4-FFF2-40B4-BE49-F238E27FC236}">
+                <a16:creationId xmlns:a16="http://schemas.microsoft.com/office/drawing/2014/main" id="{41C7B20C-4B1C-4FBE-E0DC-F18CDD6F6D58}"/>
+              </a:ext>
+            </a:extLst>
+          </p:cNvPr>
+          <p:cNvSpPr/>
+          <p:nvPr/>
+        </p:nvSpPr>
+        <p:spPr>
+          <a:xfrm>
+            <a:off x="22536041" y="29155682"/>
+            <a:ext cx="20272958" cy="2771657"/>
+          </a:xfrm>
+          <a:prstGeom prst="rect">
+            <a:avLst/>
+          </a:prstGeom>
+          <a:noFill/>
+          <a:ln>
+            <a:noFill/>
+          </a:ln>
+        </p:spPr>
+        <p:style>
+          <a:lnRef idx="2">
+            <a:schemeClr val="accent1">
+              <a:shade val="15000"/>
+            </a:schemeClr>
+          </a:lnRef>
+          <a:fillRef idx="1">
+            <a:schemeClr val="accent1"/>
+          </a:fillRef>
+          <a:effectRef idx="0">
+            <a:schemeClr val="accent1"/>
+          </a:effectRef>
+          <a:fontRef idx="minor">
+            <a:schemeClr val="lt1"/>
+          </a:fontRef>
+        </p:style>
+        <p:txBody>
+          <a:bodyPr rtlCol="0" anchor="ctr"/>
+          <a:lstStyle/>
+          <a:p>
+            <a:pPr marL="685800" indent="-685800">
+              <a:buFont typeface="Arial" panose="020B0604020202020204" pitchFamily="34" charset="0"/>
+              <a:buChar char="•"/>
+            </a:pPr>
+            <a:endParaRPr lang="en-GB" sz="5000" dirty="0">
+              <a:solidFill>
+                <a:srgbClr val="131E29"/>
+              </a:solidFill>
+              <a:latin typeface="Source Sans Pro" panose="020B0503030403020204" pitchFamily="34" charset="0"/>
+            </a:endParaRPr>
+          </a:p>
+        </p:txBody>
+      </p:sp>
+      <p:sp>
+        <p:nvSpPr>
+          <p:cNvPr id="71" name="TextBox 70">
+            <a:extLst>
+              <a:ext uri="{FF2B5EF4-FFF2-40B4-BE49-F238E27FC236}">
+                <a16:creationId xmlns:a16="http://schemas.microsoft.com/office/drawing/2014/main" id="{5851CF78-89AD-2335-A50E-8284789841D8}"/>
+              </a:ext>
+            </a:extLst>
+          </p:cNvPr>
+          <p:cNvSpPr txBox="1"/>
+          <p:nvPr/>
+        </p:nvSpPr>
+        <p:spPr>
+          <a:xfrm>
+            <a:off x="22491549" y="26681267"/>
+            <a:ext cx="19669122" cy="2400657"/>
+          </a:xfrm>
+          <a:prstGeom prst="rect">
+            <a:avLst/>
+          </a:prstGeom>
+          <a:noFill/>
+        </p:spPr>
+        <p:txBody>
+          <a:bodyPr wrap="square">
+            <a:spAutoFit/>
+          </a:bodyPr>
+          <a:lstStyle/>
+          <a:p>
+            <a:pPr marL="685800" indent="-685800">
+              <a:buFont typeface="Arial" panose="020B0604020202020204" pitchFamily="34" charset="0"/>
+              <a:buChar char="•"/>
+            </a:pPr>
+            <a:r>
+              <a:rPr lang="en-GB" sz="5000" dirty="0">
+                <a:solidFill>
+                  <a:srgbClr val="131E29"/>
+                </a:solidFill>
+                <a:latin typeface="Source Sans Pro" panose="020B0503030403020204" pitchFamily="34" charset="0"/>
+              </a:rPr>
+              <a:t>Statistical testing revealed </a:t>
+            </a:r>
+            <a:r>
+              <a:rPr lang="en-GB" sz="5000" b="1" dirty="0">
+                <a:solidFill>
+                  <a:srgbClr val="131E29"/>
+                </a:solidFill>
+                <a:latin typeface="Source Sans Pro" panose="020B0503030403020204" pitchFamily="34" charset="0"/>
+              </a:rPr>
+              <a:t>ambiguous</a:t>
+            </a:r>
+            <a:r>
+              <a:rPr lang="en-GB" sz="5000" dirty="0">
+                <a:solidFill>
+                  <a:srgbClr val="131E29"/>
+                </a:solidFill>
+                <a:latin typeface="Source Sans Pro" panose="020B0503030403020204" pitchFamily="34" charset="0"/>
+              </a:rPr>
+              <a:t> </a:t>
+            </a:r>
+            <a:r>
+              <a:rPr lang="en-GB" sz="5000" b="1" dirty="0">
+                <a:solidFill>
+                  <a:srgbClr val="131E29"/>
+                </a:solidFill>
+                <a:latin typeface="Source Sans Pro" panose="020B0503030403020204" pitchFamily="34" charset="0"/>
+              </a:rPr>
+              <a:t>evidence</a:t>
+            </a:r>
+            <a:r>
+              <a:rPr lang="en-GB" sz="5000" dirty="0">
+                <a:solidFill>
+                  <a:srgbClr val="131E29"/>
+                </a:solidFill>
+                <a:latin typeface="Source Sans Pro" panose="020B0503030403020204" pitchFamily="34" charset="0"/>
+              </a:rPr>
+              <a:t> (</a:t>
+            </a:r>
+            <a:r>
+              <a:rPr lang="en-GB" sz="5000" i="1" dirty="0">
+                <a:solidFill>
+                  <a:srgbClr val="131E29"/>
+                </a:solidFill>
+                <a:latin typeface="Source Sans Pro" panose="020B0503030403020204" pitchFamily="34" charset="0"/>
+              </a:rPr>
+              <a:t>p</a:t>
+            </a:r>
+            <a:r>
+              <a:rPr lang="en-GB" sz="5000" dirty="0">
+                <a:solidFill>
+                  <a:srgbClr val="131E29"/>
+                </a:solidFill>
+                <a:latin typeface="Source Sans Pro" panose="020B0503030403020204" pitchFamily="34" charset="0"/>
+              </a:rPr>
+              <a:t> = .086, BF = 1.02) for an association between </a:t>
+            </a:r>
+            <a:r>
+              <a:rPr lang="en-GB" sz="5000" b="1" dirty="0">
+                <a:solidFill>
+                  <a:srgbClr val="131E29"/>
+                </a:solidFill>
+                <a:latin typeface="Source Sans Pro" panose="020B0503030403020204" pitchFamily="34" charset="0"/>
+              </a:rPr>
+              <a:t>total hours of playtime </a:t>
+            </a:r>
+            <a:r>
+              <a:rPr lang="en-GB" sz="5000" dirty="0">
+                <a:solidFill>
+                  <a:srgbClr val="131E29"/>
+                </a:solidFill>
+                <a:latin typeface="Source Sans Pro" panose="020B0503030403020204" pitchFamily="34" charset="0"/>
+              </a:rPr>
+              <a:t>and Learner/Non-Learner group status.</a:t>
+            </a:r>
+          </a:p>
+        </p:txBody>
+      </p:sp>
+      <p:grpSp>
+        <p:nvGrpSpPr>
+          <p:cNvPr id="75" name="Group 74">
+            <a:extLst>
+              <a:ext uri="{FF2B5EF4-FFF2-40B4-BE49-F238E27FC236}">
+                <a16:creationId xmlns:a16="http://schemas.microsoft.com/office/drawing/2014/main" id="{EB229131-718D-653C-D5A0-44561CE449BF}"/>
+              </a:ext>
+            </a:extLst>
+          </p:cNvPr>
+          <p:cNvGrpSpPr/>
+          <p:nvPr/>
+        </p:nvGrpSpPr>
+        <p:grpSpPr>
+          <a:xfrm>
+            <a:off x="22579619" y="15565767"/>
+            <a:ext cx="20317450" cy="5962725"/>
+            <a:chOff x="22778373" y="15705698"/>
+            <a:chExt cx="16553122" cy="4557650"/>
+          </a:xfrm>
+        </p:grpSpPr>
+        <p:grpSp>
+          <p:nvGrpSpPr>
+            <p:cNvPr id="74" name="Group 73">
+              <a:extLst>
+                <a:ext uri="{FF2B5EF4-FFF2-40B4-BE49-F238E27FC236}">
+                  <a16:creationId xmlns:a16="http://schemas.microsoft.com/office/drawing/2014/main" id="{BFE7E948-75AE-5084-DCAC-EDEB196CE05C}"/>
+                </a:ext>
+              </a:extLst>
+            </p:cNvPr>
+            <p:cNvGrpSpPr/>
+            <p:nvPr/>
+          </p:nvGrpSpPr>
+          <p:grpSpPr>
+            <a:xfrm>
+              <a:off x="22778373" y="15705698"/>
+              <a:ext cx="16553122" cy="4194745"/>
+              <a:chOff x="22778373" y="15705698"/>
+              <a:chExt cx="16553122" cy="4194745"/>
+            </a:xfrm>
+          </p:grpSpPr>
+          <p:pic>
+            <p:nvPicPr>
+              <p:cNvPr id="41" name="Picture 40" descr="A diagram of a function&#10;&#10;Description automatically generated with medium confidence">
+                <a:extLst>
+                  <a:ext uri="{FF2B5EF4-FFF2-40B4-BE49-F238E27FC236}">
+                    <a16:creationId xmlns:a16="http://schemas.microsoft.com/office/drawing/2014/main" id="{8B4E3C74-62BC-C8E1-368E-B89B19AC4E0F}"/>
+                  </a:ext>
+                </a:extLst>
+              </p:cNvPr>
+              <p:cNvPicPr>
+                <a:picLocks noChangeAspect="1"/>
+              </p:cNvPicPr>
+              <p:nvPr/>
+            </p:nvPicPr>
+            <p:blipFill rotWithShape="1">
+              <a:blip r:embed="rId24">
+                <a:extLst>
+                  <a:ext uri="{28A0092B-C50C-407E-A947-70E740481C1C}">
+                    <a14:useLocalDpi xmlns:a14="http://schemas.microsoft.com/office/drawing/2010/main" val="0"/>
+                  </a:ext>
+                </a:extLst>
+              </a:blip>
+              <a:srcRect l="3722" t="1380" r="64653" b="52402"/>
+              <a:stretch/>
+            </p:blipFill>
+            <p:spPr>
+              <a:xfrm>
+                <a:off x="23137563" y="15705698"/>
+                <a:ext cx="4018526" cy="4194744"/>
+              </a:xfrm>
+              <a:prstGeom prst="rect">
+                <a:avLst/>
+              </a:prstGeom>
+            </p:spPr>
+          </p:pic>
+          <p:pic>
+            <p:nvPicPr>
+              <p:cNvPr id="69" name="Picture 68" descr="A diagram of a function&#10;&#10;Description automatically generated with medium confidence">
+                <a:extLst>
+                  <a:ext uri="{FF2B5EF4-FFF2-40B4-BE49-F238E27FC236}">
+                    <a16:creationId xmlns:a16="http://schemas.microsoft.com/office/drawing/2014/main" id="{1F84C129-F982-7966-7F56-AFA934352108}"/>
+                  </a:ext>
+                </a:extLst>
+              </p:cNvPr>
+              <p:cNvPicPr>
+                <a:picLocks noChangeAspect="1"/>
+              </p:cNvPicPr>
+              <p:nvPr/>
+            </p:nvPicPr>
+            <p:blipFill rotWithShape="1">
+              <a:blip r:embed="rId24">
+                <a:extLst>
+                  <a:ext uri="{28A0092B-C50C-407E-A947-70E740481C1C}">
+                    <a14:useLocalDpi xmlns:a14="http://schemas.microsoft.com/office/drawing/2010/main" val="0"/>
+                  </a:ext>
+                </a:extLst>
+              </a:blip>
+              <a:srcRect l="2979" t="48724" b="4634"/>
+              <a:stretch/>
+            </p:blipFill>
+            <p:spPr>
+              <a:xfrm>
+                <a:off x="27115793" y="15705699"/>
+                <a:ext cx="12215702" cy="4194744"/>
               </a:xfrm>
               <a:prstGeom prst="rect">
                 <a:avLst/>
@@ -6201,69 +7809,10 @@
           </p:pic>
           <p:sp>
             <p:nvSpPr>
-              <p:cNvPr id="22" name="TextBox 30">
+              <p:cNvPr id="72" name="TextBox 71">
                 <a:extLst>
                   <a:ext uri="{FF2B5EF4-FFF2-40B4-BE49-F238E27FC236}">
-                    <a16:creationId xmlns:a16="http://schemas.microsoft.com/office/drawing/2014/main" id="{A8FDD62D-0F1E-4733-B233-510DE03D614F}"/>
-                  </a:ext>
-                </a:extLst>
-              </p:cNvPr>
-              <p:cNvSpPr txBox="1"/>
-              <p:nvPr/>
-            </p:nvSpPr>
-            <p:spPr>
-              <a:xfrm rot="16200000">
-                <a:off x="31356519" y="7839155"/>
-                <a:ext cx="7199998" cy="877163"/>
-              </a:xfrm>
-              <a:prstGeom prst="rect">
-                <a:avLst/>
-              </a:prstGeom>
-              <a:solidFill>
-                <a:schemeClr val="bg1"/>
-              </a:solidFill>
-              <a:ln cap="flat">
-                <a:noFill/>
-              </a:ln>
-            </p:spPr>
-            <p:txBody>
-              <a:bodyPr vert="horz" wrap="square" lIns="106680" tIns="53340" rIns="106680" bIns="53340" anchor="t" anchorCtr="0" compatLnSpc="1">
-                <a:spAutoFit/>
-              </a:bodyPr>
-              <a:lstStyle/>
-              <a:p>
-                <a:pPr algn="ctr" defTabSz="1066830">
-                  <a:defRPr sz="1800" b="0" i="0" u="none" strike="noStrike" kern="0" cap="none" spc="0" baseline="0">
-                    <a:solidFill>
-                      <a:srgbClr val="000000"/>
-                    </a:solidFill>
-                    <a:uFillTx/>
-                  </a:defRPr>
-                </a:pPr>
-                <a:r>
-                  <a:rPr lang="en-GB" sz="5000" b="1" kern="0" dirty="0">
-                    <a:solidFill>
-                      <a:srgbClr val="131E29"/>
-                    </a:solidFill>
-                    <a:latin typeface="Source Sans Pro" panose="020B0503030403020204" pitchFamily="34" charset="0"/>
-                  </a:rPr>
-                  <a:t>% Correct</a:t>
-                </a:r>
-                <a:endParaRPr lang="en-GB" sz="5000" b="1" dirty="0">
-                  <a:solidFill>
-                    <a:srgbClr val="131E29"/>
-                  </a:solidFill>
-                  <a:latin typeface="Source Sans Pro" panose="020B0503030403020204" pitchFamily="34" charset="0"/>
-                </a:endParaRPr>
-              </a:p>
-            </p:txBody>
-          </p:sp>
-          <p:sp>
-            <p:nvSpPr>
-              <p:cNvPr id="23" name="TextBox 30">
-                <a:extLst>
-                  <a:ext uri="{FF2B5EF4-FFF2-40B4-BE49-F238E27FC236}">
-                    <a16:creationId xmlns:a16="http://schemas.microsoft.com/office/drawing/2014/main" id="{3271F4A0-163F-3CC4-A990-EB30539EFAD4}"/>
+                    <a16:creationId xmlns:a16="http://schemas.microsoft.com/office/drawing/2014/main" id="{3DF6C1C1-94DC-9112-A82C-B071ADB4D4F4}"/>
                   </a:ext>
                 </a:extLst>
               </p:cNvPr>
@@ -6272,8 +7821,8 @@
             </p:nvSpPr>
             <p:spPr>
               <a:xfrm>
-                <a:off x="34517936" y="11877735"/>
-                <a:ext cx="8649202" cy="1044000"/>
+                <a:off x="22778373" y="15705698"/>
+                <a:ext cx="360000" cy="4194744"/>
               </a:xfrm>
               <a:prstGeom prst="rect">
                 <a:avLst/>
@@ -6281,276 +7830,24 @@
               <a:solidFill>
                 <a:schemeClr val="bg1"/>
               </a:solidFill>
-              <a:ln cap="flat">
-                <a:noFill/>
-              </a:ln>
             </p:spPr>
             <p:txBody>
-              <a:bodyPr vert="horz" wrap="square" lIns="106680" tIns="53340" rIns="106680" bIns="53340" anchor="t" anchorCtr="0" compatLnSpc="1">
+              <a:bodyPr wrap="square" rtlCol="0">
                 <a:spAutoFit/>
               </a:bodyPr>
               <a:lstStyle/>
               <a:p>
-                <a:pPr algn="ctr" defTabSz="1066830">
-                  <a:defRPr sz="1800" b="0" i="0" u="none" strike="noStrike" kern="0" cap="none" spc="0" baseline="0">
-                    <a:solidFill>
-                      <a:srgbClr val="000000"/>
-                    </a:solidFill>
-                    <a:uFillTx/>
-                  </a:defRPr>
-                </a:pPr>
-                <a:endParaRPr lang="en-GB" sz="5000" b="1" dirty="0">
-                  <a:solidFill>
-                    <a:srgbClr val="131E29"/>
-                  </a:solidFill>
-                  <a:latin typeface="Source Sans Pro" panose="020B0503030403020204" pitchFamily="34" charset="0"/>
-                </a:endParaRPr>
-              </a:p>
-            </p:txBody>
-          </p:sp>
-          <p:sp>
-            <p:nvSpPr>
-              <p:cNvPr id="24" name="TextBox 30">
-                <a:extLst>
-                  <a:ext uri="{FF2B5EF4-FFF2-40B4-BE49-F238E27FC236}">
-                    <a16:creationId xmlns:a16="http://schemas.microsoft.com/office/drawing/2014/main" id="{EF2C37C7-657A-D4AE-6E2F-FD6390B3A9C9}"/>
-                  </a:ext>
-                </a:extLst>
-              </p:cNvPr>
-              <p:cNvSpPr txBox="1"/>
-              <p:nvPr/>
-            </p:nvSpPr>
-            <p:spPr>
-              <a:xfrm>
-                <a:off x="36800094" y="11885420"/>
-                <a:ext cx="1420289" cy="1031051"/>
-              </a:xfrm>
-              <a:prstGeom prst="rect">
-                <a:avLst/>
-              </a:prstGeom>
-              <a:solidFill>
-                <a:schemeClr val="bg1"/>
-              </a:solidFill>
-              <a:ln cap="flat">
-                <a:noFill/>
-              </a:ln>
-            </p:spPr>
-            <p:txBody>
-              <a:bodyPr vert="horz" wrap="square" lIns="106680" tIns="53340" rIns="106680" bIns="53340" anchor="t" anchorCtr="0" compatLnSpc="1">
-                <a:spAutoFit/>
-              </a:bodyPr>
-              <a:lstStyle/>
-              <a:p>
-                <a:pPr algn="ctr" defTabSz="1066830">
-                  <a:defRPr sz="1800" b="0" i="0" u="none" strike="noStrike" kern="0" cap="none" spc="0" baseline="0">
-                    <a:solidFill>
-                      <a:srgbClr val="000000"/>
-                    </a:solidFill>
-                    <a:uFillTx/>
-                  </a:defRPr>
-                </a:pPr>
-                <a:r>
-                  <a:rPr lang="en-GB" sz="3000" kern="0" dirty="0">
-                    <a:solidFill>
-                      <a:srgbClr val="131E29"/>
-                    </a:solidFill>
-                    <a:latin typeface="Source Sans Pro" panose="020B0503030403020204" pitchFamily="34" charset="0"/>
-                  </a:rPr>
-                  <a:t>Block 1 Hebb</a:t>
-                </a:r>
-                <a:endParaRPr lang="en-GB" sz="3000" dirty="0">
-                  <a:solidFill>
-                    <a:srgbClr val="131E29"/>
-                  </a:solidFill>
-                  <a:latin typeface="Source Sans Pro" panose="020B0503030403020204" pitchFamily="34" charset="0"/>
-                </a:endParaRPr>
-              </a:p>
-            </p:txBody>
-          </p:sp>
-          <p:sp>
-            <p:nvSpPr>
-              <p:cNvPr id="25" name="TextBox 30">
-                <a:extLst>
-                  <a:ext uri="{FF2B5EF4-FFF2-40B4-BE49-F238E27FC236}">
-                    <a16:creationId xmlns:a16="http://schemas.microsoft.com/office/drawing/2014/main" id="{C5670AEA-4A5F-75A3-F174-BE6AD411E6FB}"/>
-                  </a:ext>
-                </a:extLst>
-              </p:cNvPr>
-              <p:cNvSpPr txBox="1"/>
-              <p:nvPr/>
-            </p:nvSpPr>
-            <p:spPr>
-              <a:xfrm>
-                <a:off x="38335620" y="11890684"/>
-                <a:ext cx="1420289" cy="1031051"/>
-              </a:xfrm>
-              <a:prstGeom prst="rect">
-                <a:avLst/>
-              </a:prstGeom>
-              <a:solidFill>
-                <a:schemeClr val="bg1"/>
-              </a:solidFill>
-              <a:ln cap="flat">
-                <a:noFill/>
-              </a:ln>
-            </p:spPr>
-            <p:txBody>
-              <a:bodyPr vert="horz" wrap="square" lIns="106680" tIns="53340" rIns="106680" bIns="53340" anchor="t" anchorCtr="0" compatLnSpc="1">
-                <a:spAutoFit/>
-              </a:bodyPr>
-              <a:lstStyle/>
-              <a:p>
-                <a:pPr algn="ctr" defTabSz="1066830">
-                  <a:defRPr sz="1800" b="0" i="0" u="none" strike="noStrike" kern="0" cap="none" spc="0" baseline="0">
-                    <a:solidFill>
-                      <a:srgbClr val="000000"/>
-                    </a:solidFill>
-                    <a:uFillTx/>
-                  </a:defRPr>
-                </a:pPr>
-                <a:r>
-                  <a:rPr lang="en-GB" sz="3000" kern="0" dirty="0">
-                    <a:solidFill>
-                      <a:srgbClr val="131E29"/>
-                    </a:solidFill>
-                    <a:latin typeface="Source Sans Pro" panose="020B0503030403020204" pitchFamily="34" charset="0"/>
-                  </a:rPr>
-                  <a:t>Block 2 Hebb</a:t>
-                </a:r>
-                <a:endParaRPr lang="en-GB" sz="3000" dirty="0">
-                  <a:solidFill>
-                    <a:srgbClr val="131E29"/>
-                  </a:solidFill>
-                  <a:latin typeface="Source Sans Pro" panose="020B0503030403020204" pitchFamily="34" charset="0"/>
-                </a:endParaRPr>
-              </a:p>
-            </p:txBody>
-          </p:sp>
-          <p:sp>
-            <p:nvSpPr>
-              <p:cNvPr id="26" name="TextBox 30">
-                <a:extLst>
-                  <a:ext uri="{FF2B5EF4-FFF2-40B4-BE49-F238E27FC236}">
-                    <a16:creationId xmlns:a16="http://schemas.microsoft.com/office/drawing/2014/main" id="{3FD5A4BA-3CF2-79EC-CF64-DD9CC0AE97EC}"/>
-                  </a:ext>
-                </a:extLst>
-              </p:cNvPr>
-              <p:cNvSpPr txBox="1"/>
-              <p:nvPr/>
-            </p:nvSpPr>
-            <p:spPr>
-              <a:xfrm>
-                <a:off x="39871146" y="11885420"/>
-                <a:ext cx="1420289" cy="1031051"/>
-              </a:xfrm>
-              <a:prstGeom prst="rect">
-                <a:avLst/>
-              </a:prstGeom>
-              <a:solidFill>
-                <a:schemeClr val="bg1"/>
-              </a:solidFill>
-              <a:ln cap="flat">
-                <a:noFill/>
-              </a:ln>
-            </p:spPr>
-            <p:txBody>
-              <a:bodyPr vert="horz" wrap="square" lIns="106680" tIns="53340" rIns="106680" bIns="53340" anchor="t" anchorCtr="0" compatLnSpc="1">
-                <a:spAutoFit/>
-              </a:bodyPr>
-              <a:lstStyle/>
-              <a:p>
-                <a:pPr algn="ctr" defTabSz="1066830">
-                  <a:defRPr sz="1800" b="0" i="0" u="none" strike="noStrike" kern="0" cap="none" spc="0" baseline="0">
-                    <a:solidFill>
-                      <a:srgbClr val="000000"/>
-                    </a:solidFill>
-                    <a:uFillTx/>
-                  </a:defRPr>
-                </a:pPr>
-                <a:r>
-                  <a:rPr lang="en-GB" sz="3000" kern="0" dirty="0">
-                    <a:solidFill>
-                      <a:srgbClr val="131E29"/>
-                    </a:solidFill>
-                    <a:latin typeface="Source Sans Pro" panose="020B0503030403020204" pitchFamily="34" charset="0"/>
-                  </a:rPr>
-                  <a:t>Block 1 Filler</a:t>
-                </a:r>
-                <a:endParaRPr lang="en-GB" sz="3000" dirty="0">
-                  <a:solidFill>
-                    <a:srgbClr val="131E29"/>
-                  </a:solidFill>
-                  <a:latin typeface="Source Sans Pro" panose="020B0503030403020204" pitchFamily="34" charset="0"/>
-                </a:endParaRPr>
-              </a:p>
-            </p:txBody>
-          </p:sp>
-          <p:sp>
-            <p:nvSpPr>
-              <p:cNvPr id="27" name="TextBox 30">
-                <a:extLst>
-                  <a:ext uri="{FF2B5EF4-FFF2-40B4-BE49-F238E27FC236}">
-                    <a16:creationId xmlns:a16="http://schemas.microsoft.com/office/drawing/2014/main" id="{82DFA8E7-7CFE-C7ED-6832-D2FC07E7C81E}"/>
-                  </a:ext>
-                </a:extLst>
-              </p:cNvPr>
-              <p:cNvSpPr txBox="1"/>
-              <p:nvPr/>
-            </p:nvSpPr>
-            <p:spPr>
-              <a:xfrm>
-                <a:off x="41406672" y="11890684"/>
-                <a:ext cx="1420289" cy="1031051"/>
-              </a:xfrm>
-              <a:prstGeom prst="rect">
-                <a:avLst/>
-              </a:prstGeom>
-              <a:solidFill>
-                <a:schemeClr val="bg1"/>
-              </a:solidFill>
-              <a:ln cap="flat">
-                <a:noFill/>
-              </a:ln>
-            </p:spPr>
-            <p:txBody>
-              <a:bodyPr vert="horz" wrap="square" lIns="106680" tIns="53340" rIns="106680" bIns="53340" anchor="t" anchorCtr="0" compatLnSpc="1">
-                <a:spAutoFit/>
-              </a:bodyPr>
-              <a:lstStyle/>
-              <a:p>
-                <a:pPr algn="ctr" defTabSz="1066830">
-                  <a:defRPr sz="1800" b="0" i="0" u="none" strike="noStrike" kern="0" cap="none" spc="0" baseline="0">
-                    <a:solidFill>
-                      <a:srgbClr val="000000"/>
-                    </a:solidFill>
-                    <a:uFillTx/>
-                  </a:defRPr>
-                </a:pPr>
-                <a:r>
-                  <a:rPr lang="en-GB" sz="3000" kern="0" dirty="0">
-                    <a:solidFill>
-                      <a:srgbClr val="131E29"/>
-                    </a:solidFill>
-                    <a:latin typeface="Source Sans Pro" panose="020B0503030403020204" pitchFamily="34" charset="0"/>
-                  </a:rPr>
-                  <a:t>Block 2 Filler</a:t>
-                </a:r>
-                <a:endParaRPr lang="en-GB" sz="3000" dirty="0">
-                  <a:solidFill>
-                    <a:srgbClr val="131E29"/>
-                  </a:solidFill>
-                  <a:latin typeface="Source Sans Pro" panose="020B0503030403020204" pitchFamily="34" charset="0"/>
-                </a:endParaRPr>
+                <a:endParaRPr lang="en-GB" dirty="0"/>
               </a:p>
             </p:txBody>
           </p:sp>
         </p:grpSp>
         <p:sp>
           <p:nvSpPr>
-            <p:cNvPr id="30" name="TextBox 30">
+            <p:cNvPr id="73" name="TextBox 72">
               <a:extLst>
                 <a:ext uri="{FF2B5EF4-FFF2-40B4-BE49-F238E27FC236}">
-                  <a16:creationId xmlns:a16="http://schemas.microsoft.com/office/drawing/2014/main" id="{93E09BC5-22FC-0CCE-7DA3-42B5E59200C9}"/>
+                  <a16:creationId xmlns:a16="http://schemas.microsoft.com/office/drawing/2014/main" id="{BEF4CA53-8B5B-DDB8-57C3-48B66E04C8BD}"/>
                 </a:ext>
               </a:extLst>
             </p:cNvPr>
@@ -6558,9 +7855,9 @@
             <p:nvPr/>
           </p:nvSpPr>
           <p:spPr>
-            <a:xfrm>
-              <a:off x="36658388" y="4695069"/>
-              <a:ext cx="6469746" cy="877163"/>
+            <a:xfrm rot="5400000">
+              <a:off x="30875095" y="11806948"/>
+              <a:ext cx="360000" cy="16552800"/>
             </a:xfrm>
             <a:prstGeom prst="rect">
               <a:avLst/>
@@ -6568,79 +7865,61 @@
             <a:solidFill>
               <a:schemeClr val="bg1"/>
             </a:solidFill>
-            <a:ln cap="flat">
-              <a:noFill/>
-            </a:ln>
           </p:spPr>
           <p:txBody>
-            <a:bodyPr vert="horz" wrap="square" lIns="106680" tIns="53340" rIns="106680" bIns="53340" anchor="t" anchorCtr="0" compatLnSpc="1">
+            <a:bodyPr wrap="square" rtlCol="0">
               <a:spAutoFit/>
             </a:bodyPr>
             <a:lstStyle/>
             <a:p>
-              <a:pPr algn="ctr" defTabSz="1066830">
-                <a:defRPr sz="1800" b="0" i="0" u="none" strike="noStrike" kern="0" cap="none" spc="0" baseline="0">
-                  <a:solidFill>
-                    <a:srgbClr val="000000"/>
-                  </a:solidFill>
-                  <a:uFillTx/>
-                </a:defRPr>
-              </a:pPr>
-              <a:r>
-                <a:rPr lang="en-GB" sz="5000" b="1" kern="0" dirty="0">
-                  <a:solidFill>
-                    <a:srgbClr val="131E29"/>
-                  </a:solidFill>
-                  <a:latin typeface="Source Sans Pro" panose="020B0503030403020204" pitchFamily="34" charset="0"/>
-                </a:rPr>
-                <a:t>Mean accuracy</a:t>
-              </a:r>
-              <a:endParaRPr lang="en-GB" sz="5000" b="1" dirty="0">
-                <a:solidFill>
-                  <a:srgbClr val="131E29"/>
-                </a:solidFill>
-                <a:latin typeface="Source Sans Pro" panose="020B0503030403020204" pitchFamily="34" charset="0"/>
-              </a:endParaRPr>
+              <a:endParaRPr lang="en-GB" dirty="0"/>
             </a:p>
           </p:txBody>
         </p:sp>
       </p:grpSp>
-      <p:pic>
-        <p:nvPicPr>
-          <p:cNvPr id="41" name="Picture 40" descr="A diagram of a function&#10;&#10;Description automatically generated with medium confidence">
+      <p:sp>
+        <p:nvSpPr>
+          <p:cNvPr id="77" name="TextBox 76">
             <a:extLst>
               <a:ext uri="{FF2B5EF4-FFF2-40B4-BE49-F238E27FC236}">
-                <a16:creationId xmlns:a16="http://schemas.microsoft.com/office/drawing/2014/main" id="{8B4E3C74-62BC-C8E1-368E-B89B19AC4E0F}"/>
+                <a16:creationId xmlns:a16="http://schemas.microsoft.com/office/drawing/2014/main" id="{3CE01F6F-936D-AEFD-775F-F7640BA7DF90}"/>
               </a:ext>
             </a:extLst>
           </p:cNvPr>
-          <p:cNvPicPr>
-            <a:picLocks noChangeAspect="1"/>
-          </p:cNvPicPr>
+          <p:cNvSpPr txBox="1"/>
           <p:nvPr/>
-        </p:nvPicPr>
-        <p:blipFill>
-          <a:blip r:embed="rId22">
-            <a:extLst>
-              <a:ext uri="{28A0092B-C50C-407E-A947-70E740481C1C}">
-                <a14:useLocalDpi xmlns:a14="http://schemas.microsoft.com/office/drawing/2010/main" val="0"/>
-              </a:ext>
-            </a:extLst>
-          </a:blip>
-          <a:stretch>
-            <a:fillRect/>
-          </a:stretch>
-        </p:blipFill>
+        </p:nvSpPr>
         <p:spPr>
           <a:xfrm>
-            <a:off x="22768020" y="13672167"/>
-            <a:ext cx="20042786" cy="14316275"/>
+            <a:off x="22325074" y="6678708"/>
+            <a:ext cx="11465047" cy="861774"/>
           </a:xfrm>
           <a:prstGeom prst="rect">
             <a:avLst/>
           </a:prstGeom>
+          <a:solidFill>
+            <a:srgbClr val="9ADBE8"/>
+          </a:solidFill>
         </p:spPr>
-      </p:pic>
+        <p:txBody>
+          <a:bodyPr wrap="square">
+            <a:spAutoFit/>
+          </a:bodyPr>
+          <a:lstStyle/>
+          <a:p>
+            <a:pPr algn="ctr"/>
+            <a:r>
+              <a:rPr lang="en-GB" sz="5000" b="1" dirty="0">
+                <a:solidFill>
+                  <a:srgbClr val="131E29"/>
+                </a:solidFill>
+                <a:latin typeface="Source Sans Pro" panose="020B0503030403020204" pitchFamily="34" charset="0"/>
+              </a:rPr>
+              <a:t>Bayesian Hierarchical Mixture Modelling</a:t>
+            </a:r>
+          </a:p>
+        </p:txBody>
+      </p:sp>
     </p:spTree>
     <p:extLst>
       <p:ext uri="{BB962C8B-B14F-4D97-AF65-F5344CB8AC3E}">

--- a/posters/23.11.2024 Psychonomics.pptx
+++ b/posters/23.11.2024 Psychonomics.pptx
@@ -197,7 +197,7 @@
           <a:p>
             <a:fld id="{EEC5D35E-0963-4D6F-988F-33756D057105}" type="datetimeFigureOut">
               <a:rPr lang="en-GB" smtClean="0"/>
-              <a:t>13/11/2024</a:t>
+              <a:t>14/11/2024</a:t>
             </a:fld>
             <a:endParaRPr lang="en-GB"/>
           </a:p>
@@ -705,7 +705,7 @@
           <a:p>
             <a:fld id="{CC43DE9C-2BD6-4679-B7E2-0596B4CBC97F}" type="datetimeFigureOut">
               <a:rPr lang="en-GB" smtClean="0"/>
-              <a:t>13/11/2024</a:t>
+              <a:t>14/11/2024</a:t>
             </a:fld>
             <a:endParaRPr lang="en-GB"/>
           </a:p>
@@ -875,7 +875,7 @@
           <a:p>
             <a:fld id="{CC43DE9C-2BD6-4679-B7E2-0596B4CBC97F}" type="datetimeFigureOut">
               <a:rPr lang="en-GB" smtClean="0"/>
-              <a:t>13/11/2024</a:t>
+              <a:t>14/11/2024</a:t>
             </a:fld>
             <a:endParaRPr lang="en-GB"/>
           </a:p>
@@ -1055,7 +1055,7 @@
           <a:p>
             <a:fld id="{CC43DE9C-2BD6-4679-B7E2-0596B4CBC97F}" type="datetimeFigureOut">
               <a:rPr lang="en-GB" smtClean="0"/>
-              <a:t>13/11/2024</a:t>
+              <a:t>14/11/2024</a:t>
             </a:fld>
             <a:endParaRPr lang="en-GB"/>
           </a:p>
@@ -1225,7 +1225,7 @@
           <a:p>
             <a:fld id="{CC43DE9C-2BD6-4679-B7E2-0596B4CBC97F}" type="datetimeFigureOut">
               <a:rPr lang="en-GB" smtClean="0"/>
-              <a:t>13/11/2024</a:t>
+              <a:t>14/11/2024</a:t>
             </a:fld>
             <a:endParaRPr lang="en-GB"/>
           </a:p>
@@ -1469,7 +1469,7 @@
           <a:p>
             <a:fld id="{CC43DE9C-2BD6-4679-B7E2-0596B4CBC97F}" type="datetimeFigureOut">
               <a:rPr lang="en-GB" smtClean="0"/>
-              <a:t>13/11/2024</a:t>
+              <a:t>14/11/2024</a:t>
             </a:fld>
             <a:endParaRPr lang="en-GB"/>
           </a:p>
@@ -1701,7 +1701,7 @@
           <a:p>
             <a:fld id="{CC43DE9C-2BD6-4679-B7E2-0596B4CBC97F}" type="datetimeFigureOut">
               <a:rPr lang="en-GB" smtClean="0"/>
-              <a:t>13/11/2024</a:t>
+              <a:t>14/11/2024</a:t>
             </a:fld>
             <a:endParaRPr lang="en-GB"/>
           </a:p>
@@ -2068,7 +2068,7 @@
           <a:p>
             <a:fld id="{CC43DE9C-2BD6-4679-B7E2-0596B4CBC97F}" type="datetimeFigureOut">
               <a:rPr lang="en-GB" smtClean="0"/>
-              <a:t>13/11/2024</a:t>
+              <a:t>14/11/2024</a:t>
             </a:fld>
             <a:endParaRPr lang="en-GB"/>
           </a:p>
@@ -2186,7 +2186,7 @@
           <a:p>
             <a:fld id="{CC43DE9C-2BD6-4679-B7E2-0596B4CBC97F}" type="datetimeFigureOut">
               <a:rPr lang="en-GB" smtClean="0"/>
-              <a:t>13/11/2024</a:t>
+              <a:t>14/11/2024</a:t>
             </a:fld>
             <a:endParaRPr lang="en-GB"/>
           </a:p>
@@ -2281,7 +2281,7 @@
           <a:p>
             <a:fld id="{CC43DE9C-2BD6-4679-B7E2-0596B4CBC97F}" type="datetimeFigureOut">
               <a:rPr lang="en-GB" smtClean="0"/>
-              <a:t>13/11/2024</a:t>
+              <a:t>14/11/2024</a:t>
             </a:fld>
             <a:endParaRPr lang="en-GB"/>
           </a:p>
@@ -2558,7 +2558,7 @@
           <a:p>
             <a:fld id="{CC43DE9C-2BD6-4679-B7E2-0596B4CBC97F}" type="datetimeFigureOut">
               <a:rPr lang="en-GB" smtClean="0"/>
-              <a:t>13/11/2024</a:t>
+              <a:t>14/11/2024</a:t>
             </a:fld>
             <a:endParaRPr lang="en-GB"/>
           </a:p>
@@ -2815,7 +2815,7 @@
           <a:p>
             <a:fld id="{CC43DE9C-2BD6-4679-B7E2-0596B4CBC97F}" type="datetimeFigureOut">
               <a:rPr lang="en-GB" smtClean="0"/>
-              <a:t>13/11/2024</a:t>
+              <a:t>14/11/2024</a:t>
             </a:fld>
             <a:endParaRPr lang="en-GB"/>
           </a:p>
@@ -3028,7 +3028,7 @@
           <a:p>
             <a:fld id="{CC43DE9C-2BD6-4679-B7E2-0596B4CBC97F}" type="datetimeFigureOut">
               <a:rPr lang="en-GB" smtClean="0"/>
-              <a:t>13/11/2024</a:t>
+              <a:t>14/11/2024</a:t>
             </a:fld>
             <a:endParaRPr lang="en-GB"/>
           </a:p>
@@ -3447,8 +3447,8 @@
         </p:nvSpPr>
         <p:spPr>
           <a:xfrm>
-            <a:off x="22305544" y="4677738"/>
-            <a:ext cx="20865600" cy="27520662"/>
+            <a:off x="22126022" y="3597738"/>
+            <a:ext cx="20865600" cy="28600662"/>
           </a:xfrm>
           <a:prstGeom prst="rect">
             <a:avLst/>
@@ -3491,6 +3491,174 @@
           </a:p>
         </p:txBody>
       </p:sp>
+      <p:pic>
+        <p:nvPicPr>
+          <p:cNvPr id="83" name="Picture 82" descr="A diagram of a function&#10;&#10;Description automatically generated with medium confidence">
+            <a:extLst>
+              <a:ext uri="{FF2B5EF4-FFF2-40B4-BE49-F238E27FC236}">
+                <a16:creationId xmlns:a16="http://schemas.microsoft.com/office/drawing/2014/main" id="{616A8DFE-B6E2-0A91-DBAE-992426BA4A45}"/>
+              </a:ext>
+            </a:extLst>
+          </p:cNvPr>
+          <p:cNvPicPr>
+            <a:picLocks noChangeAspect="1"/>
+          </p:cNvPicPr>
+          <p:nvPr/>
+        </p:nvPicPr>
+        <p:blipFill>
+          <a:blip r:embed="rId3">
+            <a:extLst>
+              <a:ext uri="{28A0092B-C50C-407E-A947-70E740481C1C}">
+                <a14:useLocalDpi xmlns:a14="http://schemas.microsoft.com/office/drawing/2010/main" val="0"/>
+              </a:ext>
+            </a:extLst>
+          </a:blip>
+          <a:stretch>
+            <a:fillRect/>
+          </a:stretch>
+        </p:blipFill>
+        <p:spPr>
+          <a:xfrm>
+            <a:off x="22264453" y="16127421"/>
+            <a:ext cx="11425986" cy="8161418"/>
+          </a:xfrm>
+          <a:prstGeom prst="rect">
+            <a:avLst/>
+          </a:prstGeom>
+        </p:spPr>
+      </p:pic>
+      <p:grpSp>
+        <p:nvGrpSpPr>
+          <p:cNvPr id="14" name="Group 13">
+            <a:extLst>
+              <a:ext uri="{FF2B5EF4-FFF2-40B4-BE49-F238E27FC236}">
+                <a16:creationId xmlns:a16="http://schemas.microsoft.com/office/drawing/2014/main" id="{C40C28F3-5B60-58C6-BBD1-6D680B17D584}"/>
+              </a:ext>
+            </a:extLst>
+          </p:cNvPr>
+          <p:cNvGrpSpPr/>
+          <p:nvPr/>
+        </p:nvGrpSpPr>
+        <p:grpSpPr>
+          <a:xfrm>
+            <a:off x="33813592" y="13035586"/>
+            <a:ext cx="9085709" cy="12004288"/>
+            <a:chOff x="33231915" y="13710391"/>
+            <a:chExt cx="9690080" cy="12413918"/>
+          </a:xfrm>
+        </p:grpSpPr>
+        <p:pic>
+          <p:nvPicPr>
+            <p:cNvPr id="54" name="Picture 53" descr="A graph of a number of dots and lines&#10;&#10;Description automatically generated with medium confidence">
+              <a:extLst>
+                <a:ext uri="{FF2B5EF4-FFF2-40B4-BE49-F238E27FC236}">
+                  <a16:creationId xmlns:a16="http://schemas.microsoft.com/office/drawing/2014/main" id="{DDEC2E7B-6C0B-0B7A-C55B-F067A5DE0DA3}"/>
+                </a:ext>
+              </a:extLst>
+            </p:cNvPr>
+            <p:cNvPicPr>
+              <a:picLocks noChangeAspect="1"/>
+            </p:cNvPicPr>
+            <p:nvPr/>
+          </p:nvPicPr>
+          <p:blipFill>
+            <a:blip r:embed="rId4">
+              <a:extLst>
+                <a:ext uri="{28A0092B-C50C-407E-A947-70E740481C1C}">
+                  <a14:useLocalDpi xmlns:a14="http://schemas.microsoft.com/office/drawing/2010/main" val="0"/>
+                </a:ext>
+              </a:extLst>
+            </a:blip>
+            <a:srcRect l="21999" b="1476"/>
+            <a:stretch/>
+          </p:blipFill>
+          <p:spPr>
+            <a:xfrm>
+              <a:off x="38385952" y="13710393"/>
+              <a:ext cx="4536043" cy="12413916"/>
+            </a:xfrm>
+            <a:prstGeom prst="rect">
+              <a:avLst/>
+            </a:prstGeom>
+          </p:spPr>
+        </p:pic>
+        <p:pic>
+          <p:nvPicPr>
+            <p:cNvPr id="45" name="Picture 44" descr="A graph with numbers and lines&#10;&#10;Description automatically generated with medium confidence">
+              <a:extLst>
+                <a:ext uri="{FF2B5EF4-FFF2-40B4-BE49-F238E27FC236}">
+                  <a16:creationId xmlns:a16="http://schemas.microsoft.com/office/drawing/2014/main" id="{C86CC911-EC61-5B5B-59BC-AE99C4EDDBCD}"/>
+                </a:ext>
+              </a:extLst>
+            </p:cNvPr>
+            <p:cNvPicPr>
+              <a:picLocks noChangeAspect="1"/>
+            </p:cNvPicPr>
+            <p:nvPr/>
+          </p:nvPicPr>
+          <p:blipFill>
+            <a:blip r:embed="rId5">
+              <a:extLst>
+                <a:ext uri="{28A0092B-C50C-407E-A947-70E740481C1C}">
+                  <a14:useLocalDpi xmlns:a14="http://schemas.microsoft.com/office/drawing/2010/main" val="0"/>
+                </a:ext>
+              </a:extLst>
+            </a:blip>
+            <a:srcRect l="22947" b="1584"/>
+            <a:stretch/>
+          </p:blipFill>
+          <p:spPr>
+            <a:xfrm>
+              <a:off x="33935560" y="13710393"/>
+              <a:ext cx="4480964" cy="12400427"/>
+            </a:xfrm>
+            <a:prstGeom prst="rect">
+              <a:avLst/>
+            </a:prstGeom>
+          </p:spPr>
+        </p:pic>
+        <p:sp>
+          <p:nvSpPr>
+            <p:cNvPr id="13" name="TextBox 12">
+              <a:extLst>
+                <a:ext uri="{FF2B5EF4-FFF2-40B4-BE49-F238E27FC236}">
+                  <a16:creationId xmlns:a16="http://schemas.microsoft.com/office/drawing/2014/main" id="{577ABFA0-19F3-CD20-1672-F0ED6E9F6D41}"/>
+                </a:ext>
+              </a:extLst>
+            </p:cNvPr>
+            <p:cNvSpPr txBox="1"/>
+            <p:nvPr/>
+          </p:nvSpPr>
+          <p:spPr>
+            <a:xfrm rot="16200000">
+              <a:off x="27385644" y="19556662"/>
+              <a:ext cx="12400427" cy="707886"/>
+            </a:xfrm>
+            <a:prstGeom prst="rect">
+              <a:avLst/>
+            </a:prstGeom>
+            <a:solidFill>
+              <a:schemeClr val="bg1"/>
+            </a:solidFill>
+          </p:spPr>
+          <p:txBody>
+            <a:bodyPr wrap="square" rtlCol="0">
+              <a:spAutoFit/>
+            </a:bodyPr>
+            <a:lstStyle/>
+            <a:p>
+              <a:pPr algn="ctr"/>
+              <a:r>
+                <a:rPr lang="en-GB" sz="4000" b="1" dirty="0">
+                  <a:latin typeface="Source Sans Pro" panose="020B0503030403020204" pitchFamily="34" charset="0"/>
+                  <a:ea typeface="Source Sans Pro" panose="020B0503030403020204" pitchFamily="34" charset="0"/>
+                </a:rPr>
+                <a:t>Participant</a:t>
+              </a:r>
+            </a:p>
+          </p:txBody>
+        </p:sp>
+      </p:grpSp>
       <p:sp>
         <p:nvSpPr>
           <p:cNvPr id="6" name="Rectangle 5">
@@ -3972,7 +4140,7 @@
           <p:nvPr/>
         </p:nvPicPr>
         <p:blipFill>
-          <a:blip r:embed="rId3"/>
+          <a:blip r:embed="rId6"/>
           <a:stretch>
             <a:fillRect/>
           </a:stretch>
@@ -3987,63 +4155,6 @@
           </a:prstGeom>
         </p:spPr>
       </p:pic>
-      <p:sp>
-        <p:nvSpPr>
-          <p:cNvPr id="118" name="Rectangle 117">
-            <a:extLst>
-              <a:ext uri="{FF2B5EF4-FFF2-40B4-BE49-F238E27FC236}">
-                <a16:creationId xmlns:a16="http://schemas.microsoft.com/office/drawing/2014/main" id="{DFF4D664-0F40-2896-ECBD-2299E0A247BA}"/>
-              </a:ext>
-            </a:extLst>
-          </p:cNvPr>
-          <p:cNvSpPr/>
-          <p:nvPr/>
-        </p:nvSpPr>
-        <p:spPr>
-          <a:xfrm>
-            <a:off x="22344605" y="30731791"/>
-            <a:ext cx="20826539" cy="1501228"/>
-          </a:xfrm>
-          <a:prstGeom prst="rect">
-            <a:avLst/>
-          </a:prstGeom>
-          <a:solidFill>
-            <a:srgbClr val="9ADBE8"/>
-          </a:solidFill>
-          <a:ln>
-            <a:noFill/>
-          </a:ln>
-        </p:spPr>
-        <p:style>
-          <a:lnRef idx="2">
-            <a:schemeClr val="accent1">
-              <a:shade val="50000"/>
-            </a:schemeClr>
-          </a:lnRef>
-          <a:fillRef idx="1">
-            <a:schemeClr val="accent1"/>
-          </a:fillRef>
-          <a:effectRef idx="0">
-            <a:schemeClr val="accent1"/>
-          </a:effectRef>
-          <a:fontRef idx="minor">
-            <a:schemeClr val="lt1"/>
-          </a:fontRef>
-        </p:style>
-        <p:txBody>
-          <a:bodyPr rtlCol="0" anchor="ctr"/>
-          <a:lstStyle/>
-          <a:p>
-            <a:pPr algn="ctr"/>
-            <a:r>
-              <a:rPr lang="en-GB" sz="7000" dirty="0">
-                <a:latin typeface="Source Sans Pro Black" panose="020B0803030403020204" pitchFamily="34" charset="0"/>
-              </a:rPr>
-              <a:t>Take home message</a:t>
-            </a:r>
-          </a:p>
-        </p:txBody>
-      </p:sp>
       <p:pic>
         <p:nvPicPr>
           <p:cNvPr id="153" name="Picture 152" descr="A black and white sign with white text&#10;&#10;Description automatically generated">
@@ -4059,7 +4170,7 @@
           <p:nvPr/>
         </p:nvPicPr>
         <p:blipFill>
-          <a:blip r:embed="rId4">
+          <a:blip r:embed="rId7">
             <a:extLst>
               <a:ext uri="{28A0092B-C50C-407E-A947-70E740481C1C}">
                 <a14:useLocalDpi xmlns:a14="http://schemas.microsoft.com/office/drawing/2010/main" val="0"/>
@@ -4136,7 +4247,7 @@
           <p:nvPr/>
         </p:nvPicPr>
         <p:blipFill>
-          <a:blip r:embed="rId5">
+          <a:blip r:embed="rId8">
             <a:extLst>
               <a:ext uri="{28A0092B-C50C-407E-A947-70E740481C1C}">
                 <a14:useLocalDpi xmlns:a14="http://schemas.microsoft.com/office/drawing/2010/main" val="0"/>
@@ -4239,7 +4350,7 @@
         </p:nvSpPr>
         <p:spPr>
           <a:xfrm>
-            <a:off x="22305544" y="3597738"/>
+            <a:off x="22126022" y="3622875"/>
             <a:ext cx="20865600" cy="1080000"/>
           </a:xfrm>
           <a:prstGeom prst="rect">
@@ -4796,7 +4907,7 @@
             <p:nvPr/>
           </p:nvPicPr>
           <p:blipFill>
-            <a:blip r:embed="rId6"/>
+            <a:blip r:embed="rId9"/>
             <a:stretch>
               <a:fillRect/>
             </a:stretch>
@@ -4830,7 +4941,7 @@
             <p:nvPr/>
           </p:nvPicPr>
           <p:blipFill>
-            <a:blip r:embed="rId7"/>
+            <a:blip r:embed="rId10"/>
             <a:stretch>
               <a:fillRect/>
             </a:stretch>
@@ -4860,7 +4971,7 @@
             <p:nvPr/>
           </p:nvPicPr>
           <p:blipFill>
-            <a:blip r:embed="rId8"/>
+            <a:blip r:embed="rId11"/>
             <a:stretch>
               <a:fillRect/>
             </a:stretch>
@@ -4890,7 +5001,7 @@
             <p:nvPr/>
           </p:nvPicPr>
           <p:blipFill>
-            <a:blip r:embed="rId9"/>
+            <a:blip r:embed="rId12"/>
             <a:stretch>
               <a:fillRect/>
             </a:stretch>
@@ -4920,7 +5031,7 @@
             <p:nvPr/>
           </p:nvPicPr>
           <p:blipFill>
-            <a:blip r:embed="rId10"/>
+            <a:blip r:embed="rId13"/>
             <a:stretch>
               <a:fillRect/>
             </a:stretch>
@@ -4950,7 +5061,7 @@
             <p:nvPr/>
           </p:nvPicPr>
           <p:blipFill>
-            <a:blip r:embed="rId11"/>
+            <a:blip r:embed="rId14"/>
             <a:stretch>
               <a:fillRect/>
             </a:stretch>
@@ -4980,7 +5091,7 @@
             <p:nvPr/>
           </p:nvPicPr>
           <p:blipFill>
-            <a:blip r:embed="rId12"/>
+            <a:blip r:embed="rId15"/>
             <a:stretch>
               <a:fillRect/>
             </a:stretch>
@@ -5010,7 +5121,7 @@
             <p:nvPr/>
           </p:nvPicPr>
           <p:blipFill>
-            <a:blip r:embed="rId13"/>
+            <a:blip r:embed="rId16"/>
             <a:stretch>
               <a:fillRect/>
             </a:stretch>
@@ -5040,7 +5151,7 @@
             <p:nvPr/>
           </p:nvPicPr>
           <p:blipFill>
-            <a:blip r:embed="rId14"/>
+            <a:blip r:embed="rId17"/>
             <a:stretch>
               <a:fillRect/>
             </a:stretch>
@@ -5070,7 +5181,7 @@
             <p:nvPr/>
           </p:nvPicPr>
           <p:blipFill>
-            <a:blip r:embed="rId15"/>
+            <a:blip r:embed="rId18"/>
             <a:stretch>
               <a:fillRect/>
             </a:stretch>
@@ -5100,7 +5211,7 @@
             <p:nvPr/>
           </p:nvPicPr>
           <p:blipFill>
-            <a:blip r:embed="rId16"/>
+            <a:blip r:embed="rId19"/>
             <a:stretch>
               <a:fillRect/>
             </a:stretch>
@@ -5130,7 +5241,7 @@
             <p:nvPr/>
           </p:nvPicPr>
           <p:blipFill>
-            <a:blip r:embed="rId17"/>
+            <a:blip r:embed="rId20"/>
             <a:stretch>
               <a:fillRect/>
             </a:stretch>
@@ -5160,7 +5271,7 @@
             <p:nvPr/>
           </p:nvPicPr>
           <p:blipFill>
-            <a:blip r:embed="rId18"/>
+            <a:blip r:embed="rId21"/>
             <a:stretch>
               <a:fillRect/>
             </a:stretch>
@@ -5914,13 +6025,13 @@
           <p:nvPr/>
         </p:nvPicPr>
         <p:blipFill>
-          <a:blip r:embed="rId19">
+          <a:blip r:embed="rId22">
             <a:extLst>
               <a:ext uri="{28A0092B-C50C-407E-A947-70E740481C1C}">
                 <a14:useLocalDpi xmlns:a14="http://schemas.microsoft.com/office/drawing/2010/main" val="0"/>
               </a:ext>
               <a:ext uri="{96DAC541-7B7A-43D3-8B79-37D633B846F1}">
-                <asvg:svgBlip xmlns:asvg="http://schemas.microsoft.com/office/drawing/2016/SVG/main" r:embed="rId20"/>
+                <asvg:svgBlip xmlns:asvg="http://schemas.microsoft.com/office/drawing/2016/SVG/main" r:embed="rId23"/>
               </a:ext>
             </a:extLst>
           </a:blip>
@@ -6011,8 +6122,8 @@
         </p:nvSpPr>
         <p:spPr>
           <a:xfrm>
-            <a:off x="22344605" y="4725485"/>
-            <a:ext cx="11425986" cy="10569221"/>
+            <a:off x="22344605" y="4725483"/>
+            <a:ext cx="11425986" cy="24932882"/>
           </a:xfrm>
           <a:prstGeom prst="rect">
             <a:avLst/>
@@ -6101,6 +6212,240 @@
             </a:endParaRPr>
           </a:p>
           <a:p>
+            <a:pPr marL="685800" indent="-685800">
+              <a:buFont typeface="Arial" panose="020B0604020202020204" pitchFamily="34" charset="0"/>
+              <a:buChar char="•"/>
+            </a:pPr>
+            <a:r>
+              <a:rPr lang="en-GB" sz="5000" dirty="0">
+                <a:solidFill>
+                  <a:srgbClr val="131E29"/>
+                </a:solidFill>
+                <a:latin typeface="Source Sans Pro" panose="020B0503030403020204" pitchFamily="34" charset="0"/>
+              </a:rPr>
+              <a:t>Allows estimation of both </a:t>
+            </a:r>
+            <a:r>
+              <a:rPr lang="en-GB" sz="5000" b="1" dirty="0">
+                <a:solidFill>
+                  <a:srgbClr val="131E29"/>
+                </a:solidFill>
+                <a:latin typeface="Source Sans Pro" panose="020B0503030403020204" pitchFamily="34" charset="0"/>
+              </a:rPr>
+              <a:t>population-level</a:t>
+            </a:r>
+            <a:r>
+              <a:rPr lang="en-GB" sz="5000" dirty="0">
+                <a:solidFill>
+                  <a:srgbClr val="131E29"/>
+                </a:solidFill>
+                <a:latin typeface="Source Sans Pro" panose="020B0503030403020204" pitchFamily="34" charset="0"/>
+              </a:rPr>
+              <a:t> parameters which describe the sample as a whole, and </a:t>
+            </a:r>
+            <a:r>
+              <a:rPr lang="en-GB" sz="5000" b="1" dirty="0">
+                <a:solidFill>
+                  <a:srgbClr val="131E29"/>
+                </a:solidFill>
+                <a:latin typeface="Source Sans Pro" panose="020B0503030403020204" pitchFamily="34" charset="0"/>
+              </a:rPr>
+              <a:t>individual-level</a:t>
+            </a:r>
+            <a:r>
+              <a:rPr lang="en-GB" sz="5000" dirty="0">
+                <a:solidFill>
+                  <a:srgbClr val="131E29"/>
+                </a:solidFill>
+                <a:latin typeface="Source Sans Pro" panose="020B0503030403020204" pitchFamily="34" charset="0"/>
+              </a:rPr>
+              <a:t> parameters per participant </a:t>
+            </a:r>
+            <a:r>
+              <a:rPr lang="en-GB" sz="4000" i="1" dirty="0">
+                <a:solidFill>
+                  <a:srgbClr val="131E29"/>
+                </a:solidFill>
+                <a:latin typeface="Source Sans Pro" panose="020B0503030403020204" pitchFamily="34" charset="0"/>
+              </a:rPr>
+              <a:t>(</a:t>
+            </a:r>
+            <a:r>
+              <a:rPr lang="en-GB" sz="4000" i="1" dirty="0" err="1">
+                <a:solidFill>
+                  <a:srgbClr val="131E29"/>
+                </a:solidFill>
+                <a:latin typeface="Source Sans Pro" panose="020B0503030403020204" pitchFamily="34" charset="0"/>
+              </a:rPr>
+              <a:t>Musfeld</a:t>
+            </a:r>
+            <a:r>
+              <a:rPr lang="en-GB" sz="4000" i="1" dirty="0">
+                <a:solidFill>
+                  <a:srgbClr val="131E29"/>
+                </a:solidFill>
+                <a:latin typeface="Source Sans Pro" panose="020B0503030403020204" pitchFamily="34" charset="0"/>
+              </a:rPr>
+              <a:t> et al., 2023)</a:t>
+            </a:r>
+          </a:p>
+          <a:p>
+            <a:pPr marL="685800" indent="-685800">
+              <a:buFont typeface="Arial" panose="020B0604020202020204" pitchFamily="34" charset="0"/>
+              <a:buChar char="•"/>
+            </a:pPr>
+            <a:r>
+              <a:rPr lang="en-GB" sz="5000" b="1" dirty="0">
+                <a:solidFill>
+                  <a:srgbClr val="F9918A"/>
+                </a:solidFill>
+                <a:latin typeface="Source Sans Pro" panose="020B0503030403020204" pitchFamily="34" charset="0"/>
+              </a:rPr>
+              <a:t>Mixture Proportion: </a:t>
+            </a:r>
+            <a:r>
+              <a:rPr lang="en-GB" sz="5000" dirty="0">
+                <a:solidFill>
+                  <a:srgbClr val="131E29"/>
+                </a:solidFill>
+                <a:latin typeface="Source Sans Pro" panose="020B0503030403020204" pitchFamily="34" charset="0"/>
+              </a:rPr>
+              <a:t>(46.33%) Learners (</a:t>
+            </a:r>
+            <a:r>
+              <a:rPr lang="en-GB" sz="5000" i="1" dirty="0">
+                <a:solidFill>
+                  <a:srgbClr val="131E29"/>
+                </a:solidFill>
+                <a:latin typeface="Source Sans Pro" panose="020B0503030403020204" pitchFamily="34" charset="0"/>
+              </a:rPr>
+              <a:t>n</a:t>
+            </a:r>
+            <a:r>
+              <a:rPr lang="en-GB" sz="5000" dirty="0">
+                <a:solidFill>
+                  <a:srgbClr val="131E29"/>
+                </a:solidFill>
+                <a:latin typeface="Source Sans Pro" panose="020B0503030403020204" pitchFamily="34" charset="0"/>
+              </a:rPr>
+              <a:t> = 27) and Non-Learners (</a:t>
+            </a:r>
+            <a:r>
+              <a:rPr lang="en-GB" sz="5000" i="1" dirty="0">
+                <a:solidFill>
+                  <a:srgbClr val="131E29"/>
+                </a:solidFill>
+                <a:latin typeface="Source Sans Pro" panose="020B0503030403020204" pitchFamily="34" charset="0"/>
+              </a:rPr>
+              <a:t>n</a:t>
+            </a:r>
+            <a:r>
+              <a:rPr lang="en-GB" sz="5000" dirty="0">
+                <a:solidFill>
+                  <a:srgbClr val="131E29"/>
+                </a:solidFill>
+                <a:latin typeface="Source Sans Pro" panose="020B0503030403020204" pitchFamily="34" charset="0"/>
+              </a:rPr>
+              <a:t> = 29)</a:t>
+            </a:r>
+          </a:p>
+          <a:p>
+            <a:pPr marL="685800" indent="-685800">
+              <a:buFont typeface="Arial" panose="020B0604020202020204" pitchFamily="34" charset="0"/>
+              <a:buChar char="•"/>
+            </a:pPr>
+            <a:r>
+              <a:rPr lang="en-GB" sz="5000" b="1" dirty="0">
+                <a:solidFill>
+                  <a:srgbClr val="131E29"/>
+                </a:solidFill>
+                <a:latin typeface="Source Sans Pro" panose="020B0503030403020204" pitchFamily="34" charset="0"/>
+              </a:rPr>
+              <a:t>Learning Curve: </a:t>
+            </a:r>
+            <a:r>
+              <a:rPr lang="en-GB" sz="5000" dirty="0">
+                <a:solidFill>
+                  <a:srgbClr val="131E29"/>
+                </a:solidFill>
+                <a:latin typeface="Source Sans Pro" panose="020B0503030403020204" pitchFamily="34" charset="0"/>
+              </a:rPr>
+              <a:t>variable but instantaneous </a:t>
+            </a:r>
+            <a:r>
+              <a:rPr lang="en-GB" sz="5000" b="1" dirty="0">
+                <a:solidFill>
+                  <a:srgbClr val="81B0FF"/>
+                </a:solidFill>
+                <a:latin typeface="Source Sans Pro" panose="020B0503030403020204" pitchFamily="34" charset="0"/>
+              </a:rPr>
+              <a:t>onset</a:t>
+            </a:r>
+            <a:r>
+              <a:rPr lang="en-GB" sz="5000" dirty="0">
+                <a:solidFill>
+                  <a:srgbClr val="131E29"/>
+                </a:solidFill>
+                <a:latin typeface="Source Sans Pro" panose="020B0503030403020204" pitchFamily="34" charset="0"/>
+              </a:rPr>
+              <a:t> point of learning, followed by substantial improvement in </a:t>
+            </a:r>
+            <a:r>
+              <a:rPr lang="en-GB" sz="5000" b="1" dirty="0">
+                <a:solidFill>
+                  <a:srgbClr val="33CCD0"/>
+                </a:solidFill>
+                <a:latin typeface="Source Sans Pro" panose="020B0503030403020204" pitchFamily="34" charset="0"/>
+              </a:rPr>
+              <a:t>learning rate </a:t>
+            </a:r>
+            <a:r>
+              <a:rPr lang="en-GB" sz="5000" dirty="0">
+                <a:solidFill>
+                  <a:srgbClr val="131E29"/>
+                </a:solidFill>
+                <a:latin typeface="Source Sans Pro" panose="020B0503030403020204" pitchFamily="34" charset="0"/>
+              </a:rPr>
+              <a:t>and the </a:t>
+            </a:r>
+            <a:r>
+              <a:rPr lang="en-GB" sz="5000" b="1" dirty="0">
+                <a:solidFill>
+                  <a:srgbClr val="F783E9"/>
+                </a:solidFill>
+                <a:latin typeface="Source Sans Pro" panose="020B0503030403020204" pitchFamily="34" charset="0"/>
+              </a:rPr>
+              <a:t>upper asymptote</a:t>
+            </a:r>
+            <a:r>
+              <a:rPr lang="en-GB" sz="5000" dirty="0">
+                <a:solidFill>
+                  <a:srgbClr val="131E29"/>
+                </a:solidFill>
+                <a:latin typeface="Source Sans Pro" panose="020B0503030403020204" pitchFamily="34" charset="0"/>
+              </a:rPr>
+              <a:t>,</a:t>
+            </a:r>
+            <a:r>
+              <a:rPr lang="en-GB" sz="5000" b="1" dirty="0">
+                <a:solidFill>
+                  <a:srgbClr val="131E29"/>
+                </a:solidFill>
+                <a:latin typeface="Source Sans Pro" panose="020B0503030403020204" pitchFamily="34" charset="0"/>
+              </a:rPr>
+              <a:t> </a:t>
+            </a:r>
+            <a:r>
+              <a:rPr lang="en-GB" sz="5000" dirty="0">
+                <a:solidFill>
+                  <a:srgbClr val="131E29"/>
+                </a:solidFill>
+                <a:latin typeface="Source Sans Pro" panose="020B0503030403020204" pitchFamily="34" charset="0"/>
+              </a:rPr>
+              <a:t>or peak. </a:t>
+            </a:r>
+          </a:p>
+          <a:p>
             <a:endParaRPr lang="en-GB" sz="5000" dirty="0">
               <a:solidFill>
                 <a:srgbClr val="131E29"/>
@@ -6109,47 +6454,7 @@
             </a:endParaRPr>
           </a:p>
           <a:p>
-            <a:pPr marL="685800" indent="-685800">
-              <a:buFont typeface="Arial" panose="020B0604020202020204" pitchFamily="34" charset="0"/>
-              <a:buChar char="•"/>
-            </a:pPr>
-            <a:r>
-              <a:rPr lang="en-GB" sz="5000" dirty="0">
-                <a:solidFill>
-                  <a:srgbClr val="131E29"/>
-                </a:solidFill>
-                <a:latin typeface="Source Sans Pro" panose="020B0503030403020204" pitchFamily="34" charset="0"/>
-              </a:rPr>
-              <a:t>Allows estimation of both population-level parameters which describe the sample as a whole, and individual-level parameters per participant </a:t>
-            </a:r>
-            <a:r>
-              <a:rPr lang="en-GB" sz="4000" i="1" dirty="0">
-                <a:solidFill>
-                  <a:srgbClr val="131E29"/>
-                </a:solidFill>
-                <a:latin typeface="Source Sans Pro" panose="020B0503030403020204" pitchFamily="34" charset="0"/>
-              </a:rPr>
-              <a:t>(</a:t>
-            </a:r>
-            <a:r>
-              <a:rPr lang="en-GB" sz="4000" i="1" dirty="0" err="1">
-                <a:solidFill>
-                  <a:srgbClr val="131E29"/>
-                </a:solidFill>
-                <a:latin typeface="Source Sans Pro" panose="020B0503030403020204" pitchFamily="34" charset="0"/>
-              </a:rPr>
-              <a:t>Musfeld</a:t>
-            </a:r>
-            <a:r>
-              <a:rPr lang="en-GB" sz="4000" i="1" dirty="0">
-                <a:solidFill>
-                  <a:srgbClr val="131E29"/>
-                </a:solidFill>
-                <a:latin typeface="Source Sans Pro" panose="020B0503030403020204" pitchFamily="34" charset="0"/>
-              </a:rPr>
-              <a:t> et al., 2023).</a:t>
-            </a:r>
-            <a:endParaRPr lang="en-GB" sz="4000" dirty="0">
+            <a:endParaRPr lang="en-GB" sz="5000" dirty="0">
               <a:solidFill>
                 <a:srgbClr val="131E29"/>
               </a:solidFill>
@@ -6157,6 +6462,86 @@
             </a:endParaRPr>
           </a:p>
           <a:p>
+            <a:endParaRPr lang="en-GB" sz="5000" dirty="0">
+              <a:solidFill>
+                <a:srgbClr val="131E29"/>
+              </a:solidFill>
+              <a:latin typeface="Source Sans Pro" panose="020B0503030403020204" pitchFamily="34" charset="0"/>
+            </a:endParaRPr>
+          </a:p>
+          <a:p>
+            <a:endParaRPr lang="en-GB" sz="5000" dirty="0">
+              <a:solidFill>
+                <a:srgbClr val="131E29"/>
+              </a:solidFill>
+              <a:latin typeface="Source Sans Pro" panose="020B0503030403020204" pitchFamily="34" charset="0"/>
+            </a:endParaRPr>
+          </a:p>
+          <a:p>
+            <a:endParaRPr lang="en-GB" sz="5000" dirty="0">
+              <a:solidFill>
+                <a:srgbClr val="131E29"/>
+              </a:solidFill>
+              <a:latin typeface="Source Sans Pro" panose="020B0503030403020204" pitchFamily="34" charset="0"/>
+            </a:endParaRPr>
+          </a:p>
+          <a:p>
+            <a:endParaRPr lang="en-GB" sz="5000" dirty="0">
+              <a:solidFill>
+                <a:srgbClr val="131E29"/>
+              </a:solidFill>
+              <a:latin typeface="Source Sans Pro" panose="020B0503030403020204" pitchFamily="34" charset="0"/>
+            </a:endParaRPr>
+          </a:p>
+          <a:p>
+            <a:endParaRPr lang="en-GB" sz="5000" dirty="0">
+              <a:solidFill>
+                <a:srgbClr val="131E29"/>
+              </a:solidFill>
+              <a:latin typeface="Source Sans Pro" panose="020B0503030403020204" pitchFamily="34" charset="0"/>
+            </a:endParaRPr>
+          </a:p>
+          <a:p>
+            <a:endParaRPr lang="en-GB" sz="5000" dirty="0">
+              <a:solidFill>
+                <a:srgbClr val="131E29"/>
+              </a:solidFill>
+              <a:latin typeface="Source Sans Pro" panose="020B0503030403020204" pitchFamily="34" charset="0"/>
+            </a:endParaRPr>
+          </a:p>
+          <a:p>
+            <a:endParaRPr lang="en-GB" sz="5000" dirty="0">
+              <a:solidFill>
+                <a:srgbClr val="131E29"/>
+              </a:solidFill>
+              <a:latin typeface="Source Sans Pro" panose="020B0503030403020204" pitchFamily="34" charset="0"/>
+            </a:endParaRPr>
+          </a:p>
+          <a:p>
+            <a:endParaRPr lang="en-GB" sz="5000" dirty="0">
+              <a:solidFill>
+                <a:srgbClr val="131E29"/>
+              </a:solidFill>
+              <a:latin typeface="Source Sans Pro" panose="020B0503030403020204" pitchFamily="34" charset="0"/>
+            </a:endParaRPr>
+          </a:p>
+          <a:p>
+            <a:endParaRPr lang="en-GB" sz="5000" dirty="0">
+              <a:solidFill>
+                <a:srgbClr val="131E29"/>
+              </a:solidFill>
+              <a:latin typeface="Source Sans Pro" panose="020B0503030403020204" pitchFamily="34" charset="0"/>
+            </a:endParaRPr>
+          </a:p>
+          <a:p>
+            <a:endParaRPr lang="en-GB" sz="5000" dirty="0">
+              <a:solidFill>
+                <a:srgbClr val="131E29"/>
+              </a:solidFill>
+              <a:latin typeface="Source Sans Pro" panose="020B0503030403020204" pitchFamily="34" charset="0"/>
+            </a:endParaRPr>
+          </a:p>
+          <a:p>
             <a:pPr marL="685800" indent="-685800">
               <a:buFont typeface="Arial" panose="020B0604020202020204" pitchFamily="34" charset="0"/>
               <a:buChar char="•"/>
@@ -6164,20 +6549,29 @@
             <a:r>
               <a:rPr lang="en-GB" sz="5000" b="1" dirty="0">
                 <a:solidFill>
-                  <a:srgbClr val="F9918A"/>
-                </a:solidFill>
-                <a:latin typeface="Source Sans Pro" panose="020B0503030403020204" pitchFamily="34" charset="0"/>
-              </a:rPr>
-              <a:t>Mixture Proportion</a:t>
+                  <a:srgbClr val="131E29"/>
+                </a:solidFill>
+                <a:latin typeface="Source Sans Pro" panose="020B0503030403020204" pitchFamily="34" charset="0"/>
+              </a:rPr>
+              <a:t>Ambiguous</a:t>
             </a:r>
             <a:r>
               <a:rPr lang="en-GB" sz="5000" dirty="0">
                 <a:solidFill>
-                  <a:srgbClr val="F9918A"/>
-                </a:solidFill>
-                <a:latin typeface="Source Sans Pro" panose="020B0503030403020204" pitchFamily="34" charset="0"/>
-              </a:rPr>
-              <a:t>: </a:t>
+                  <a:srgbClr val="131E29"/>
+                </a:solidFill>
+                <a:latin typeface="Source Sans Pro" panose="020B0503030403020204" pitchFamily="34" charset="0"/>
+              </a:rPr>
+              <a:t> </a:t>
+            </a:r>
+            <a:r>
+              <a:rPr lang="en-GB" sz="5000" b="1" dirty="0">
+                <a:solidFill>
+                  <a:srgbClr val="131E29"/>
+                </a:solidFill>
+                <a:latin typeface="Source Sans Pro" panose="020B0503030403020204" pitchFamily="34" charset="0"/>
+              </a:rPr>
+              <a:t>evidence</a:t>
             </a:r>
             <a:r>
               <a:rPr lang="en-GB" sz="5000" dirty="0">
@@ -6186,7 +6580,25 @@
                 </a:solidFill>
                 <a:latin typeface="Source Sans Pro" panose="020B0503030403020204" pitchFamily="34" charset="0"/>
               </a:rPr>
-              <a:t>number of participants classified as </a:t>
+              <a:t> (</a:t>
+            </a:r>
+            <a:r>
+              <a:rPr lang="en-GB" sz="5000" i="1" dirty="0">
+                <a:solidFill>
+                  <a:srgbClr val="131E29"/>
+                </a:solidFill>
+                <a:latin typeface="Source Sans Pro" panose="020B0503030403020204" pitchFamily="34" charset="0"/>
+              </a:rPr>
+              <a:t>p</a:t>
+            </a:r>
+            <a:r>
+              <a:rPr lang="en-GB" sz="5000" dirty="0">
+                <a:solidFill>
+                  <a:srgbClr val="131E29"/>
+                </a:solidFill>
+                <a:latin typeface="Source Sans Pro" panose="020B0503030403020204" pitchFamily="34" charset="0"/>
+              </a:rPr>
+              <a:t> = .086, BF = 1.02) for an association between </a:t>
             </a:r>
             <a:r>
               <a:rPr lang="en-GB" sz="5000" b="1" dirty="0">
@@ -6195,7 +6607,7 @@
                 </a:solidFill>
                 <a:latin typeface="Source Sans Pro" panose="020B0503030403020204" pitchFamily="34" charset="0"/>
               </a:rPr>
-              <a:t>Learners</a:t>
+              <a:t>total hours of playtime </a:t>
             </a:r>
             <a:r>
               <a:rPr lang="en-GB" sz="5000" dirty="0">
@@ -6204,61 +6616,7 @@
                 </a:solidFill>
                 <a:latin typeface="Source Sans Pro" panose="020B0503030403020204" pitchFamily="34" charset="0"/>
               </a:rPr>
-              <a:t> (</a:t>
-            </a:r>
-            <a:r>
-              <a:rPr lang="en-GB" sz="5000" i="1" dirty="0">
-                <a:solidFill>
-                  <a:srgbClr val="131E29"/>
-                </a:solidFill>
-                <a:latin typeface="Source Sans Pro" panose="020B0503030403020204" pitchFamily="34" charset="0"/>
-              </a:rPr>
-              <a:t>n</a:t>
-            </a:r>
-            <a:r>
-              <a:rPr lang="en-GB" sz="5000" dirty="0">
-                <a:solidFill>
-                  <a:srgbClr val="131E29"/>
-                </a:solidFill>
-                <a:latin typeface="Source Sans Pro" panose="020B0503030403020204" pitchFamily="34" charset="0"/>
-              </a:rPr>
-              <a:t> = 27) and </a:t>
-            </a:r>
-            <a:r>
-              <a:rPr lang="en-GB" sz="5000" b="1" dirty="0">
-                <a:solidFill>
-                  <a:srgbClr val="131E29"/>
-                </a:solidFill>
-                <a:latin typeface="Source Sans Pro" panose="020B0503030403020204" pitchFamily="34" charset="0"/>
-              </a:rPr>
-              <a:t>Non-Learners</a:t>
-            </a:r>
-            <a:r>
-              <a:rPr lang="en-GB" sz="5000" dirty="0">
-                <a:solidFill>
-                  <a:srgbClr val="131E29"/>
-                </a:solidFill>
-                <a:latin typeface="Source Sans Pro" panose="020B0503030403020204" pitchFamily="34" charset="0"/>
-              </a:rPr>
-              <a:t> (</a:t>
-            </a:r>
-            <a:r>
-              <a:rPr lang="en-GB" sz="5000" i="1" dirty="0">
-                <a:solidFill>
-                  <a:srgbClr val="131E29"/>
-                </a:solidFill>
-                <a:latin typeface="Source Sans Pro" panose="020B0503030403020204" pitchFamily="34" charset="0"/>
-              </a:rPr>
-              <a:t>n</a:t>
-            </a:r>
-            <a:r>
-              <a:rPr lang="en-GB" sz="5000" dirty="0">
-                <a:solidFill>
-                  <a:srgbClr val="131E29"/>
-                </a:solidFill>
-                <a:latin typeface="Source Sans Pro" panose="020B0503030403020204" pitchFamily="34" charset="0"/>
-              </a:rPr>
-              <a:t> = 29).</a:t>
+              <a:t>and Learner/Non-Learner group status.</a:t>
             </a:r>
           </a:p>
           <a:p>
@@ -6267,40 +6625,22 @@
               <a:buChar char="•"/>
             </a:pPr>
             <a:r>
-              <a:rPr lang="en-GB" sz="5000" b="1" dirty="0">
-                <a:solidFill>
-                  <a:srgbClr val="131E29"/>
-                </a:solidFill>
-                <a:latin typeface="Source Sans Pro" panose="020B0503030403020204" pitchFamily="34" charset="0"/>
-              </a:rPr>
-              <a:t>Learning Curve: </a:t>
-            </a:r>
-            <a:r>
-              <a:rPr lang="en-GB" sz="5000" b="1" dirty="0">
-                <a:solidFill>
-                  <a:srgbClr val="33CCD0"/>
-                </a:solidFill>
-                <a:latin typeface="Source Sans Pro" panose="020B0503030403020204" pitchFamily="34" charset="0"/>
-              </a:rPr>
-              <a:t>Learning Rate</a:t>
-            </a:r>
-            <a:r>
               <a:rPr lang="en-GB" sz="5000" dirty="0">
                 <a:solidFill>
                   <a:srgbClr val="131E29"/>
                 </a:solidFill>
                 <a:latin typeface="Source Sans Pro" panose="020B0503030403020204" pitchFamily="34" charset="0"/>
               </a:rPr>
-              <a:t>, </a:t>
-            </a:r>
-            <a:r>
-              <a:rPr lang="en-GB" sz="5000" b="1" dirty="0">
-                <a:solidFill>
-                  <a:srgbClr val="81B0FF"/>
-                </a:solidFill>
-                <a:latin typeface="Source Sans Pro" panose="020B0503030403020204" pitchFamily="34" charset="0"/>
-              </a:rPr>
-              <a:t>Onset of Learning</a:t>
+              <a:t>Further analysis to understand learning in </a:t>
+            </a:r>
+            <a:r>
+              <a:rPr lang="en-GB" sz="5000" i="1" dirty="0">
+                <a:solidFill>
+                  <a:srgbClr val="131E29"/>
+                </a:solidFill>
+                <a:latin typeface="Source Sans Pro" panose="020B0503030403020204" pitchFamily="34" charset="0"/>
+              </a:rPr>
+              <a:t>Counter-Strike</a:t>
             </a:r>
             <a:r>
               <a:rPr lang="en-GB" sz="5000" dirty="0">
@@ -6309,758 +6649,11 @@
                 </a:solidFill>
                 <a:latin typeface="Source Sans Pro" panose="020B0503030403020204" pitchFamily="34" charset="0"/>
               </a:rPr>
-              <a:t> and </a:t>
-            </a:r>
-            <a:r>
-              <a:rPr lang="en-GB" sz="5000" b="1" dirty="0">
-                <a:solidFill>
-                  <a:srgbClr val="F783E9"/>
-                </a:solidFill>
-                <a:latin typeface="Source Sans Pro" panose="020B0503030403020204" pitchFamily="34" charset="0"/>
-              </a:rPr>
-              <a:t>Upper Asymptote</a:t>
-            </a:r>
-          </a:p>
-        </p:txBody>
-      </p:sp>
-      <p:grpSp>
-        <p:nvGrpSpPr>
-          <p:cNvPr id="52" name="Group 51">
-            <a:extLst>
-              <a:ext uri="{FF2B5EF4-FFF2-40B4-BE49-F238E27FC236}">
-                <a16:creationId xmlns:a16="http://schemas.microsoft.com/office/drawing/2014/main" id="{1B4F7BE6-C3C8-FC75-9B11-876FA37D8A1D}"/>
-              </a:ext>
-            </a:extLst>
-          </p:cNvPr>
-          <p:cNvGrpSpPr/>
-          <p:nvPr/>
-        </p:nvGrpSpPr>
-        <p:grpSpPr>
-          <a:xfrm>
-            <a:off x="44319811" y="13670985"/>
-            <a:ext cx="8272735" cy="17924257"/>
-            <a:chOff x="34727556" y="13783755"/>
-            <a:chExt cx="8272735" cy="17924257"/>
-          </a:xfrm>
-        </p:grpSpPr>
-        <p:pic>
-          <p:nvPicPr>
-            <p:cNvPr id="45" name="Picture 44" descr="A graph with numbers and lines&#10;&#10;Description automatically generated with medium confidence">
-              <a:extLst>
-                <a:ext uri="{FF2B5EF4-FFF2-40B4-BE49-F238E27FC236}">
-                  <a16:creationId xmlns:a16="http://schemas.microsoft.com/office/drawing/2014/main" id="{C86CC911-EC61-5B5B-59BC-AE99C4EDDBCD}"/>
-                </a:ext>
-              </a:extLst>
-            </p:cNvPr>
-            <p:cNvPicPr>
-              <a:picLocks noChangeAspect="1"/>
-            </p:cNvPicPr>
-            <p:nvPr/>
-          </p:nvPicPr>
-          <p:blipFill>
-            <a:blip r:embed="rId21">
-              <a:extLst>
-                <a:ext uri="{28A0092B-C50C-407E-A947-70E740481C1C}">
-                  <a14:useLocalDpi xmlns:a14="http://schemas.microsoft.com/office/drawing/2010/main" val="0"/>
-                </a:ext>
-              </a:extLst>
-            </a:blip>
-            <a:stretch>
-              <a:fillRect/>
-            </a:stretch>
-          </p:blipFill>
-          <p:spPr>
-            <a:xfrm>
-              <a:off x="34727556" y="13783755"/>
-              <a:ext cx="8272735" cy="17924257"/>
-            </a:xfrm>
-            <a:prstGeom prst="rect">
-              <a:avLst/>
-            </a:prstGeom>
-          </p:spPr>
-        </p:pic>
-        <p:sp>
-          <p:nvSpPr>
-            <p:cNvPr id="46" name="Rectangle 45">
-              <a:extLst>
-                <a:ext uri="{FF2B5EF4-FFF2-40B4-BE49-F238E27FC236}">
-                  <a16:creationId xmlns:a16="http://schemas.microsoft.com/office/drawing/2014/main" id="{BCAF4416-86F4-372E-D491-6437C7538128}"/>
-                </a:ext>
-              </a:extLst>
-            </p:cNvPr>
-            <p:cNvSpPr/>
-            <p:nvPr/>
-          </p:nvSpPr>
-          <p:spPr>
-            <a:xfrm>
-              <a:off x="35408383" y="29320662"/>
-              <a:ext cx="1294226" cy="1043627"/>
-            </a:xfrm>
-            <a:prstGeom prst="rect">
-              <a:avLst/>
-            </a:prstGeom>
-            <a:noFill/>
-            <a:ln w="76200">
-              <a:solidFill>
-                <a:srgbClr val="64CBE8"/>
-              </a:solidFill>
-            </a:ln>
-          </p:spPr>
-          <p:style>
-            <a:lnRef idx="2">
-              <a:schemeClr val="accent1">
-                <a:shade val="15000"/>
-              </a:schemeClr>
-            </a:lnRef>
-            <a:fillRef idx="1">
-              <a:schemeClr val="accent1"/>
-            </a:fillRef>
-            <a:effectRef idx="0">
-              <a:schemeClr val="accent1"/>
-            </a:effectRef>
-            <a:fontRef idx="minor">
-              <a:schemeClr val="lt1"/>
-            </a:fontRef>
-          </p:style>
-          <p:txBody>
-            <a:bodyPr rtlCol="0" anchor="ctr"/>
-            <a:lstStyle/>
-            <a:p>
-              <a:pPr algn="ctr"/>
-              <a:endParaRPr lang="en-GB"/>
-            </a:p>
-          </p:txBody>
-        </p:sp>
-        <p:sp>
-          <p:nvSpPr>
-            <p:cNvPr id="47" name="Rectangle 46">
-              <a:extLst>
-                <a:ext uri="{FF2B5EF4-FFF2-40B4-BE49-F238E27FC236}">
-                  <a16:creationId xmlns:a16="http://schemas.microsoft.com/office/drawing/2014/main" id="{67905DA1-F80F-0AD2-5454-B56D04F09034}"/>
-                </a:ext>
-              </a:extLst>
-            </p:cNvPr>
-            <p:cNvSpPr/>
-            <p:nvPr/>
-          </p:nvSpPr>
-          <p:spPr>
-            <a:xfrm>
-              <a:off x="35408383" y="28240662"/>
-              <a:ext cx="1294226" cy="370860"/>
-            </a:xfrm>
-            <a:prstGeom prst="rect">
-              <a:avLst/>
-            </a:prstGeom>
-            <a:noFill/>
-            <a:ln w="76200">
-              <a:solidFill>
-                <a:srgbClr val="64CBE8"/>
-              </a:solidFill>
-            </a:ln>
-          </p:spPr>
-          <p:style>
-            <a:lnRef idx="2">
-              <a:schemeClr val="accent1">
-                <a:shade val="15000"/>
-              </a:schemeClr>
-            </a:lnRef>
-            <a:fillRef idx="1">
-              <a:schemeClr val="accent1"/>
-            </a:fillRef>
-            <a:effectRef idx="0">
-              <a:schemeClr val="accent1"/>
-            </a:effectRef>
-            <a:fontRef idx="minor">
-              <a:schemeClr val="lt1"/>
-            </a:fontRef>
-          </p:style>
-          <p:txBody>
-            <a:bodyPr rtlCol="0" anchor="ctr"/>
-            <a:lstStyle/>
-            <a:p>
-              <a:pPr algn="ctr"/>
-              <a:endParaRPr lang="en-GB"/>
-            </a:p>
-          </p:txBody>
-        </p:sp>
-        <p:sp>
-          <p:nvSpPr>
-            <p:cNvPr id="48" name="Rectangle 47">
-              <a:extLst>
-                <a:ext uri="{FF2B5EF4-FFF2-40B4-BE49-F238E27FC236}">
-                  <a16:creationId xmlns:a16="http://schemas.microsoft.com/office/drawing/2014/main" id="{D282B582-6AB1-91D5-4721-726023D24A5E}"/>
-                </a:ext>
-              </a:extLst>
-            </p:cNvPr>
-            <p:cNvSpPr/>
-            <p:nvPr/>
-          </p:nvSpPr>
-          <p:spPr>
-            <a:xfrm>
-              <a:off x="35408383" y="27060387"/>
-              <a:ext cx="1294226" cy="370860"/>
-            </a:xfrm>
-            <a:prstGeom prst="rect">
-              <a:avLst/>
-            </a:prstGeom>
-            <a:noFill/>
-            <a:ln w="76200">
-              <a:solidFill>
-                <a:srgbClr val="64CBE8"/>
-              </a:solidFill>
-            </a:ln>
-          </p:spPr>
-          <p:style>
-            <a:lnRef idx="2">
-              <a:schemeClr val="accent1">
-                <a:shade val="15000"/>
-              </a:schemeClr>
-            </a:lnRef>
-            <a:fillRef idx="1">
-              <a:schemeClr val="accent1"/>
-            </a:fillRef>
-            <a:effectRef idx="0">
-              <a:schemeClr val="accent1"/>
-            </a:effectRef>
-            <a:fontRef idx="minor">
-              <a:schemeClr val="lt1"/>
-            </a:fontRef>
-          </p:style>
-          <p:txBody>
-            <a:bodyPr rtlCol="0" anchor="ctr"/>
-            <a:lstStyle/>
-            <a:p>
-              <a:pPr algn="ctr"/>
-              <a:endParaRPr lang="en-GB"/>
-            </a:p>
-          </p:txBody>
-        </p:sp>
-        <p:sp>
-          <p:nvSpPr>
-            <p:cNvPr id="49" name="Rectangle 48">
-              <a:extLst>
-                <a:ext uri="{FF2B5EF4-FFF2-40B4-BE49-F238E27FC236}">
-                  <a16:creationId xmlns:a16="http://schemas.microsoft.com/office/drawing/2014/main" id="{FEA0A799-3D98-0342-53A1-AB5E968AB819}"/>
-                </a:ext>
-              </a:extLst>
-            </p:cNvPr>
-            <p:cNvSpPr/>
-            <p:nvPr/>
-          </p:nvSpPr>
-          <p:spPr>
-            <a:xfrm>
-              <a:off x="35408383" y="21814282"/>
-              <a:ext cx="1294226" cy="1636561"/>
-            </a:xfrm>
-            <a:prstGeom prst="rect">
-              <a:avLst/>
-            </a:prstGeom>
-            <a:noFill/>
-            <a:ln w="76200">
-              <a:solidFill>
-                <a:srgbClr val="64CBE8"/>
-              </a:solidFill>
-            </a:ln>
-          </p:spPr>
-          <p:style>
-            <a:lnRef idx="2">
-              <a:schemeClr val="accent1">
-                <a:shade val="15000"/>
-              </a:schemeClr>
-            </a:lnRef>
-            <a:fillRef idx="1">
-              <a:schemeClr val="accent1"/>
-            </a:fillRef>
-            <a:effectRef idx="0">
-              <a:schemeClr val="accent1"/>
-            </a:effectRef>
-            <a:fontRef idx="minor">
-              <a:schemeClr val="lt1"/>
-            </a:fontRef>
-          </p:style>
-          <p:txBody>
-            <a:bodyPr rtlCol="0" anchor="ctr"/>
-            <a:lstStyle/>
-            <a:p>
-              <a:pPr algn="ctr"/>
-              <a:endParaRPr lang="en-GB"/>
-            </a:p>
-          </p:txBody>
-        </p:sp>
-        <p:sp>
-          <p:nvSpPr>
-            <p:cNvPr id="50" name="Rectangle 49">
-              <a:extLst>
-                <a:ext uri="{FF2B5EF4-FFF2-40B4-BE49-F238E27FC236}">
-                  <a16:creationId xmlns:a16="http://schemas.microsoft.com/office/drawing/2014/main" id="{4BA7BE10-5B38-5681-CB4A-90CAA346E26D}"/>
-                </a:ext>
-              </a:extLst>
-            </p:cNvPr>
-            <p:cNvSpPr/>
-            <p:nvPr/>
-          </p:nvSpPr>
-          <p:spPr>
-            <a:xfrm>
-              <a:off x="35408383" y="16535292"/>
-              <a:ext cx="1294226" cy="4580313"/>
-            </a:xfrm>
-            <a:prstGeom prst="rect">
-              <a:avLst/>
-            </a:prstGeom>
-            <a:noFill/>
-            <a:ln w="76200">
-              <a:solidFill>
-                <a:srgbClr val="64CBE8"/>
-              </a:solidFill>
-            </a:ln>
-          </p:spPr>
-          <p:style>
-            <a:lnRef idx="2">
-              <a:schemeClr val="accent1">
-                <a:shade val="15000"/>
-              </a:schemeClr>
-            </a:lnRef>
-            <a:fillRef idx="1">
-              <a:schemeClr val="accent1"/>
-            </a:fillRef>
-            <a:effectRef idx="0">
-              <a:schemeClr val="accent1"/>
-            </a:effectRef>
-            <a:fontRef idx="minor">
-              <a:schemeClr val="lt1"/>
-            </a:fontRef>
-          </p:style>
-          <p:txBody>
-            <a:bodyPr rtlCol="0" anchor="ctr"/>
-            <a:lstStyle/>
-            <a:p>
-              <a:pPr algn="ctr"/>
-              <a:endParaRPr lang="en-GB"/>
-            </a:p>
-          </p:txBody>
-        </p:sp>
-        <p:sp>
-          <p:nvSpPr>
-            <p:cNvPr id="51" name="Rectangle 50">
-              <a:extLst>
-                <a:ext uri="{FF2B5EF4-FFF2-40B4-BE49-F238E27FC236}">
-                  <a16:creationId xmlns:a16="http://schemas.microsoft.com/office/drawing/2014/main" id="{E4C68094-C0DE-49BF-542F-EC6D4D09ED41}"/>
-                </a:ext>
-              </a:extLst>
-            </p:cNvPr>
-            <p:cNvSpPr/>
-            <p:nvPr/>
-          </p:nvSpPr>
-          <p:spPr>
-            <a:xfrm>
-              <a:off x="35408383" y="25314576"/>
-              <a:ext cx="1294226" cy="370860"/>
-            </a:xfrm>
-            <a:prstGeom prst="rect">
-              <a:avLst/>
-            </a:prstGeom>
-            <a:noFill/>
-            <a:ln w="76200">
-              <a:solidFill>
-                <a:srgbClr val="64CBE8"/>
-              </a:solidFill>
-            </a:ln>
-          </p:spPr>
-          <p:style>
-            <a:lnRef idx="2">
-              <a:schemeClr val="accent1">
-                <a:shade val="15000"/>
-              </a:schemeClr>
-            </a:lnRef>
-            <a:fillRef idx="1">
-              <a:schemeClr val="accent1"/>
-            </a:fillRef>
-            <a:effectRef idx="0">
-              <a:schemeClr val="accent1"/>
-            </a:effectRef>
-            <a:fontRef idx="minor">
-              <a:schemeClr val="lt1"/>
-            </a:fontRef>
-          </p:style>
-          <p:txBody>
-            <a:bodyPr rtlCol="0" anchor="ctr"/>
-            <a:lstStyle/>
-            <a:p>
-              <a:pPr algn="ctr"/>
-              <a:endParaRPr lang="en-GB"/>
-            </a:p>
-          </p:txBody>
-        </p:sp>
-      </p:grpSp>
-      <p:grpSp>
-        <p:nvGrpSpPr>
-          <p:cNvPr id="61" name="Group 60">
-            <a:extLst>
-              <a:ext uri="{FF2B5EF4-FFF2-40B4-BE49-F238E27FC236}">
-                <a16:creationId xmlns:a16="http://schemas.microsoft.com/office/drawing/2014/main" id="{9C883754-6270-FADE-0753-1EB4A2D335C7}"/>
-              </a:ext>
-            </a:extLst>
-          </p:cNvPr>
-          <p:cNvGrpSpPr/>
-          <p:nvPr/>
-        </p:nvGrpSpPr>
-        <p:grpSpPr>
-          <a:xfrm>
-            <a:off x="52856907" y="13651034"/>
-            <a:ext cx="8272735" cy="17924256"/>
-            <a:chOff x="52856907" y="13651034"/>
-            <a:chExt cx="8272735" cy="17924256"/>
-          </a:xfrm>
-        </p:grpSpPr>
-        <p:pic>
-          <p:nvPicPr>
-            <p:cNvPr id="54" name="Picture 53" descr="A graph of a number of dots and lines&#10;&#10;Description automatically generated with medium confidence">
-              <a:extLst>
-                <a:ext uri="{FF2B5EF4-FFF2-40B4-BE49-F238E27FC236}">
-                  <a16:creationId xmlns:a16="http://schemas.microsoft.com/office/drawing/2014/main" id="{DDEC2E7B-6C0B-0B7A-C55B-F067A5DE0DA3}"/>
-                </a:ext>
-              </a:extLst>
-            </p:cNvPr>
-            <p:cNvPicPr>
-              <a:picLocks noChangeAspect="1"/>
-            </p:cNvPicPr>
-            <p:nvPr/>
-          </p:nvPicPr>
-          <p:blipFill>
-            <a:blip r:embed="rId22">
-              <a:extLst>
-                <a:ext uri="{28A0092B-C50C-407E-A947-70E740481C1C}">
-                  <a14:useLocalDpi xmlns:a14="http://schemas.microsoft.com/office/drawing/2010/main" val="0"/>
-                </a:ext>
-              </a:extLst>
-            </a:blip>
-            <a:stretch>
-              <a:fillRect/>
-            </a:stretch>
-          </p:blipFill>
-          <p:spPr>
-            <a:xfrm>
-              <a:off x="52856907" y="13651034"/>
-              <a:ext cx="8272735" cy="17924256"/>
-            </a:xfrm>
-            <a:prstGeom prst="rect">
-              <a:avLst/>
-            </a:prstGeom>
-          </p:spPr>
-        </p:pic>
-        <p:sp>
-          <p:nvSpPr>
-            <p:cNvPr id="55" name="Rectangle 54">
-              <a:extLst>
-                <a:ext uri="{FF2B5EF4-FFF2-40B4-BE49-F238E27FC236}">
-                  <a16:creationId xmlns:a16="http://schemas.microsoft.com/office/drawing/2014/main" id="{982A433F-E533-9DB2-3F8C-3E847A55535D}"/>
-                </a:ext>
-              </a:extLst>
-            </p:cNvPr>
-            <p:cNvSpPr/>
-            <p:nvPr/>
-          </p:nvSpPr>
-          <p:spPr>
-            <a:xfrm>
-              <a:off x="53477769" y="26323959"/>
-              <a:ext cx="1294226" cy="3927559"/>
-            </a:xfrm>
-            <a:prstGeom prst="rect">
-              <a:avLst/>
-            </a:prstGeom>
-            <a:noFill/>
-            <a:ln w="76200">
-              <a:solidFill>
-                <a:srgbClr val="64CBE8"/>
-              </a:solidFill>
-            </a:ln>
-          </p:spPr>
-          <p:style>
-            <a:lnRef idx="2">
-              <a:schemeClr val="accent1">
-                <a:shade val="15000"/>
-              </a:schemeClr>
-            </a:lnRef>
-            <a:fillRef idx="1">
-              <a:schemeClr val="accent1"/>
-            </a:fillRef>
-            <a:effectRef idx="0">
-              <a:schemeClr val="accent1"/>
-            </a:effectRef>
-            <a:fontRef idx="minor">
-              <a:schemeClr val="lt1"/>
-            </a:fontRef>
-          </p:style>
-          <p:txBody>
-            <a:bodyPr rtlCol="0" anchor="ctr"/>
-            <a:lstStyle/>
-            <a:p>
-              <a:pPr algn="ctr"/>
-              <a:endParaRPr lang="en-GB"/>
-            </a:p>
-          </p:txBody>
-        </p:sp>
-        <p:sp>
-          <p:nvSpPr>
-            <p:cNvPr id="56" name="Rectangle 55">
-              <a:extLst>
-                <a:ext uri="{FF2B5EF4-FFF2-40B4-BE49-F238E27FC236}">
-                  <a16:creationId xmlns:a16="http://schemas.microsoft.com/office/drawing/2014/main" id="{ADB2E19D-86BC-0501-3F9C-AC5CDA14790C}"/>
-                </a:ext>
-              </a:extLst>
-            </p:cNvPr>
-            <p:cNvSpPr/>
-            <p:nvPr/>
-          </p:nvSpPr>
-          <p:spPr>
-            <a:xfrm>
-              <a:off x="53477769" y="23978795"/>
-              <a:ext cx="1294226" cy="1593871"/>
-            </a:xfrm>
-            <a:prstGeom prst="rect">
-              <a:avLst/>
-            </a:prstGeom>
-            <a:noFill/>
-            <a:ln w="76200">
-              <a:solidFill>
-                <a:srgbClr val="64CBE8"/>
-              </a:solidFill>
-            </a:ln>
-          </p:spPr>
-          <p:style>
-            <a:lnRef idx="2">
-              <a:schemeClr val="accent1">
-                <a:shade val="15000"/>
-              </a:schemeClr>
-            </a:lnRef>
-            <a:fillRef idx="1">
-              <a:schemeClr val="accent1"/>
-            </a:fillRef>
-            <a:effectRef idx="0">
-              <a:schemeClr val="accent1"/>
-            </a:effectRef>
-            <a:fontRef idx="minor">
-              <a:schemeClr val="lt1"/>
-            </a:fontRef>
-          </p:style>
-          <p:txBody>
-            <a:bodyPr rtlCol="0" anchor="ctr"/>
-            <a:lstStyle/>
-            <a:p>
-              <a:pPr algn="ctr"/>
-              <a:endParaRPr lang="en-GB"/>
-            </a:p>
-          </p:txBody>
-        </p:sp>
-        <p:sp>
-          <p:nvSpPr>
-            <p:cNvPr id="57" name="Rectangle 56">
-              <a:extLst>
-                <a:ext uri="{FF2B5EF4-FFF2-40B4-BE49-F238E27FC236}">
-                  <a16:creationId xmlns:a16="http://schemas.microsoft.com/office/drawing/2014/main" id="{5F4CF5D6-A5F1-A8AE-12DD-CCDBD4D7C820}"/>
-                </a:ext>
-              </a:extLst>
-            </p:cNvPr>
-            <p:cNvSpPr/>
-            <p:nvPr/>
-          </p:nvSpPr>
-          <p:spPr>
-            <a:xfrm>
-              <a:off x="53477769" y="22257572"/>
-              <a:ext cx="1294226" cy="971723"/>
-            </a:xfrm>
-            <a:prstGeom prst="rect">
-              <a:avLst/>
-            </a:prstGeom>
-            <a:noFill/>
-            <a:ln w="76200">
-              <a:solidFill>
-                <a:srgbClr val="64CBE8"/>
-              </a:solidFill>
-            </a:ln>
-          </p:spPr>
-          <p:style>
-            <a:lnRef idx="2">
-              <a:schemeClr val="accent1">
-                <a:shade val="15000"/>
-              </a:schemeClr>
-            </a:lnRef>
-            <a:fillRef idx="1">
-              <a:schemeClr val="accent1"/>
-            </a:fillRef>
-            <a:effectRef idx="0">
-              <a:schemeClr val="accent1"/>
-            </a:effectRef>
-            <a:fontRef idx="minor">
-              <a:schemeClr val="lt1"/>
-            </a:fontRef>
-          </p:style>
-          <p:txBody>
-            <a:bodyPr rtlCol="0" anchor="ctr"/>
-            <a:lstStyle/>
-            <a:p>
-              <a:pPr algn="ctr"/>
-              <a:endParaRPr lang="en-GB"/>
-            </a:p>
-          </p:txBody>
-        </p:sp>
-        <p:sp>
-          <p:nvSpPr>
-            <p:cNvPr id="58" name="Rectangle 57">
-              <a:extLst>
-                <a:ext uri="{FF2B5EF4-FFF2-40B4-BE49-F238E27FC236}">
-                  <a16:creationId xmlns:a16="http://schemas.microsoft.com/office/drawing/2014/main" id="{8587D201-F494-6507-455A-27320E1063F1}"/>
-                </a:ext>
-              </a:extLst>
-            </p:cNvPr>
-            <p:cNvSpPr/>
-            <p:nvPr/>
-          </p:nvSpPr>
-          <p:spPr>
-            <a:xfrm>
-              <a:off x="53477769" y="20486324"/>
-              <a:ext cx="1294226" cy="971723"/>
-            </a:xfrm>
-            <a:prstGeom prst="rect">
-              <a:avLst/>
-            </a:prstGeom>
-            <a:noFill/>
-            <a:ln w="76200">
-              <a:solidFill>
-                <a:srgbClr val="64CBE8"/>
-              </a:solidFill>
-            </a:ln>
-          </p:spPr>
-          <p:style>
-            <a:lnRef idx="2">
-              <a:schemeClr val="accent1">
-                <a:shade val="15000"/>
-              </a:schemeClr>
-            </a:lnRef>
-            <a:fillRef idx="1">
-              <a:schemeClr val="accent1"/>
-            </a:fillRef>
-            <a:effectRef idx="0">
-              <a:schemeClr val="accent1"/>
-            </a:effectRef>
-            <a:fontRef idx="minor">
-              <a:schemeClr val="lt1"/>
-            </a:fontRef>
-          </p:style>
-          <p:txBody>
-            <a:bodyPr rtlCol="0" anchor="ctr"/>
-            <a:lstStyle/>
-            <a:p>
-              <a:pPr algn="ctr"/>
-              <a:endParaRPr lang="en-GB"/>
-            </a:p>
-          </p:txBody>
-        </p:sp>
-        <p:sp>
-          <p:nvSpPr>
-            <p:cNvPr id="59" name="Rectangle 58">
-              <a:extLst>
-                <a:ext uri="{FF2B5EF4-FFF2-40B4-BE49-F238E27FC236}">
-                  <a16:creationId xmlns:a16="http://schemas.microsoft.com/office/drawing/2014/main" id="{259CC3D9-6FCE-4463-D52E-F33BC2AD34DA}"/>
-                </a:ext>
-              </a:extLst>
-            </p:cNvPr>
-            <p:cNvSpPr/>
-            <p:nvPr/>
-          </p:nvSpPr>
-          <p:spPr>
-            <a:xfrm>
-              <a:off x="53477769" y="19313075"/>
-              <a:ext cx="1294226" cy="410915"/>
-            </a:xfrm>
-            <a:prstGeom prst="rect">
-              <a:avLst/>
-            </a:prstGeom>
-            <a:noFill/>
-            <a:ln w="76200">
-              <a:solidFill>
-                <a:srgbClr val="64CBE8"/>
-              </a:solidFill>
-            </a:ln>
-          </p:spPr>
-          <p:style>
-            <a:lnRef idx="2">
-              <a:schemeClr val="accent1">
-                <a:shade val="15000"/>
-              </a:schemeClr>
-            </a:lnRef>
-            <a:fillRef idx="1">
-              <a:schemeClr val="accent1"/>
-            </a:fillRef>
-            <a:effectRef idx="0">
-              <a:schemeClr val="accent1"/>
-            </a:effectRef>
-            <a:fontRef idx="minor">
-              <a:schemeClr val="lt1"/>
-            </a:fontRef>
-          </p:style>
-          <p:txBody>
-            <a:bodyPr rtlCol="0" anchor="ctr"/>
-            <a:lstStyle/>
-            <a:p>
-              <a:pPr algn="ctr"/>
-              <a:endParaRPr lang="en-GB" dirty="0"/>
-            </a:p>
-          </p:txBody>
-        </p:sp>
-        <p:sp>
-          <p:nvSpPr>
-            <p:cNvPr id="60" name="Rectangle 59">
-              <a:extLst>
-                <a:ext uri="{FF2B5EF4-FFF2-40B4-BE49-F238E27FC236}">
-                  <a16:creationId xmlns:a16="http://schemas.microsoft.com/office/drawing/2014/main" id="{EE837257-DCC7-D3C2-3C7A-478444C774F8}"/>
-                </a:ext>
-              </a:extLst>
-            </p:cNvPr>
-            <p:cNvSpPr/>
-            <p:nvPr/>
-          </p:nvSpPr>
-          <p:spPr>
-            <a:xfrm>
-              <a:off x="53477769" y="16459200"/>
-              <a:ext cx="1294226" cy="1530103"/>
-            </a:xfrm>
-            <a:prstGeom prst="rect">
-              <a:avLst/>
-            </a:prstGeom>
-            <a:noFill/>
-            <a:ln w="76200">
-              <a:solidFill>
-                <a:srgbClr val="64CBE8"/>
-              </a:solidFill>
-            </a:ln>
-          </p:spPr>
-          <p:style>
-            <a:lnRef idx="2">
-              <a:schemeClr val="accent1">
-                <a:shade val="15000"/>
-              </a:schemeClr>
-            </a:lnRef>
-            <a:fillRef idx="1">
-              <a:schemeClr val="accent1"/>
-            </a:fillRef>
-            <a:effectRef idx="0">
-              <a:schemeClr val="accent1"/>
-            </a:effectRef>
-            <a:fontRef idx="minor">
-              <a:schemeClr val="lt1"/>
-            </a:fontRef>
-          </p:style>
-          <p:txBody>
-            <a:bodyPr rtlCol="0" anchor="ctr"/>
-            <a:lstStyle/>
-            <a:p>
-              <a:pPr algn="ctr"/>
-              <a:endParaRPr lang="en-GB"/>
-            </a:p>
-          </p:txBody>
-        </p:sp>
-      </p:grpSp>
+              <a:t> players to follow!</a:t>
+            </a:r>
+          </a:p>
+        </p:txBody>
+      </p:sp>
       <p:grpSp>
         <p:nvGrpSpPr>
           <p:cNvPr id="65" name="Group 64">
@@ -7075,7 +6668,7 @@
         </p:nvGrpSpPr>
         <p:grpSpPr>
           <a:xfrm>
-            <a:off x="33816499" y="4850917"/>
+            <a:off x="33816499" y="4617862"/>
             <a:ext cx="9082800" cy="8655061"/>
             <a:chOff x="33888676" y="4800879"/>
             <a:chExt cx="9082800" cy="8655061"/>
@@ -7116,7 +6709,7 @@
               <p:nvPr/>
             </p:nvPicPr>
             <p:blipFill rotWithShape="1">
-              <a:blip r:embed="rId23">
+              <a:blip r:embed="rId24">
                 <a:extLst>
                   <a:ext uri="{28A0092B-C50C-407E-A947-70E740481C1C}">
                     <a14:useLocalDpi xmlns:a14="http://schemas.microsoft.com/office/drawing/2010/main" val="0"/>
@@ -7583,302 +7176,6 @@
       </p:sp>
       <p:sp>
         <p:nvSpPr>
-          <p:cNvPr id="71" name="TextBox 70">
-            <a:extLst>
-              <a:ext uri="{FF2B5EF4-FFF2-40B4-BE49-F238E27FC236}">
-                <a16:creationId xmlns:a16="http://schemas.microsoft.com/office/drawing/2014/main" id="{5851CF78-89AD-2335-A50E-8284789841D8}"/>
-              </a:ext>
-            </a:extLst>
-          </p:cNvPr>
-          <p:cNvSpPr txBox="1"/>
-          <p:nvPr/>
-        </p:nvSpPr>
-        <p:spPr>
-          <a:xfrm>
-            <a:off x="22491549" y="26681267"/>
-            <a:ext cx="19669122" cy="2400657"/>
-          </a:xfrm>
-          <a:prstGeom prst="rect">
-            <a:avLst/>
-          </a:prstGeom>
-          <a:noFill/>
-        </p:spPr>
-        <p:txBody>
-          <a:bodyPr wrap="square">
-            <a:spAutoFit/>
-          </a:bodyPr>
-          <a:lstStyle/>
-          <a:p>
-            <a:pPr marL="685800" indent="-685800">
-              <a:buFont typeface="Arial" panose="020B0604020202020204" pitchFamily="34" charset="0"/>
-              <a:buChar char="•"/>
-            </a:pPr>
-            <a:r>
-              <a:rPr lang="en-GB" sz="5000" dirty="0">
-                <a:solidFill>
-                  <a:srgbClr val="131E29"/>
-                </a:solidFill>
-                <a:latin typeface="Source Sans Pro" panose="020B0503030403020204" pitchFamily="34" charset="0"/>
-              </a:rPr>
-              <a:t>Statistical testing revealed </a:t>
-            </a:r>
-            <a:r>
-              <a:rPr lang="en-GB" sz="5000" b="1" dirty="0">
-                <a:solidFill>
-                  <a:srgbClr val="131E29"/>
-                </a:solidFill>
-                <a:latin typeface="Source Sans Pro" panose="020B0503030403020204" pitchFamily="34" charset="0"/>
-              </a:rPr>
-              <a:t>ambiguous</a:t>
-            </a:r>
-            <a:r>
-              <a:rPr lang="en-GB" sz="5000" dirty="0">
-                <a:solidFill>
-                  <a:srgbClr val="131E29"/>
-                </a:solidFill>
-                <a:latin typeface="Source Sans Pro" panose="020B0503030403020204" pitchFamily="34" charset="0"/>
-              </a:rPr>
-              <a:t> </a:t>
-            </a:r>
-            <a:r>
-              <a:rPr lang="en-GB" sz="5000" b="1" dirty="0">
-                <a:solidFill>
-                  <a:srgbClr val="131E29"/>
-                </a:solidFill>
-                <a:latin typeface="Source Sans Pro" panose="020B0503030403020204" pitchFamily="34" charset="0"/>
-              </a:rPr>
-              <a:t>evidence</a:t>
-            </a:r>
-            <a:r>
-              <a:rPr lang="en-GB" sz="5000" dirty="0">
-                <a:solidFill>
-                  <a:srgbClr val="131E29"/>
-                </a:solidFill>
-                <a:latin typeface="Source Sans Pro" panose="020B0503030403020204" pitchFamily="34" charset="0"/>
-              </a:rPr>
-              <a:t> (</a:t>
-            </a:r>
-            <a:r>
-              <a:rPr lang="en-GB" sz="5000" i="1" dirty="0">
-                <a:solidFill>
-                  <a:srgbClr val="131E29"/>
-                </a:solidFill>
-                <a:latin typeface="Source Sans Pro" panose="020B0503030403020204" pitchFamily="34" charset="0"/>
-              </a:rPr>
-              <a:t>p</a:t>
-            </a:r>
-            <a:r>
-              <a:rPr lang="en-GB" sz="5000" dirty="0">
-                <a:solidFill>
-                  <a:srgbClr val="131E29"/>
-                </a:solidFill>
-                <a:latin typeface="Source Sans Pro" panose="020B0503030403020204" pitchFamily="34" charset="0"/>
-              </a:rPr>
-              <a:t> = .086, BF = 1.02) for an association between </a:t>
-            </a:r>
-            <a:r>
-              <a:rPr lang="en-GB" sz="5000" b="1" dirty="0">
-                <a:solidFill>
-                  <a:srgbClr val="131E29"/>
-                </a:solidFill>
-                <a:latin typeface="Source Sans Pro" panose="020B0503030403020204" pitchFamily="34" charset="0"/>
-              </a:rPr>
-              <a:t>total hours of playtime </a:t>
-            </a:r>
-            <a:r>
-              <a:rPr lang="en-GB" sz="5000" dirty="0">
-                <a:solidFill>
-                  <a:srgbClr val="131E29"/>
-                </a:solidFill>
-                <a:latin typeface="Source Sans Pro" panose="020B0503030403020204" pitchFamily="34" charset="0"/>
-              </a:rPr>
-              <a:t>and Learner/Non-Learner group status.</a:t>
-            </a:r>
-          </a:p>
-        </p:txBody>
-      </p:sp>
-      <p:grpSp>
-        <p:nvGrpSpPr>
-          <p:cNvPr id="75" name="Group 74">
-            <a:extLst>
-              <a:ext uri="{FF2B5EF4-FFF2-40B4-BE49-F238E27FC236}">
-                <a16:creationId xmlns:a16="http://schemas.microsoft.com/office/drawing/2014/main" id="{EB229131-718D-653C-D5A0-44561CE449BF}"/>
-              </a:ext>
-            </a:extLst>
-          </p:cNvPr>
-          <p:cNvGrpSpPr/>
-          <p:nvPr/>
-        </p:nvGrpSpPr>
-        <p:grpSpPr>
-          <a:xfrm>
-            <a:off x="22579619" y="15565767"/>
-            <a:ext cx="20317450" cy="5962725"/>
-            <a:chOff x="22778373" y="15705698"/>
-            <a:chExt cx="16553122" cy="4557650"/>
-          </a:xfrm>
-        </p:grpSpPr>
-        <p:grpSp>
-          <p:nvGrpSpPr>
-            <p:cNvPr id="74" name="Group 73">
-              <a:extLst>
-                <a:ext uri="{FF2B5EF4-FFF2-40B4-BE49-F238E27FC236}">
-                  <a16:creationId xmlns:a16="http://schemas.microsoft.com/office/drawing/2014/main" id="{BFE7E948-75AE-5084-DCAC-EDEB196CE05C}"/>
-                </a:ext>
-              </a:extLst>
-            </p:cNvPr>
-            <p:cNvGrpSpPr/>
-            <p:nvPr/>
-          </p:nvGrpSpPr>
-          <p:grpSpPr>
-            <a:xfrm>
-              <a:off x="22778373" y="15705698"/>
-              <a:ext cx="16553122" cy="4194745"/>
-              <a:chOff x="22778373" y="15705698"/>
-              <a:chExt cx="16553122" cy="4194745"/>
-            </a:xfrm>
-          </p:grpSpPr>
-          <p:pic>
-            <p:nvPicPr>
-              <p:cNvPr id="41" name="Picture 40" descr="A diagram of a function&#10;&#10;Description automatically generated with medium confidence">
-                <a:extLst>
-                  <a:ext uri="{FF2B5EF4-FFF2-40B4-BE49-F238E27FC236}">
-                    <a16:creationId xmlns:a16="http://schemas.microsoft.com/office/drawing/2014/main" id="{8B4E3C74-62BC-C8E1-368E-B89B19AC4E0F}"/>
-                  </a:ext>
-                </a:extLst>
-              </p:cNvPr>
-              <p:cNvPicPr>
-                <a:picLocks noChangeAspect="1"/>
-              </p:cNvPicPr>
-              <p:nvPr/>
-            </p:nvPicPr>
-            <p:blipFill rotWithShape="1">
-              <a:blip r:embed="rId24">
-                <a:extLst>
-                  <a:ext uri="{28A0092B-C50C-407E-A947-70E740481C1C}">
-                    <a14:useLocalDpi xmlns:a14="http://schemas.microsoft.com/office/drawing/2010/main" val="0"/>
-                  </a:ext>
-                </a:extLst>
-              </a:blip>
-              <a:srcRect l="3722" t="1380" r="64653" b="52402"/>
-              <a:stretch/>
-            </p:blipFill>
-            <p:spPr>
-              <a:xfrm>
-                <a:off x="23137563" y="15705698"/>
-                <a:ext cx="4018526" cy="4194744"/>
-              </a:xfrm>
-              <a:prstGeom prst="rect">
-                <a:avLst/>
-              </a:prstGeom>
-            </p:spPr>
-          </p:pic>
-          <p:pic>
-            <p:nvPicPr>
-              <p:cNvPr id="69" name="Picture 68" descr="A diagram of a function&#10;&#10;Description automatically generated with medium confidence">
-                <a:extLst>
-                  <a:ext uri="{FF2B5EF4-FFF2-40B4-BE49-F238E27FC236}">
-                    <a16:creationId xmlns:a16="http://schemas.microsoft.com/office/drawing/2014/main" id="{1F84C129-F982-7966-7F56-AFA934352108}"/>
-                  </a:ext>
-                </a:extLst>
-              </p:cNvPr>
-              <p:cNvPicPr>
-                <a:picLocks noChangeAspect="1"/>
-              </p:cNvPicPr>
-              <p:nvPr/>
-            </p:nvPicPr>
-            <p:blipFill rotWithShape="1">
-              <a:blip r:embed="rId24">
-                <a:extLst>
-                  <a:ext uri="{28A0092B-C50C-407E-A947-70E740481C1C}">
-                    <a14:useLocalDpi xmlns:a14="http://schemas.microsoft.com/office/drawing/2010/main" val="0"/>
-                  </a:ext>
-                </a:extLst>
-              </a:blip>
-              <a:srcRect l="2979" t="48724" b="4634"/>
-              <a:stretch/>
-            </p:blipFill>
-            <p:spPr>
-              <a:xfrm>
-                <a:off x="27115793" y="15705699"/>
-                <a:ext cx="12215702" cy="4194744"/>
-              </a:xfrm>
-              <a:prstGeom prst="rect">
-                <a:avLst/>
-              </a:prstGeom>
-            </p:spPr>
-          </p:pic>
-          <p:sp>
-            <p:nvSpPr>
-              <p:cNvPr id="72" name="TextBox 71">
-                <a:extLst>
-                  <a:ext uri="{FF2B5EF4-FFF2-40B4-BE49-F238E27FC236}">
-                    <a16:creationId xmlns:a16="http://schemas.microsoft.com/office/drawing/2014/main" id="{3DF6C1C1-94DC-9112-A82C-B071ADB4D4F4}"/>
-                  </a:ext>
-                </a:extLst>
-              </p:cNvPr>
-              <p:cNvSpPr txBox="1"/>
-              <p:nvPr/>
-            </p:nvSpPr>
-            <p:spPr>
-              <a:xfrm>
-                <a:off x="22778373" y="15705698"/>
-                <a:ext cx="360000" cy="4194744"/>
-              </a:xfrm>
-              <a:prstGeom prst="rect">
-                <a:avLst/>
-              </a:prstGeom>
-              <a:solidFill>
-                <a:schemeClr val="bg1"/>
-              </a:solidFill>
-            </p:spPr>
-            <p:txBody>
-              <a:bodyPr wrap="square" rtlCol="0">
-                <a:spAutoFit/>
-              </a:bodyPr>
-              <a:lstStyle/>
-              <a:p>
-                <a:endParaRPr lang="en-GB" dirty="0"/>
-              </a:p>
-            </p:txBody>
-          </p:sp>
-        </p:grpSp>
-        <p:sp>
-          <p:nvSpPr>
-            <p:cNvPr id="73" name="TextBox 72">
-              <a:extLst>
-                <a:ext uri="{FF2B5EF4-FFF2-40B4-BE49-F238E27FC236}">
-                  <a16:creationId xmlns:a16="http://schemas.microsoft.com/office/drawing/2014/main" id="{BEF4CA53-8B5B-DDB8-57C3-48B66E04C8BD}"/>
-                </a:ext>
-              </a:extLst>
-            </p:cNvPr>
-            <p:cNvSpPr txBox="1"/>
-            <p:nvPr/>
-          </p:nvSpPr>
-          <p:spPr>
-            <a:xfrm rot="5400000">
-              <a:off x="30875095" y="11806948"/>
-              <a:ext cx="360000" cy="16552800"/>
-            </a:xfrm>
-            <a:prstGeom prst="rect">
-              <a:avLst/>
-            </a:prstGeom>
-            <a:solidFill>
-              <a:schemeClr val="bg1"/>
-            </a:solidFill>
-          </p:spPr>
-          <p:txBody>
-            <a:bodyPr wrap="square" rtlCol="0">
-              <a:spAutoFit/>
-            </a:bodyPr>
-            <a:lstStyle/>
-            <a:p>
-              <a:endParaRPr lang="en-GB" dirty="0"/>
-            </a:p>
-          </p:txBody>
-        </p:sp>
-      </p:grpSp>
-      <p:sp>
-        <p:nvSpPr>
           <p:cNvPr id="77" name="TextBox 76">
             <a:extLst>
               <a:ext uri="{FF2B5EF4-FFF2-40B4-BE49-F238E27FC236}">
@@ -7891,8 +7188,8 @@
         </p:nvSpPr>
         <p:spPr>
           <a:xfrm>
-            <a:off x="22325074" y="6678708"/>
-            <a:ext cx="11465047" cy="861774"/>
+            <a:off x="22161962" y="6345196"/>
+            <a:ext cx="11628000" cy="861774"/>
           </a:xfrm>
           <a:prstGeom prst="rect">
             <a:avLst/>
@@ -7917,6 +7214,346 @@
               </a:rPr>
               <a:t>Bayesian Hierarchical Mixture Modelling</a:t>
             </a:r>
+          </a:p>
+        </p:txBody>
+      </p:sp>
+      <p:sp>
+        <p:nvSpPr>
+          <p:cNvPr id="79" name="TextBox 78">
+            <a:extLst>
+              <a:ext uri="{FF2B5EF4-FFF2-40B4-BE49-F238E27FC236}">
+                <a16:creationId xmlns:a16="http://schemas.microsoft.com/office/drawing/2014/main" id="{860DA225-0932-82AE-E820-B2D613303A8C}"/>
+              </a:ext>
+            </a:extLst>
+          </p:cNvPr>
+          <p:cNvSpPr txBox="1"/>
+          <p:nvPr/>
+        </p:nvSpPr>
+        <p:spPr>
+          <a:xfrm>
+            <a:off x="22161962" y="24384538"/>
+            <a:ext cx="11628000" cy="861774"/>
+          </a:xfrm>
+          <a:prstGeom prst="rect">
+            <a:avLst/>
+          </a:prstGeom>
+          <a:solidFill>
+            <a:srgbClr val="9ADBE8"/>
+          </a:solidFill>
+        </p:spPr>
+        <p:txBody>
+          <a:bodyPr wrap="square">
+            <a:spAutoFit/>
+          </a:bodyPr>
+          <a:lstStyle/>
+          <a:p>
+            <a:pPr algn="ctr"/>
+            <a:r>
+              <a:rPr lang="en-GB" sz="5000" b="1" dirty="0">
+                <a:solidFill>
+                  <a:srgbClr val="131E29"/>
+                </a:solidFill>
+                <a:latin typeface="Source Sans Pro" panose="020B0503030403020204" pitchFamily="34" charset="0"/>
+              </a:rPr>
+              <a:t>Counter-Strike Expertise</a:t>
+            </a:r>
+          </a:p>
+        </p:txBody>
+      </p:sp>
+      <p:grpSp>
+        <p:nvGrpSpPr>
+          <p:cNvPr id="81" name="Group 80">
+            <a:extLst>
+              <a:ext uri="{FF2B5EF4-FFF2-40B4-BE49-F238E27FC236}">
+                <a16:creationId xmlns:a16="http://schemas.microsoft.com/office/drawing/2014/main" id="{BDB2D205-C16B-16E0-8ED5-00641010B3D9}"/>
+              </a:ext>
+            </a:extLst>
+          </p:cNvPr>
+          <p:cNvGrpSpPr/>
+          <p:nvPr/>
+        </p:nvGrpSpPr>
+        <p:grpSpPr>
+          <a:xfrm>
+            <a:off x="33789962" y="24919456"/>
+            <a:ext cx="9088268" cy="7278944"/>
+            <a:chOff x="23107578" y="20082429"/>
+            <a:chExt cx="9078914" cy="8497038"/>
+          </a:xfrm>
+        </p:grpSpPr>
+        <p:pic>
+          <p:nvPicPr>
+            <p:cNvPr id="78" name="Picture 77" descr="A graph of different sizes and colors&#10;&#10;Description automatically generated with medium confidence">
+              <a:extLst>
+                <a:ext uri="{FF2B5EF4-FFF2-40B4-BE49-F238E27FC236}">
+                  <a16:creationId xmlns:a16="http://schemas.microsoft.com/office/drawing/2014/main" id="{5AD35966-647D-9FA2-5A0C-2240B70B184A}"/>
+                </a:ext>
+              </a:extLst>
+            </p:cNvPr>
+            <p:cNvPicPr>
+              <a:picLocks noChangeAspect="1"/>
+            </p:cNvPicPr>
+            <p:nvPr/>
+          </p:nvPicPr>
+          <p:blipFill>
+            <a:blip r:embed="rId25">
+              <a:extLst>
+                <a:ext uri="{28A0092B-C50C-407E-A947-70E740481C1C}">
+                  <a14:useLocalDpi xmlns:a14="http://schemas.microsoft.com/office/drawing/2010/main" val="0"/>
+                </a:ext>
+              </a:extLst>
+            </a:blip>
+            <a:srcRect b="8016"/>
+            <a:stretch/>
+          </p:blipFill>
+          <p:spPr>
+            <a:xfrm>
+              <a:off x="23107578" y="20189608"/>
+              <a:ext cx="9078914" cy="8389859"/>
+            </a:xfrm>
+            <a:prstGeom prst="rect">
+              <a:avLst/>
+            </a:prstGeom>
+          </p:spPr>
+        </p:pic>
+        <p:sp>
+          <p:nvSpPr>
+            <p:cNvPr id="80" name="TextBox 79">
+              <a:extLst>
+                <a:ext uri="{FF2B5EF4-FFF2-40B4-BE49-F238E27FC236}">
+                  <a16:creationId xmlns:a16="http://schemas.microsoft.com/office/drawing/2014/main" id="{D41FED51-E301-CC08-D053-7535A38F1CF2}"/>
+                </a:ext>
+              </a:extLst>
+            </p:cNvPr>
+            <p:cNvSpPr txBox="1"/>
+            <p:nvPr/>
+          </p:nvSpPr>
+          <p:spPr>
+            <a:xfrm>
+              <a:off x="24968171" y="20082429"/>
+              <a:ext cx="5348717" cy="707886"/>
+            </a:xfrm>
+            <a:prstGeom prst="rect">
+              <a:avLst/>
+            </a:prstGeom>
+            <a:noFill/>
+          </p:spPr>
+          <p:txBody>
+            <a:bodyPr wrap="square" rtlCol="0">
+              <a:spAutoFit/>
+            </a:bodyPr>
+            <a:lstStyle/>
+            <a:p>
+              <a:pPr algn="ctr"/>
+              <a:r>
+                <a:rPr lang="en-GB" sz="4000" i="1" dirty="0">
+                  <a:latin typeface="Source Sans Pro" panose="020B0503030403020204" pitchFamily="34" charset="0"/>
+                </a:rPr>
+                <a:t>p</a:t>
+              </a:r>
+              <a:r>
+                <a:rPr lang="en-GB" sz="4000" dirty="0">
+                  <a:latin typeface="Source Sans Pro" panose="020B0503030403020204" pitchFamily="34" charset="0"/>
+                </a:rPr>
+                <a:t> = .086, </a:t>
+              </a:r>
+              <a:r>
+                <a:rPr lang="en-GB" sz="4000" b="1" dirty="0">
+                  <a:latin typeface="Source Sans Pro" panose="020B0503030403020204" pitchFamily="34" charset="0"/>
+                </a:rPr>
+                <a:t>BF = 1.02</a:t>
+              </a:r>
+            </a:p>
+          </p:txBody>
+        </p:sp>
+      </p:grpSp>
+      <p:sp>
+        <p:nvSpPr>
+          <p:cNvPr id="85" name="TextBox 84">
+            <a:extLst>
+              <a:ext uri="{FF2B5EF4-FFF2-40B4-BE49-F238E27FC236}">
+                <a16:creationId xmlns:a16="http://schemas.microsoft.com/office/drawing/2014/main" id="{FC6A9A58-CB04-5797-572D-ECFD9053AD41}"/>
+              </a:ext>
+            </a:extLst>
+          </p:cNvPr>
+          <p:cNvSpPr txBox="1"/>
+          <p:nvPr/>
+        </p:nvSpPr>
+        <p:spPr>
+          <a:xfrm>
+            <a:off x="22107634" y="29951631"/>
+            <a:ext cx="11682328" cy="2246769"/>
+          </a:xfrm>
+          <a:prstGeom prst="rect">
+            <a:avLst/>
+          </a:prstGeom>
+          <a:solidFill>
+            <a:schemeClr val="bg1"/>
+          </a:solidFill>
+        </p:spPr>
+        <p:txBody>
+          <a:bodyPr wrap="square">
+            <a:spAutoFit/>
+          </a:bodyPr>
+          <a:lstStyle/>
+          <a:p>
+            <a:r>
+              <a:rPr lang="en-GB" sz="2000" b="1" dirty="0">
+                <a:solidFill>
+                  <a:srgbClr val="131E29"/>
+                </a:solidFill>
+                <a:latin typeface="Source Sans Pro" panose="020B0503030403020204" pitchFamily="34" charset="0"/>
+              </a:rPr>
+              <a:t>References</a:t>
+            </a:r>
+            <a:br>
+              <a:rPr lang="en-GB" sz="2000" dirty="0">
+                <a:solidFill>
+                  <a:srgbClr val="131E29"/>
+                </a:solidFill>
+                <a:latin typeface="Source Sans Pro" panose="020B0503030403020204" pitchFamily="34" charset="0"/>
+              </a:rPr>
+            </a:br>
+            <a:r>
+              <a:rPr lang="en-GB" sz="2000" i="1" dirty="0" err="1">
+                <a:solidFill>
+                  <a:srgbClr val="131E29"/>
+                </a:solidFill>
+                <a:latin typeface="Source Sans Pro" panose="020B0503030403020204" pitchFamily="34" charset="0"/>
+              </a:rPr>
+              <a:t>Bediou</a:t>
+            </a:r>
+            <a:r>
+              <a:rPr lang="en-GB" sz="2000" i="1" dirty="0">
+                <a:solidFill>
+                  <a:srgbClr val="131E29"/>
+                </a:solidFill>
+                <a:latin typeface="Source Sans Pro" panose="020B0503030403020204" pitchFamily="34" charset="0"/>
+              </a:rPr>
+              <a:t> et al., 2018</a:t>
+            </a:r>
+          </a:p>
+          <a:p>
+            <a:r>
+              <a:rPr lang="en-GB" sz="2000" i="1" dirty="0" err="1">
+                <a:solidFill>
+                  <a:srgbClr val="131E29"/>
+                </a:solidFill>
+                <a:latin typeface="Source Sans Pro" panose="020B0503030403020204" pitchFamily="34" charset="0"/>
+              </a:rPr>
+              <a:t>Bediou</a:t>
+            </a:r>
+            <a:r>
+              <a:rPr lang="en-GB" sz="2000" i="1" dirty="0">
+                <a:solidFill>
+                  <a:srgbClr val="131E29"/>
+                </a:solidFill>
+                <a:latin typeface="Source Sans Pro" panose="020B0503030403020204" pitchFamily="34" charset="0"/>
+              </a:rPr>
+              <a:t> et al., 2023)</a:t>
+            </a:r>
+          </a:p>
+          <a:p>
+            <a:r>
+              <a:rPr lang="en-GB" sz="2000" i="1" dirty="0">
+                <a:solidFill>
+                  <a:srgbClr val="131E29"/>
+                </a:solidFill>
+                <a:latin typeface="Source Sans Pro" panose="020B0503030403020204" pitchFamily="34" charset="0"/>
+              </a:rPr>
+              <a:t>(Zhang et al., 2021</a:t>
+            </a:r>
+          </a:p>
+          <a:p>
+            <a:r>
+              <a:rPr lang="en-GB" sz="2000" i="1" dirty="0">
+                <a:solidFill>
+                  <a:srgbClr val="131E29"/>
+                </a:solidFill>
+                <a:latin typeface="Source Sans Pro" panose="020B0503030403020204" pitchFamily="34" charset="0"/>
+              </a:rPr>
+              <a:t>Bavelier, et al., 2012).</a:t>
+            </a:r>
+            <a:endParaRPr lang="en-GB" sz="2000" dirty="0">
+              <a:solidFill>
+                <a:srgbClr val="131E29"/>
+              </a:solidFill>
+              <a:latin typeface="Source Sans Pro" panose="020B0503030403020204" pitchFamily="34" charset="0"/>
+            </a:endParaRPr>
+          </a:p>
+          <a:p>
+            <a:r>
+              <a:rPr lang="en-GB" sz="2000" i="1" dirty="0" err="1">
+                <a:solidFill>
+                  <a:srgbClr val="131E29"/>
+                </a:solidFill>
+                <a:latin typeface="Source Sans Pro" panose="020B0503030403020204" pitchFamily="34" charset="0"/>
+              </a:rPr>
+              <a:t>Musfeld</a:t>
+            </a:r>
+            <a:r>
+              <a:rPr lang="en-GB" sz="2000" i="1" dirty="0">
+                <a:solidFill>
+                  <a:srgbClr val="131E29"/>
+                </a:solidFill>
+                <a:latin typeface="Source Sans Pro" panose="020B0503030403020204" pitchFamily="34" charset="0"/>
+              </a:rPr>
+              <a:t> et al., 2023)</a:t>
+            </a:r>
+          </a:p>
+          <a:p>
+            <a:endParaRPr lang="en-GB" sz="2000" dirty="0">
+              <a:solidFill>
+                <a:srgbClr val="131E29"/>
+              </a:solidFill>
+              <a:latin typeface="Source Sans Pro" panose="020B0503030403020204" pitchFamily="34" charset="0"/>
+            </a:endParaRPr>
+          </a:p>
+        </p:txBody>
+      </p:sp>
+      <p:sp>
+        <p:nvSpPr>
+          <p:cNvPr id="88" name="TextBox 87">
+            <a:extLst>
+              <a:ext uri="{FF2B5EF4-FFF2-40B4-BE49-F238E27FC236}">
+                <a16:creationId xmlns:a16="http://schemas.microsoft.com/office/drawing/2014/main" id="{C937AA2C-6928-AE6B-A25C-DFBCD0F3E0A5}"/>
+              </a:ext>
+            </a:extLst>
+          </p:cNvPr>
+          <p:cNvSpPr txBox="1"/>
+          <p:nvPr/>
+        </p:nvSpPr>
+        <p:spPr>
+          <a:xfrm>
+            <a:off x="0" y="2803799"/>
+            <a:ext cx="43856029" cy="861774"/>
+          </a:xfrm>
+          <a:prstGeom prst="rect">
+            <a:avLst/>
+          </a:prstGeom>
+          <a:noFill/>
+        </p:spPr>
+        <p:txBody>
+          <a:bodyPr wrap="square">
+            <a:spAutoFit/>
+          </a:bodyPr>
+          <a:lstStyle/>
+          <a:p>
+            <a:pPr algn="r"/>
+            <a:r>
+              <a:rPr lang="en-GB" sz="5000" b="1" dirty="0">
+                <a:solidFill>
+                  <a:srgbClr val="440099"/>
+                </a:solidFill>
+                <a:latin typeface="Source Sans Pro" panose="020B0503030403020204" pitchFamily="34" charset="0"/>
+              </a:rPr>
+              <a:t>erahyde1@sheffield.ac.uk</a:t>
+            </a:r>
+            <a:endParaRPr lang="en-GB" sz="5000" dirty="0">
+              <a:solidFill>
+                <a:srgbClr val="440099"/>
+              </a:solidFill>
+              <a:latin typeface="Source Sans Pro" panose="020B0503030403020204" pitchFamily="34" charset="0"/>
+            </a:endParaRPr>
           </a:p>
         </p:txBody>
       </p:sp>

--- a/posters/23.11.2024 Psychonomics.pptx
+++ b/posters/23.11.2024 Psychonomics.pptx
@@ -3448,7 +3448,7 @@
         <p:spPr>
           <a:xfrm>
             <a:off x="22126022" y="3597738"/>
-            <a:ext cx="20865600" cy="28600662"/>
+            <a:ext cx="21103200" cy="28838062"/>
           </a:xfrm>
           <a:prstGeom prst="rect">
             <a:avLst/>
@@ -3513,152 +3513,19 @@
               </a:ext>
             </a:extLst>
           </a:blip>
-          <a:stretch>
-            <a:fillRect/>
-          </a:stretch>
+          <a:srcRect b="1085"/>
+          <a:stretch/>
         </p:blipFill>
         <p:spPr>
           <a:xfrm>
-            <a:off x="22264453" y="16127421"/>
-            <a:ext cx="11425986" cy="8161418"/>
+            <a:off x="22292484" y="16213046"/>
+            <a:ext cx="11670385" cy="8245543"/>
           </a:xfrm>
           <a:prstGeom prst="rect">
             <a:avLst/>
           </a:prstGeom>
         </p:spPr>
       </p:pic>
-      <p:grpSp>
-        <p:nvGrpSpPr>
-          <p:cNvPr id="14" name="Group 13">
-            <a:extLst>
-              <a:ext uri="{FF2B5EF4-FFF2-40B4-BE49-F238E27FC236}">
-                <a16:creationId xmlns:a16="http://schemas.microsoft.com/office/drawing/2014/main" id="{C40C28F3-5B60-58C6-BBD1-6D680B17D584}"/>
-              </a:ext>
-            </a:extLst>
-          </p:cNvPr>
-          <p:cNvGrpSpPr/>
-          <p:nvPr/>
-        </p:nvGrpSpPr>
-        <p:grpSpPr>
-          <a:xfrm>
-            <a:off x="33813592" y="13035586"/>
-            <a:ext cx="9085709" cy="12004288"/>
-            <a:chOff x="33231915" y="13710391"/>
-            <a:chExt cx="9690080" cy="12413918"/>
-          </a:xfrm>
-        </p:grpSpPr>
-        <p:pic>
-          <p:nvPicPr>
-            <p:cNvPr id="54" name="Picture 53" descr="A graph of a number of dots and lines&#10;&#10;Description automatically generated with medium confidence">
-              <a:extLst>
-                <a:ext uri="{FF2B5EF4-FFF2-40B4-BE49-F238E27FC236}">
-                  <a16:creationId xmlns:a16="http://schemas.microsoft.com/office/drawing/2014/main" id="{DDEC2E7B-6C0B-0B7A-C55B-F067A5DE0DA3}"/>
-                </a:ext>
-              </a:extLst>
-            </p:cNvPr>
-            <p:cNvPicPr>
-              <a:picLocks noChangeAspect="1"/>
-            </p:cNvPicPr>
-            <p:nvPr/>
-          </p:nvPicPr>
-          <p:blipFill>
-            <a:blip r:embed="rId4">
-              <a:extLst>
-                <a:ext uri="{28A0092B-C50C-407E-A947-70E740481C1C}">
-                  <a14:useLocalDpi xmlns:a14="http://schemas.microsoft.com/office/drawing/2010/main" val="0"/>
-                </a:ext>
-              </a:extLst>
-            </a:blip>
-            <a:srcRect l="21999" b="1476"/>
-            <a:stretch/>
-          </p:blipFill>
-          <p:spPr>
-            <a:xfrm>
-              <a:off x="38385952" y="13710393"/>
-              <a:ext cx="4536043" cy="12413916"/>
-            </a:xfrm>
-            <a:prstGeom prst="rect">
-              <a:avLst/>
-            </a:prstGeom>
-          </p:spPr>
-        </p:pic>
-        <p:pic>
-          <p:nvPicPr>
-            <p:cNvPr id="45" name="Picture 44" descr="A graph with numbers and lines&#10;&#10;Description automatically generated with medium confidence">
-              <a:extLst>
-                <a:ext uri="{FF2B5EF4-FFF2-40B4-BE49-F238E27FC236}">
-                  <a16:creationId xmlns:a16="http://schemas.microsoft.com/office/drawing/2014/main" id="{C86CC911-EC61-5B5B-59BC-AE99C4EDDBCD}"/>
-                </a:ext>
-              </a:extLst>
-            </p:cNvPr>
-            <p:cNvPicPr>
-              <a:picLocks noChangeAspect="1"/>
-            </p:cNvPicPr>
-            <p:nvPr/>
-          </p:nvPicPr>
-          <p:blipFill>
-            <a:blip r:embed="rId5">
-              <a:extLst>
-                <a:ext uri="{28A0092B-C50C-407E-A947-70E740481C1C}">
-                  <a14:useLocalDpi xmlns:a14="http://schemas.microsoft.com/office/drawing/2010/main" val="0"/>
-                </a:ext>
-              </a:extLst>
-            </a:blip>
-            <a:srcRect l="22947" b="1584"/>
-            <a:stretch/>
-          </p:blipFill>
-          <p:spPr>
-            <a:xfrm>
-              <a:off x="33935560" y="13710393"/>
-              <a:ext cx="4480964" cy="12400427"/>
-            </a:xfrm>
-            <a:prstGeom prst="rect">
-              <a:avLst/>
-            </a:prstGeom>
-          </p:spPr>
-        </p:pic>
-        <p:sp>
-          <p:nvSpPr>
-            <p:cNvPr id="13" name="TextBox 12">
-              <a:extLst>
-                <a:ext uri="{FF2B5EF4-FFF2-40B4-BE49-F238E27FC236}">
-                  <a16:creationId xmlns:a16="http://schemas.microsoft.com/office/drawing/2014/main" id="{577ABFA0-19F3-CD20-1672-F0ED6E9F6D41}"/>
-                </a:ext>
-              </a:extLst>
-            </p:cNvPr>
-            <p:cNvSpPr txBox="1"/>
-            <p:nvPr/>
-          </p:nvSpPr>
-          <p:spPr>
-            <a:xfrm rot="16200000">
-              <a:off x="27385644" y="19556662"/>
-              <a:ext cx="12400427" cy="707886"/>
-            </a:xfrm>
-            <a:prstGeom prst="rect">
-              <a:avLst/>
-            </a:prstGeom>
-            <a:solidFill>
-              <a:schemeClr val="bg1"/>
-            </a:solidFill>
-          </p:spPr>
-          <p:txBody>
-            <a:bodyPr wrap="square" rtlCol="0">
-              <a:spAutoFit/>
-            </a:bodyPr>
-            <a:lstStyle/>
-            <a:p>
-              <a:pPr algn="ctr"/>
-              <a:r>
-                <a:rPr lang="en-GB" sz="4000" b="1" dirty="0">
-                  <a:latin typeface="Source Sans Pro" panose="020B0503030403020204" pitchFamily="34" charset="0"/>
-                  <a:ea typeface="Source Sans Pro" panose="020B0503030403020204" pitchFamily="34" charset="0"/>
-                </a:rPr>
-                <a:t>Participant</a:t>
-              </a:r>
-            </a:p>
-          </p:txBody>
-        </p:sp>
-      </p:grpSp>
       <p:sp>
         <p:nvSpPr>
           <p:cNvPr id="6" name="Rectangle 5">
@@ -3673,8 +3540,8 @@
         </p:nvSpPr>
         <p:spPr>
           <a:xfrm>
-            <a:off x="720000" y="4679999"/>
-            <a:ext cx="20865600" cy="8375732"/>
+            <a:off x="481733" y="4679998"/>
+            <a:ext cx="21103867" cy="8611283"/>
           </a:xfrm>
           <a:prstGeom prst="rect">
             <a:avLst/>
@@ -3709,8 +3576,8 @@
           <a:lstStyle/>
           <a:p>
             <a:pPr marL="685800" indent="-685800">
-              <a:buFont typeface="Arial" panose="020B0604020202020204" pitchFamily="34" charset="0"/>
-              <a:buChar char="•"/>
+              <a:buFont typeface="Wingdings" panose="05000000000000000000" pitchFamily="2" charset="2"/>
+              <a:buChar char="§"/>
             </a:pPr>
             <a:endParaRPr lang="en-GB" sz="5000" dirty="0">
               <a:solidFill>
@@ -3721,8 +3588,8 @@
           </a:p>
           <a:p>
             <a:pPr marL="685800" indent="-685800">
-              <a:buFont typeface="Arial" panose="020B0604020202020204" pitchFamily="34" charset="0"/>
-              <a:buChar char="•"/>
+              <a:buFont typeface="Wingdings" panose="05000000000000000000" pitchFamily="2" charset="2"/>
+              <a:buChar char="§"/>
             </a:pPr>
             <a:endParaRPr lang="en-GB" sz="5000" dirty="0">
               <a:solidFill>
@@ -3733,8 +3600,8 @@
           </a:p>
           <a:p>
             <a:pPr marL="685800" indent="-685800">
-              <a:buFont typeface="Arial" panose="020B0604020202020204" pitchFamily="34" charset="0"/>
-              <a:buChar char="•"/>
+              <a:buFont typeface="Wingdings" panose="05000000000000000000" pitchFamily="2" charset="2"/>
+              <a:buChar char="§"/>
             </a:pPr>
             <a:endParaRPr lang="en-GB" sz="5000" dirty="0">
               <a:solidFill>
@@ -3745,8 +3612,8 @@
           </a:p>
           <a:p>
             <a:pPr marL="685800" indent="-685800">
-              <a:buFont typeface="Arial" panose="020B0604020202020204" pitchFamily="34" charset="0"/>
-              <a:buChar char="•"/>
+              <a:buFont typeface="Wingdings" panose="05000000000000000000" pitchFamily="2" charset="2"/>
+              <a:buChar char="§"/>
             </a:pPr>
             <a:endParaRPr lang="en-GB" sz="5000" dirty="0">
               <a:solidFill>
@@ -3756,17 +3623,9 @@
             </a:endParaRPr>
           </a:p>
           <a:p>
-            <a:endParaRPr lang="en-GB" sz="5000" dirty="0">
-              <a:solidFill>
-                <a:srgbClr val="131E29"/>
-              </a:solidFill>
-              <a:latin typeface="Source Sans Pro" panose="020B0503030403020204" pitchFamily="34" charset="0"/>
-            </a:endParaRPr>
-          </a:p>
-          <a:p>
             <a:pPr marL="685800" indent="-685800">
-              <a:buFont typeface="Arial" panose="020B0604020202020204" pitchFamily="34" charset="0"/>
-              <a:buChar char="•"/>
+              <a:buFont typeface="Wingdings" panose="05000000000000000000" pitchFamily="2" charset="2"/>
+              <a:buChar char="§"/>
             </a:pPr>
             <a:endParaRPr lang="en-GB" sz="5000" dirty="0">
               <a:solidFill>
@@ -3777,8 +3636,8 @@
           </a:p>
           <a:p>
             <a:pPr marL="685800" indent="-685800">
-              <a:buFont typeface="Arial" panose="020B0604020202020204" pitchFamily="34" charset="0"/>
-              <a:buChar char="•"/>
+              <a:buFont typeface="Wingdings" panose="05000000000000000000" pitchFamily="2" charset="2"/>
+              <a:buChar char="§"/>
             </a:pPr>
             <a:endParaRPr lang="en-GB" sz="5000" dirty="0">
               <a:solidFill>
@@ -3789,8 +3648,20 @@
           </a:p>
           <a:p>
             <a:pPr marL="685800" indent="-685800">
-              <a:buFont typeface="Arial" panose="020B0604020202020204" pitchFamily="34" charset="0"/>
-              <a:buChar char="•"/>
+              <a:buFont typeface="Wingdings" panose="05000000000000000000" pitchFamily="2" charset="2"/>
+              <a:buChar char="§"/>
+            </a:pPr>
+            <a:endParaRPr lang="en-GB" sz="5000" dirty="0">
+              <a:solidFill>
+                <a:srgbClr val="131E29"/>
+              </a:solidFill>
+              <a:latin typeface="Source Sans Pro" panose="020B0503030403020204" pitchFamily="34" charset="0"/>
+            </a:endParaRPr>
+          </a:p>
+          <a:p>
+            <a:pPr marL="685800" indent="-685800">
+              <a:buFont typeface="Wingdings" panose="05000000000000000000" pitchFamily="2" charset="2"/>
+              <a:buChar char="§"/>
             </a:pPr>
             <a:r>
               <a:rPr lang="en-GB" sz="5000" dirty="0">
@@ -4082,8 +3953,8 @@
         </p:nvSpPr>
         <p:spPr>
           <a:xfrm>
-            <a:off x="720000" y="3600000"/>
-            <a:ext cx="20865600" cy="1080000"/>
+            <a:off x="481733" y="3600000"/>
+            <a:ext cx="21103867" cy="1080000"/>
           </a:xfrm>
           <a:prstGeom prst="rect">
             <a:avLst/>
@@ -4140,7 +4011,7 @@
           <p:nvPr/>
         </p:nvPicPr>
         <p:blipFill>
-          <a:blip r:embed="rId6"/>
+          <a:blip r:embed="rId4"/>
           <a:stretch>
             <a:fillRect/>
           </a:stretch>
@@ -4170,7 +4041,7 @@
           <p:nvPr/>
         </p:nvPicPr>
         <p:blipFill>
-          <a:blip r:embed="rId7">
+          <a:blip r:embed="rId5">
             <a:extLst>
               <a:ext uri="{28A0092B-C50C-407E-A947-70E740481C1C}">
                 <a14:useLocalDpi xmlns:a14="http://schemas.microsoft.com/office/drawing/2010/main" val="0"/>
@@ -4247,7 +4118,7 @@
           <p:nvPr/>
         </p:nvPicPr>
         <p:blipFill>
-          <a:blip r:embed="rId8">
+          <a:blip r:embed="rId6">
             <a:extLst>
               <a:ext uri="{28A0092B-C50C-407E-A947-70E740481C1C}">
                 <a14:useLocalDpi xmlns:a14="http://schemas.microsoft.com/office/drawing/2010/main" val="0"/>
@@ -4293,8 +4164,8 @@
         </p:nvSpPr>
         <p:spPr>
           <a:xfrm>
-            <a:off x="720000" y="13783755"/>
-            <a:ext cx="20865600" cy="1080000"/>
+            <a:off x="481733" y="13783755"/>
+            <a:ext cx="21103867" cy="1080000"/>
           </a:xfrm>
           <a:prstGeom prst="rect">
             <a:avLst/>
@@ -4350,8 +4221,8 @@
         </p:nvSpPr>
         <p:spPr>
           <a:xfrm>
-            <a:off x="22126022" y="3622875"/>
-            <a:ext cx="20865600" cy="1080000"/>
+            <a:off x="22120920" y="3598408"/>
+            <a:ext cx="21103200" cy="1080000"/>
           </a:xfrm>
           <a:prstGeom prst="rect">
             <a:avLst/>
@@ -4407,8 +4278,8 @@
         </p:nvSpPr>
         <p:spPr>
           <a:xfrm>
-            <a:off x="720000" y="14863754"/>
-            <a:ext cx="20865600" cy="17334646"/>
+            <a:off x="481733" y="14863754"/>
+            <a:ext cx="21103867" cy="17572046"/>
           </a:xfrm>
           <a:prstGeom prst="rect">
             <a:avLst/>
@@ -4546,6 +4417,7 @@
             </a:endParaRPr>
           </a:p>
           <a:p>
+            <a:pPr algn="ctr"/>
             <a:r>
               <a:rPr lang="en-GB" sz="5000" dirty="0">
                 <a:solidFill>
@@ -4602,7 +4474,7 @@
             </a:endParaRPr>
           </a:p>
           <a:p>
-            <a:pPr algn="ctr">
+            <a:pPr>
               <a:buClr>
                 <a:srgbClr val="131E29"/>
               </a:buClr>
@@ -4619,11 +4491,13 @@
             </a:r>
           </a:p>
           <a:p>
-            <a:pPr algn="ctr">
+            <a:pPr marL="3429000" lvl="6" indent="-685800">
               <a:buClr>
                 <a:srgbClr val="131E29"/>
               </a:buClr>
               <a:buSzPct val="100000"/>
+              <a:buFont typeface="Arial" panose="020B0604020202020204" pitchFamily="34" charset="0"/>
+              <a:buChar char="•"/>
             </a:pPr>
             <a:r>
               <a:rPr lang="en-GB" sz="5000" dirty="0">
@@ -4636,11 +4510,13 @@
             </a:r>
           </a:p>
           <a:p>
-            <a:pPr algn="ctr">
+            <a:pPr marL="3429000" lvl="6" indent="-685800">
               <a:buClr>
                 <a:srgbClr val="131E29"/>
               </a:buClr>
               <a:buSzPct val="100000"/>
+              <a:buFont typeface="Arial" panose="020B0604020202020204" pitchFamily="34" charset="0"/>
+              <a:buChar char="•"/>
             </a:pPr>
             <a:r>
               <a:rPr lang="en-GB" sz="5000" dirty="0">
@@ -4653,11 +4529,13 @@
             </a:r>
           </a:p>
           <a:p>
-            <a:pPr algn="ctr">
+            <a:pPr marL="3429000" lvl="6" indent="-685800">
               <a:buClr>
                 <a:srgbClr val="131E29"/>
               </a:buClr>
               <a:buSzPct val="100000"/>
+              <a:buFont typeface="Arial" panose="020B0604020202020204" pitchFamily="34" charset="0"/>
+              <a:buChar char="•"/>
             </a:pPr>
             <a:r>
               <a:rPr lang="en-GB" sz="5000" dirty="0">
@@ -4670,11 +4548,13 @@
             </a:r>
           </a:p>
           <a:p>
-            <a:pPr algn="ctr">
+            <a:pPr marL="3429000" lvl="6" indent="-685800">
               <a:buClr>
                 <a:srgbClr val="131E29"/>
               </a:buClr>
               <a:buSzPct val="100000"/>
+              <a:buFont typeface="Arial" panose="020B0604020202020204" pitchFamily="34" charset="0"/>
+              <a:buChar char="•"/>
             </a:pPr>
             <a:r>
               <a:rPr lang="en-GB" sz="5000" dirty="0">
@@ -4714,8 +4594,24 @@
                 </a:solidFill>
                 <a:latin typeface="Source Sans Pro" panose="020B0503030403020204" pitchFamily="34" charset="0"/>
               </a:rPr>
-              <a:t>PARTICIPANTS:</a:t>
-            </a:r>
+              <a:t>PARTICIPANTS</a:t>
+            </a:r>
+            <a:endParaRPr lang="en-GB" sz="5000" dirty="0">
+              <a:solidFill>
+                <a:srgbClr val="131E29"/>
+              </a:solidFill>
+              <a:latin typeface="Source Sans Pro" panose="020B0503030403020204" pitchFamily="34" charset="0"/>
+            </a:endParaRPr>
+          </a:p>
+          <a:p>
+            <a:pPr marL="685800" indent="-685800">
+              <a:buClr>
+                <a:srgbClr val="131E29"/>
+              </a:buClr>
+              <a:buSzPct val="100000"/>
+              <a:buFont typeface="Wingdings" panose="05000000000000000000" pitchFamily="2" charset="2"/>
+              <a:buChar char="§"/>
+            </a:pPr>
             <a:r>
               <a:rPr lang="en-GB" sz="5000" dirty="0">
                 <a:solidFill>
@@ -4723,7 +4619,7 @@
                 </a:solidFill>
                 <a:latin typeface="Source Sans Pro" panose="020B0503030403020204" pitchFamily="34" charset="0"/>
               </a:rPr>
-              <a:t> 56 </a:t>
+              <a:t>56 </a:t>
             </a:r>
             <a:r>
               <a:rPr lang="en-GB" sz="5000" i="1" dirty="0">
@@ -4777,7 +4673,45 @@
                 </a:solidFill>
                 <a:latin typeface="Source Sans Pro" panose="020B0503030403020204" pitchFamily="34" charset="0"/>
               </a:rPr>
-              <a:t>= 5.04), mostly male (50), from the UK (45), and predominantly white (46. Education ranged from 10-24 years (</a:t>
+              <a:t>= 5.04)</a:t>
+            </a:r>
+          </a:p>
+          <a:p>
+            <a:pPr marL="685800" indent="-685800">
+              <a:buClr>
+                <a:srgbClr val="131E29"/>
+              </a:buClr>
+              <a:buSzPct val="100000"/>
+              <a:buFont typeface="Wingdings" panose="05000000000000000000" pitchFamily="2" charset="2"/>
+              <a:buChar char="§"/>
+            </a:pPr>
+            <a:r>
+              <a:rPr lang="en-GB" sz="5000" dirty="0">
+                <a:solidFill>
+                  <a:srgbClr val="131E29"/>
+                </a:solidFill>
+                <a:latin typeface="Source Sans Pro" panose="020B0503030403020204" pitchFamily="34" charset="0"/>
+              </a:rPr>
+              <a:t>Mostly male (50), from the UK (45), and predominantly white (46)</a:t>
+            </a:r>
+          </a:p>
+          <a:p>
+            <a:pPr marL="685800" indent="-685800">
+              <a:buClr>
+                <a:srgbClr val="131E29"/>
+              </a:buClr>
+              <a:buSzPct val="100000"/>
+              <a:buFont typeface="Wingdings" panose="05000000000000000000" pitchFamily="2" charset="2"/>
+              <a:buChar char="§"/>
+            </a:pPr>
+            <a:r>
+              <a:rPr lang="en-GB" sz="5000" dirty="0">
+                <a:solidFill>
+                  <a:srgbClr val="131E29"/>
+                </a:solidFill>
+                <a:latin typeface="Source Sans Pro" panose="020B0503030403020204" pitchFamily="34" charset="0"/>
+              </a:rPr>
+              <a:t>Mostly well educated (</a:t>
             </a:r>
             <a:r>
               <a:rPr lang="en-GB" sz="5000" i="1" dirty="0">
@@ -4813,7 +4747,7 @@
                 </a:solidFill>
                 <a:latin typeface="Source Sans Pro" panose="020B0503030403020204" pitchFamily="34" charset="0"/>
               </a:rPr>
-              <a:t>= 2.81), and self-rated </a:t>
+              <a:t>= 2.81), and high self-rated </a:t>
             </a:r>
             <a:r>
               <a:rPr lang="en-GB" sz="5000" i="1" dirty="0">
@@ -4831,7 +4765,7 @@
                 </a:solidFill>
                 <a:latin typeface="Source Sans Pro" panose="020B0503030403020204" pitchFamily="34" charset="0"/>
               </a:rPr>
-              <a:t>on a scale from 1 (worst off) to 10 (best off) ranged from 3-9 (</a:t>
+              <a:t>(</a:t>
             </a:r>
             <a:r>
               <a:rPr lang="en-GB" sz="5000" i="1" dirty="0">
@@ -4867,7 +4801,7 @@
                 </a:solidFill>
                 <a:latin typeface="Source Sans Pro" panose="020B0503030403020204" pitchFamily="34" charset="0"/>
               </a:rPr>
-              <a:t>= 1.50). </a:t>
+              <a:t>= 1.50)</a:t>
             </a:r>
           </a:p>
         </p:txBody>
@@ -4907,7 +4841,7 @@
             <p:nvPr/>
           </p:nvPicPr>
           <p:blipFill>
-            <a:blip r:embed="rId9"/>
+            <a:blip r:embed="rId7"/>
             <a:stretch>
               <a:fillRect/>
             </a:stretch>
@@ -4941,7 +4875,7 @@
             <p:nvPr/>
           </p:nvPicPr>
           <p:blipFill>
-            <a:blip r:embed="rId10"/>
+            <a:blip r:embed="rId8"/>
             <a:stretch>
               <a:fillRect/>
             </a:stretch>
@@ -4971,7 +4905,7 @@
             <p:nvPr/>
           </p:nvPicPr>
           <p:blipFill>
-            <a:blip r:embed="rId11"/>
+            <a:blip r:embed="rId9"/>
             <a:stretch>
               <a:fillRect/>
             </a:stretch>
@@ -5001,7 +4935,7 @@
             <p:nvPr/>
           </p:nvPicPr>
           <p:blipFill>
-            <a:blip r:embed="rId12"/>
+            <a:blip r:embed="rId10"/>
             <a:stretch>
               <a:fillRect/>
             </a:stretch>
@@ -5031,7 +4965,7 @@
             <p:nvPr/>
           </p:nvPicPr>
           <p:blipFill>
-            <a:blip r:embed="rId13"/>
+            <a:blip r:embed="rId11"/>
             <a:stretch>
               <a:fillRect/>
             </a:stretch>
@@ -5061,7 +4995,7 @@
             <p:nvPr/>
           </p:nvPicPr>
           <p:blipFill>
-            <a:blip r:embed="rId14"/>
+            <a:blip r:embed="rId12"/>
             <a:stretch>
               <a:fillRect/>
             </a:stretch>
@@ -5091,7 +5025,7 @@
             <p:nvPr/>
           </p:nvPicPr>
           <p:blipFill>
-            <a:blip r:embed="rId15"/>
+            <a:blip r:embed="rId13"/>
             <a:stretch>
               <a:fillRect/>
             </a:stretch>
@@ -5121,7 +5055,7 @@
             <p:nvPr/>
           </p:nvPicPr>
           <p:blipFill>
-            <a:blip r:embed="rId16"/>
+            <a:blip r:embed="rId14"/>
             <a:stretch>
               <a:fillRect/>
             </a:stretch>
@@ -5151,7 +5085,7 @@
             <p:nvPr/>
           </p:nvPicPr>
           <p:blipFill>
-            <a:blip r:embed="rId17"/>
+            <a:blip r:embed="rId15"/>
             <a:stretch>
               <a:fillRect/>
             </a:stretch>
@@ -5181,7 +5115,7 @@
             <p:nvPr/>
           </p:nvPicPr>
           <p:blipFill>
-            <a:blip r:embed="rId18"/>
+            <a:blip r:embed="rId16"/>
             <a:stretch>
               <a:fillRect/>
             </a:stretch>
@@ -5211,7 +5145,7 @@
             <p:nvPr/>
           </p:nvPicPr>
           <p:blipFill>
-            <a:blip r:embed="rId19"/>
+            <a:blip r:embed="rId17"/>
             <a:stretch>
               <a:fillRect/>
             </a:stretch>
@@ -5241,7 +5175,7 @@
             <p:nvPr/>
           </p:nvPicPr>
           <p:blipFill>
-            <a:blip r:embed="rId20"/>
+            <a:blip r:embed="rId18"/>
             <a:stretch>
               <a:fillRect/>
             </a:stretch>
@@ -5271,7 +5205,7 @@
             <p:nvPr/>
           </p:nvPicPr>
           <p:blipFill>
-            <a:blip r:embed="rId21"/>
+            <a:blip r:embed="rId19"/>
             <a:stretch>
               <a:fillRect/>
             </a:stretch>
@@ -5818,8 +5752,8 @@
         </p:nvSpPr>
         <p:spPr>
           <a:xfrm>
-            <a:off x="763066" y="4679622"/>
-            <a:ext cx="12969677" cy="5304080"/>
+            <a:off x="481619" y="4652467"/>
+            <a:ext cx="13865621" cy="5304080"/>
           </a:xfrm>
           <a:prstGeom prst="rect">
             <a:avLst/>
@@ -5850,8 +5784,8 @@
           <a:lstStyle/>
           <a:p>
             <a:pPr marL="685800" indent="-685800">
-              <a:buFont typeface="Arial" panose="020B0604020202020204" pitchFamily="34" charset="0"/>
-              <a:buChar char="•"/>
+              <a:buFont typeface="Wingdings" panose="05000000000000000000" pitchFamily="2" charset="2"/>
+              <a:buChar char="§"/>
             </a:pPr>
             <a:r>
               <a:rPr lang="en-GB" sz="5000" dirty="0">
@@ -5883,8 +5817,8 @@
           </a:p>
           <a:p>
             <a:pPr marL="685800" indent="-685800">
-              <a:buFont typeface="Arial" panose="020B0604020202020204" pitchFamily="34" charset="0"/>
-              <a:buChar char="•"/>
+              <a:buFont typeface="Wingdings" panose="05000000000000000000" pitchFamily="2" charset="2"/>
+              <a:buChar char="§"/>
             </a:pPr>
             <a:r>
               <a:rPr lang="en-GB" sz="5000" dirty="0">
@@ -6025,13 +5959,13 @@
           <p:nvPr/>
         </p:nvPicPr>
         <p:blipFill>
-          <a:blip r:embed="rId22">
+          <a:blip r:embed="rId20">
             <a:extLst>
               <a:ext uri="{28A0092B-C50C-407E-A947-70E740481C1C}">
                 <a14:useLocalDpi xmlns:a14="http://schemas.microsoft.com/office/drawing/2010/main" val="0"/>
               </a:ext>
               <a:ext uri="{96DAC541-7B7A-43D3-8B79-37D633B846F1}">
-                <asvg:svgBlip xmlns:asvg="http://schemas.microsoft.com/office/drawing/2016/SVG/main" r:embed="rId23"/>
+                <asvg:svgBlip xmlns:asvg="http://schemas.microsoft.com/office/drawing/2016/SVG/main" r:embed="rId21"/>
               </a:ext>
             </a:extLst>
           </a:blip>
@@ -6041,7 +5975,7 @@
         </p:blipFill>
         <p:spPr>
           <a:xfrm>
-            <a:off x="4113350" y="24384538"/>
+            <a:off x="481733" y="24489464"/>
             <a:ext cx="3260134" cy="3260134"/>
           </a:xfrm>
           <a:prstGeom prst="rect">
@@ -6122,8 +6056,8 @@
         </p:nvSpPr>
         <p:spPr>
           <a:xfrm>
-            <a:off x="22344605" y="4725483"/>
-            <a:ext cx="11425986" cy="24932882"/>
+            <a:off x="22172834" y="13227316"/>
+            <a:ext cx="21051286" cy="2966619"/>
           </a:xfrm>
           <a:prstGeom prst="rect">
             <a:avLst/>
@@ -6153,9 +6087,21 @@
           <a:bodyPr rtlCol="0" anchor="ctr"/>
           <a:lstStyle/>
           <a:p>
+            <a:pPr algn="ctr"/>
+            <a:r>
+              <a:rPr lang="en-GB" sz="5000" b="1" dirty="0">
+                <a:solidFill>
+                  <a:schemeClr val="tx1"/>
+                </a:solidFill>
+                <a:latin typeface="Source Sans Pro" panose="020B0503030403020204" pitchFamily="34" charset="0"/>
+              </a:rPr>
+              <a:t>BAYESIAN HIERARCHICAL MIXTURE MODELLING </a:t>
+            </a:r>
+          </a:p>
+          <a:p>
             <a:pPr marL="685800" indent="-685800">
-              <a:buFont typeface="Arial" panose="020B0604020202020204" pitchFamily="34" charset="0"/>
-              <a:buChar char="•"/>
+              <a:buFont typeface="Wingdings" panose="05000000000000000000" pitchFamily="2" charset="2"/>
+              <a:buChar char="§"/>
             </a:pPr>
             <a:r>
               <a:rPr lang="en-GB" sz="5000" dirty="0">
@@ -6164,7 +6110,7 @@
                 </a:solidFill>
                 <a:latin typeface="Source Sans Pro" panose="020B0503030403020204" pitchFamily="34" charset="0"/>
               </a:rPr>
-              <a:t>Overall, </a:t>
+              <a:t>Allows estimation of both </a:t>
             </a:r>
             <a:r>
               <a:rPr lang="en-GB" sz="5000" b="1" dirty="0">
@@ -6173,7 +6119,7 @@
                 </a:solidFill>
                 <a:latin typeface="Source Sans Pro" panose="020B0503030403020204" pitchFamily="34" charset="0"/>
               </a:rPr>
-              <a:t>greater mean accuracy </a:t>
+              <a:t>population-level</a:t>
             </a:r>
             <a:r>
               <a:rPr lang="en-GB" sz="5000" dirty="0">
@@ -6182,7 +6128,7 @@
                 </a:solidFill>
                 <a:latin typeface="Source Sans Pro" panose="020B0503030403020204" pitchFamily="34" charset="0"/>
               </a:rPr>
-              <a:t>on </a:t>
+              <a:t> parameters (describe the sample as a whole) and </a:t>
             </a:r>
             <a:r>
               <a:rPr lang="en-GB" sz="5000" b="1" dirty="0">
@@ -6191,7 +6137,7 @@
                 </a:solidFill>
                 <a:latin typeface="Source Sans Pro" panose="020B0503030403020204" pitchFamily="34" charset="0"/>
               </a:rPr>
-              <a:t>Hebb</a:t>
+              <a:t>individual-level</a:t>
             </a:r>
             <a:r>
               <a:rPr lang="en-GB" sz="5000" dirty="0">
@@ -6200,66 +6146,16 @@
                 </a:solidFill>
                 <a:latin typeface="Source Sans Pro" panose="020B0503030403020204" pitchFamily="34" charset="0"/>
               </a:rPr>
-              <a:t> than Filler trials. </a:t>
-            </a:r>
-          </a:p>
-          <a:p>
-            <a:endParaRPr lang="en-GB" sz="5000" dirty="0">
-              <a:solidFill>
-                <a:srgbClr val="131E29"/>
-              </a:solidFill>
-              <a:latin typeface="Source Sans Pro" panose="020B0503030403020204" pitchFamily="34" charset="0"/>
-            </a:endParaRPr>
-          </a:p>
-          <a:p>
-            <a:pPr marL="685800" indent="-685800">
-              <a:buFont typeface="Arial" panose="020B0604020202020204" pitchFamily="34" charset="0"/>
-              <a:buChar char="•"/>
-            </a:pPr>
-            <a:r>
-              <a:rPr lang="en-GB" sz="5000" dirty="0">
-                <a:solidFill>
-                  <a:srgbClr val="131E29"/>
-                </a:solidFill>
-                <a:latin typeface="Source Sans Pro" panose="020B0503030403020204" pitchFamily="34" charset="0"/>
-              </a:rPr>
-              <a:t>Allows estimation of both </a:t>
-            </a:r>
-            <a:r>
-              <a:rPr lang="en-GB" sz="5000" b="1" dirty="0">
-                <a:solidFill>
-                  <a:srgbClr val="131E29"/>
-                </a:solidFill>
-                <a:latin typeface="Source Sans Pro" panose="020B0503030403020204" pitchFamily="34" charset="0"/>
-              </a:rPr>
-              <a:t>population-level</a:t>
-            </a:r>
-            <a:r>
-              <a:rPr lang="en-GB" sz="5000" dirty="0">
-                <a:solidFill>
-                  <a:srgbClr val="131E29"/>
-                </a:solidFill>
-                <a:latin typeface="Source Sans Pro" panose="020B0503030403020204" pitchFamily="34" charset="0"/>
-              </a:rPr>
-              <a:t> parameters which describe the sample as a whole, and </a:t>
-            </a:r>
-            <a:r>
-              <a:rPr lang="en-GB" sz="5000" b="1" dirty="0">
-                <a:solidFill>
-                  <a:srgbClr val="131E29"/>
-                </a:solidFill>
-                <a:latin typeface="Source Sans Pro" panose="020B0503030403020204" pitchFamily="34" charset="0"/>
-              </a:rPr>
-              <a:t>individual-level</a:t>
-            </a:r>
-            <a:r>
-              <a:rPr lang="en-GB" sz="5000" dirty="0">
-                <a:solidFill>
-                  <a:srgbClr val="131E29"/>
-                </a:solidFill>
-                <a:latin typeface="Source Sans Pro" panose="020B0503030403020204" pitchFamily="34" charset="0"/>
-              </a:rPr>
-              <a:t> parameters per participant </a:t>
+              <a:t> parameters (per participant), see </a:t>
+            </a:r>
+            <a:r>
+              <a:rPr lang="en-GB" sz="4000" i="1" dirty="0" err="1">
+                <a:solidFill>
+                  <a:srgbClr val="131E29"/>
+                </a:solidFill>
+                <a:latin typeface="Source Sans Pro" panose="020B0503030403020204" pitchFamily="34" charset="0"/>
+              </a:rPr>
+              <a:t>Musfeld</a:t>
             </a:r>
             <a:r>
               <a:rPr lang="en-GB" sz="4000" i="1" dirty="0">
@@ -6268,398 +6164,35 @@
                 </a:solidFill>
                 <a:latin typeface="Source Sans Pro" panose="020B0503030403020204" pitchFamily="34" charset="0"/>
               </a:rPr>
-              <a:t>(</a:t>
-            </a:r>
-            <a:r>
-              <a:rPr lang="en-GB" sz="4000" i="1" dirty="0" err="1">
-                <a:solidFill>
-                  <a:srgbClr val="131E29"/>
-                </a:solidFill>
-                <a:latin typeface="Source Sans Pro" panose="020B0503030403020204" pitchFamily="34" charset="0"/>
-              </a:rPr>
-              <a:t>Musfeld</a:t>
+              <a:t> </a:t>
             </a:r>
             <a:r>
               <a:rPr lang="en-GB" sz="4000" i="1" dirty="0">
                 <a:solidFill>
-                  <a:srgbClr val="131E29"/>
-                </a:solidFill>
-                <a:latin typeface="Source Sans Pro" panose="020B0503030403020204" pitchFamily="34" charset="0"/>
-              </a:rPr>
-              <a:t> et al., 2023)</a:t>
-            </a:r>
-          </a:p>
-          <a:p>
-            <a:pPr marL="685800" indent="-685800">
-              <a:buFont typeface="Arial" panose="020B0604020202020204" pitchFamily="34" charset="0"/>
-              <a:buChar char="•"/>
-            </a:pPr>
-            <a:r>
-              <a:rPr lang="en-GB" sz="5000" b="1" dirty="0">
-                <a:solidFill>
-                  <a:srgbClr val="F9918A"/>
-                </a:solidFill>
-                <a:latin typeface="Source Sans Pro" panose="020B0503030403020204" pitchFamily="34" charset="0"/>
-              </a:rPr>
-              <a:t>Mixture Proportion: </a:t>
-            </a:r>
-            <a:r>
-              <a:rPr lang="en-GB" sz="5000" dirty="0">
-                <a:solidFill>
-                  <a:srgbClr val="131E29"/>
-                </a:solidFill>
-                <a:latin typeface="Source Sans Pro" panose="020B0503030403020204" pitchFamily="34" charset="0"/>
-              </a:rPr>
-              <a:t>(46.33%) Learners (</a:t>
-            </a:r>
-            <a:r>
-              <a:rPr lang="en-GB" sz="5000" i="1" dirty="0">
-                <a:solidFill>
-                  <a:srgbClr val="131E29"/>
-                </a:solidFill>
-                <a:latin typeface="Source Sans Pro" panose="020B0503030403020204" pitchFamily="34" charset="0"/>
-              </a:rPr>
-              <a:t>n</a:t>
-            </a:r>
-            <a:r>
-              <a:rPr lang="en-GB" sz="5000" dirty="0">
-                <a:solidFill>
-                  <a:srgbClr val="131E29"/>
-                </a:solidFill>
-                <a:latin typeface="Source Sans Pro" panose="020B0503030403020204" pitchFamily="34" charset="0"/>
-              </a:rPr>
-              <a:t> = 27) and Non-Learners (</a:t>
-            </a:r>
-            <a:r>
-              <a:rPr lang="en-GB" sz="5000" i="1" dirty="0">
-                <a:solidFill>
-                  <a:srgbClr val="131E29"/>
-                </a:solidFill>
-                <a:latin typeface="Source Sans Pro" panose="020B0503030403020204" pitchFamily="34" charset="0"/>
-              </a:rPr>
-              <a:t>n</a:t>
-            </a:r>
-            <a:r>
-              <a:rPr lang="en-GB" sz="5000" dirty="0">
-                <a:solidFill>
-                  <a:srgbClr val="131E29"/>
-                </a:solidFill>
-                <a:latin typeface="Source Sans Pro" panose="020B0503030403020204" pitchFamily="34" charset="0"/>
-              </a:rPr>
-              <a:t> = 29)</a:t>
-            </a:r>
-          </a:p>
-          <a:p>
-            <a:pPr marL="685800" indent="-685800">
-              <a:buFont typeface="Arial" panose="020B0604020202020204" pitchFamily="34" charset="0"/>
-              <a:buChar char="•"/>
-            </a:pPr>
-            <a:r>
-              <a:rPr lang="en-GB" sz="5000" b="1" dirty="0">
-                <a:solidFill>
-                  <a:srgbClr val="131E29"/>
-                </a:solidFill>
-                <a:latin typeface="Source Sans Pro" panose="020B0503030403020204" pitchFamily="34" charset="0"/>
-              </a:rPr>
-              <a:t>Learning Curve: </a:t>
-            </a:r>
-            <a:r>
-              <a:rPr lang="en-GB" sz="5000" dirty="0">
-                <a:solidFill>
-                  <a:srgbClr val="131E29"/>
-                </a:solidFill>
-                <a:latin typeface="Source Sans Pro" panose="020B0503030403020204" pitchFamily="34" charset="0"/>
-              </a:rPr>
-              <a:t>variable but instantaneous </a:t>
-            </a:r>
-            <a:r>
-              <a:rPr lang="en-GB" sz="5000" b="1" dirty="0">
-                <a:solidFill>
-                  <a:srgbClr val="81B0FF"/>
-                </a:solidFill>
-                <a:latin typeface="Source Sans Pro" panose="020B0503030403020204" pitchFamily="34" charset="0"/>
-              </a:rPr>
-              <a:t>onset</a:t>
-            </a:r>
-            <a:r>
-              <a:rPr lang="en-GB" sz="5000" dirty="0">
-                <a:solidFill>
-                  <a:srgbClr val="131E29"/>
-                </a:solidFill>
-                <a:latin typeface="Source Sans Pro" panose="020B0503030403020204" pitchFamily="34" charset="0"/>
-              </a:rPr>
-              <a:t> point of learning, followed by substantial improvement in </a:t>
-            </a:r>
-            <a:r>
-              <a:rPr lang="en-GB" sz="5000" b="1" dirty="0">
-                <a:solidFill>
-                  <a:srgbClr val="33CCD0"/>
-                </a:solidFill>
-                <a:latin typeface="Source Sans Pro" panose="020B0503030403020204" pitchFamily="34" charset="0"/>
-              </a:rPr>
-              <a:t>learning rate </a:t>
-            </a:r>
-            <a:r>
-              <a:rPr lang="en-GB" sz="5000" dirty="0">
-                <a:solidFill>
-                  <a:srgbClr val="131E29"/>
-                </a:solidFill>
-                <a:latin typeface="Source Sans Pro" panose="020B0503030403020204" pitchFamily="34" charset="0"/>
-              </a:rPr>
-              <a:t>and the </a:t>
-            </a:r>
-            <a:r>
-              <a:rPr lang="en-GB" sz="5000" b="1" dirty="0">
-                <a:solidFill>
-                  <a:srgbClr val="F783E9"/>
-                </a:solidFill>
-                <a:latin typeface="Source Sans Pro" panose="020B0503030403020204" pitchFamily="34" charset="0"/>
-              </a:rPr>
-              <a:t>upper asymptote</a:t>
-            </a:r>
-            <a:r>
-              <a:rPr lang="en-GB" sz="5000" dirty="0">
-                <a:solidFill>
-                  <a:srgbClr val="131E29"/>
-                </a:solidFill>
-                <a:latin typeface="Source Sans Pro" panose="020B0503030403020204" pitchFamily="34" charset="0"/>
-              </a:rPr>
-              <a:t>,</a:t>
-            </a:r>
-            <a:r>
-              <a:rPr lang="en-GB" sz="5000" b="1" dirty="0">
-                <a:solidFill>
-                  <a:srgbClr val="131E29"/>
-                </a:solidFill>
-                <a:latin typeface="Source Sans Pro" panose="020B0503030403020204" pitchFamily="34" charset="0"/>
-              </a:rPr>
-              <a:t> </a:t>
-            </a:r>
-            <a:r>
-              <a:rPr lang="en-GB" sz="5000" dirty="0">
-                <a:solidFill>
-                  <a:srgbClr val="131E29"/>
-                </a:solidFill>
-                <a:latin typeface="Source Sans Pro" panose="020B0503030403020204" pitchFamily="34" charset="0"/>
-              </a:rPr>
-              <a:t>or peak. </a:t>
-            </a:r>
-          </a:p>
-          <a:p>
-            <a:endParaRPr lang="en-GB" sz="5000" dirty="0">
-              <a:solidFill>
-                <a:srgbClr val="131E29"/>
-              </a:solidFill>
-              <a:latin typeface="Source Sans Pro" panose="020B0503030403020204" pitchFamily="34" charset="0"/>
-            </a:endParaRPr>
-          </a:p>
-          <a:p>
-            <a:endParaRPr lang="en-GB" sz="5000" dirty="0">
-              <a:solidFill>
-                <a:srgbClr val="131E29"/>
-              </a:solidFill>
-              <a:latin typeface="Source Sans Pro" panose="020B0503030403020204" pitchFamily="34" charset="0"/>
-            </a:endParaRPr>
-          </a:p>
-          <a:p>
-            <a:endParaRPr lang="en-GB" sz="5000" dirty="0">
-              <a:solidFill>
-                <a:srgbClr val="131E29"/>
-              </a:solidFill>
-              <a:latin typeface="Source Sans Pro" panose="020B0503030403020204" pitchFamily="34" charset="0"/>
-            </a:endParaRPr>
-          </a:p>
-          <a:p>
-            <a:endParaRPr lang="en-GB" sz="5000" dirty="0">
-              <a:solidFill>
-                <a:srgbClr val="131E29"/>
-              </a:solidFill>
-              <a:latin typeface="Source Sans Pro" panose="020B0503030403020204" pitchFamily="34" charset="0"/>
-            </a:endParaRPr>
-          </a:p>
-          <a:p>
-            <a:endParaRPr lang="en-GB" sz="5000" dirty="0">
-              <a:solidFill>
-                <a:srgbClr val="131E29"/>
-              </a:solidFill>
-              <a:latin typeface="Source Sans Pro" panose="020B0503030403020204" pitchFamily="34" charset="0"/>
-            </a:endParaRPr>
-          </a:p>
-          <a:p>
-            <a:endParaRPr lang="en-GB" sz="5000" dirty="0">
-              <a:solidFill>
-                <a:srgbClr val="131E29"/>
-              </a:solidFill>
-              <a:latin typeface="Source Sans Pro" panose="020B0503030403020204" pitchFamily="34" charset="0"/>
-            </a:endParaRPr>
-          </a:p>
-          <a:p>
-            <a:endParaRPr lang="en-GB" sz="5000" dirty="0">
-              <a:solidFill>
-                <a:srgbClr val="131E29"/>
-              </a:solidFill>
-              <a:latin typeface="Source Sans Pro" panose="020B0503030403020204" pitchFamily="34" charset="0"/>
-            </a:endParaRPr>
-          </a:p>
-          <a:p>
-            <a:endParaRPr lang="en-GB" sz="5000" dirty="0">
-              <a:solidFill>
-                <a:srgbClr val="131E29"/>
-              </a:solidFill>
-              <a:latin typeface="Source Sans Pro" panose="020B0503030403020204" pitchFamily="34" charset="0"/>
-            </a:endParaRPr>
-          </a:p>
-          <a:p>
-            <a:endParaRPr lang="en-GB" sz="5000" dirty="0">
-              <a:solidFill>
-                <a:srgbClr val="131E29"/>
-              </a:solidFill>
-              <a:latin typeface="Source Sans Pro" panose="020B0503030403020204" pitchFamily="34" charset="0"/>
-            </a:endParaRPr>
-          </a:p>
-          <a:p>
-            <a:endParaRPr lang="en-GB" sz="5000" dirty="0">
-              <a:solidFill>
-                <a:srgbClr val="131E29"/>
-              </a:solidFill>
-              <a:latin typeface="Source Sans Pro" panose="020B0503030403020204" pitchFamily="34" charset="0"/>
-            </a:endParaRPr>
-          </a:p>
-          <a:p>
-            <a:endParaRPr lang="en-GB" sz="5000" dirty="0">
-              <a:solidFill>
-                <a:srgbClr val="131E29"/>
-              </a:solidFill>
-              <a:latin typeface="Source Sans Pro" panose="020B0503030403020204" pitchFamily="34" charset="0"/>
-            </a:endParaRPr>
-          </a:p>
-          <a:p>
-            <a:endParaRPr lang="en-GB" sz="5000" dirty="0">
-              <a:solidFill>
-                <a:srgbClr val="131E29"/>
-              </a:solidFill>
-              <a:latin typeface="Source Sans Pro" panose="020B0503030403020204" pitchFamily="34" charset="0"/>
-            </a:endParaRPr>
-          </a:p>
-          <a:p>
-            <a:pPr marL="685800" indent="-685800">
-              <a:buFont typeface="Arial" panose="020B0604020202020204" pitchFamily="34" charset="0"/>
-              <a:buChar char="•"/>
-            </a:pPr>
-            <a:r>
-              <a:rPr lang="en-GB" sz="5000" b="1" dirty="0">
-                <a:solidFill>
-                  <a:srgbClr val="131E29"/>
-                </a:solidFill>
-                <a:latin typeface="Source Sans Pro" panose="020B0503030403020204" pitchFamily="34" charset="0"/>
-              </a:rPr>
-              <a:t>Ambiguous</a:t>
-            </a:r>
-            <a:r>
-              <a:rPr lang="en-GB" sz="5000" dirty="0">
-                <a:solidFill>
-                  <a:srgbClr val="131E29"/>
-                </a:solidFill>
-                <a:latin typeface="Source Sans Pro" panose="020B0503030403020204" pitchFamily="34" charset="0"/>
-              </a:rPr>
-              <a:t> </a:t>
-            </a:r>
-            <a:r>
-              <a:rPr lang="en-GB" sz="5000" b="1" dirty="0">
-                <a:solidFill>
-                  <a:srgbClr val="131E29"/>
-                </a:solidFill>
-                <a:latin typeface="Source Sans Pro" panose="020B0503030403020204" pitchFamily="34" charset="0"/>
-              </a:rPr>
-              <a:t>evidence</a:t>
-            </a:r>
-            <a:r>
-              <a:rPr lang="en-GB" sz="5000" dirty="0">
-                <a:solidFill>
-                  <a:srgbClr val="131E29"/>
-                </a:solidFill>
-                <a:latin typeface="Source Sans Pro" panose="020B0503030403020204" pitchFamily="34" charset="0"/>
-              </a:rPr>
-              <a:t> (</a:t>
-            </a:r>
-            <a:r>
-              <a:rPr lang="en-GB" sz="5000" i="1" dirty="0">
-                <a:solidFill>
-                  <a:srgbClr val="131E29"/>
-                </a:solidFill>
-                <a:latin typeface="Source Sans Pro" panose="020B0503030403020204" pitchFamily="34" charset="0"/>
-              </a:rPr>
-              <a:t>p</a:t>
-            </a:r>
-            <a:r>
-              <a:rPr lang="en-GB" sz="5000" dirty="0">
-                <a:solidFill>
-                  <a:srgbClr val="131E29"/>
-                </a:solidFill>
-                <a:latin typeface="Source Sans Pro" panose="020B0503030403020204" pitchFamily="34" charset="0"/>
-              </a:rPr>
-              <a:t> = .086, BF = 1.02) for an association between </a:t>
-            </a:r>
-            <a:r>
-              <a:rPr lang="en-GB" sz="5000" b="1" dirty="0">
-                <a:solidFill>
-                  <a:srgbClr val="131E29"/>
-                </a:solidFill>
-                <a:latin typeface="Source Sans Pro" panose="020B0503030403020204" pitchFamily="34" charset="0"/>
-              </a:rPr>
-              <a:t>total hours of playtime </a:t>
-            </a:r>
-            <a:r>
-              <a:rPr lang="en-GB" sz="5000" dirty="0">
-                <a:solidFill>
-                  <a:srgbClr val="131E29"/>
-                </a:solidFill>
-                <a:latin typeface="Source Sans Pro" panose="020B0503030403020204" pitchFamily="34" charset="0"/>
-              </a:rPr>
-              <a:t>and Learner/Non-Learner group status.</a:t>
-            </a:r>
-          </a:p>
-          <a:p>
-            <a:pPr marL="685800" indent="-685800">
-              <a:buFont typeface="Arial" panose="020B0604020202020204" pitchFamily="34" charset="0"/>
-              <a:buChar char="•"/>
-            </a:pPr>
-            <a:r>
-              <a:rPr lang="en-GB" sz="5000" dirty="0">
-                <a:solidFill>
-                  <a:srgbClr val="131E29"/>
-                </a:solidFill>
-                <a:latin typeface="Source Sans Pro" panose="020B0503030403020204" pitchFamily="34" charset="0"/>
-              </a:rPr>
-              <a:t>Further analysis to understand learning in </a:t>
-            </a:r>
-            <a:r>
-              <a:rPr lang="en-GB" sz="5000" i="1" dirty="0">
-                <a:solidFill>
-                  <a:srgbClr val="131E29"/>
-                </a:solidFill>
-                <a:latin typeface="Source Sans Pro" panose="020B0503030403020204" pitchFamily="34" charset="0"/>
-              </a:rPr>
-              <a:t>Counter-Strike</a:t>
-            </a:r>
-            <a:r>
-              <a:rPr lang="en-GB" sz="5000" dirty="0">
-                <a:solidFill>
-                  <a:srgbClr val="131E29"/>
-                </a:solidFill>
-                <a:latin typeface="Source Sans Pro" panose="020B0503030403020204" pitchFamily="34" charset="0"/>
-              </a:rPr>
-              <a:t> players to follow!</a:t>
+                  <a:schemeClr val="tx1"/>
+                </a:solidFill>
+                <a:latin typeface="Source Sans Pro" panose="020B0503030403020204" pitchFamily="34" charset="0"/>
+              </a:rPr>
+              <a:t>et al. (2023)</a:t>
+            </a:r>
+            <a:r>
+              <a:rPr lang="en-GB" sz="4000" dirty="0">
+                <a:solidFill>
+                  <a:schemeClr val="tx1"/>
+                </a:solidFill>
+                <a:latin typeface="Source Sans Pro" panose="020B0503030403020204" pitchFamily="34" charset="0"/>
+              </a:rPr>
+              <a:t>.</a:t>
             </a:r>
           </a:p>
         </p:txBody>
       </p:sp>
       <p:grpSp>
         <p:nvGrpSpPr>
-          <p:cNvPr id="65" name="Group 64">
+          <p:cNvPr id="40" name="Group 39">
             <a:extLst>
               <a:ext uri="{FF2B5EF4-FFF2-40B4-BE49-F238E27FC236}">
-                <a16:creationId xmlns:a16="http://schemas.microsoft.com/office/drawing/2014/main" id="{A52E242A-CD87-1F41-4D17-708E26A9087A}"/>
+                <a16:creationId xmlns:a16="http://schemas.microsoft.com/office/drawing/2014/main" id="{6CA30F34-051E-D831-84FB-58331044195E}"/>
               </a:ext>
             </a:extLst>
           </p:cNvPr>
@@ -6668,18 +6201,53 @@
         </p:nvGrpSpPr>
         <p:grpSpPr>
           <a:xfrm>
-            <a:off x="33816499" y="4617862"/>
-            <a:ext cx="9082800" cy="8655061"/>
-            <a:chOff x="33888676" y="4800879"/>
-            <a:chExt cx="9082800" cy="8655061"/>
+            <a:off x="22314520" y="4767303"/>
+            <a:ext cx="9078913" cy="8436672"/>
+            <a:chOff x="33888677" y="4765073"/>
+            <a:chExt cx="9078913" cy="8436672"/>
           </a:xfrm>
         </p:grpSpPr>
+        <p:pic>
+          <p:nvPicPr>
+            <p:cNvPr id="39" name="Picture 38" descr="A graph showing a graph of correct and filler&#10;&#10;Description automatically generated">
+              <a:extLst>
+                <a:ext uri="{FF2B5EF4-FFF2-40B4-BE49-F238E27FC236}">
+                  <a16:creationId xmlns:a16="http://schemas.microsoft.com/office/drawing/2014/main" id="{73774C4B-1071-D02B-5092-7D2E1D95428B}"/>
+                </a:ext>
+              </a:extLst>
+            </p:cNvPr>
+            <p:cNvPicPr>
+              <a:picLocks noChangeAspect="1"/>
+            </p:cNvPicPr>
+            <p:nvPr/>
+          </p:nvPicPr>
+          <p:blipFill rotWithShape="1">
+            <a:blip r:embed="rId22">
+              <a:extLst>
+                <a:ext uri="{28A0092B-C50C-407E-A947-70E740481C1C}">
+                  <a14:useLocalDpi xmlns:a14="http://schemas.microsoft.com/office/drawing/2010/main" val="0"/>
+                </a:ext>
+              </a:extLst>
+            </a:blip>
+            <a:srcRect b="8183"/>
+            <a:stretch/>
+          </p:blipFill>
+          <p:spPr>
+            <a:xfrm>
+              <a:off x="33888677" y="4865755"/>
+              <a:ext cx="9078913" cy="8335990"/>
+            </a:xfrm>
+            <a:prstGeom prst="rect">
+              <a:avLst/>
+            </a:prstGeom>
+          </p:spPr>
+        </p:pic>
         <p:grpSp>
           <p:nvGrpSpPr>
-            <p:cNvPr id="40" name="Group 39">
+            <p:cNvPr id="36" name="Group 35">
               <a:extLst>
                 <a:ext uri="{FF2B5EF4-FFF2-40B4-BE49-F238E27FC236}">
-                  <a16:creationId xmlns:a16="http://schemas.microsoft.com/office/drawing/2014/main" id="{6CA30F34-051E-D831-84FB-58331044195E}"/>
+                  <a16:creationId xmlns:a16="http://schemas.microsoft.com/office/drawing/2014/main" id="{33E6E6AF-38A8-5578-508E-F8837F2361DA}"/>
                 </a:ext>
               </a:extLst>
             </p:cNvPr>
@@ -6688,53 +6256,18 @@
           </p:nvGrpSpPr>
           <p:grpSpPr>
             <a:xfrm>
-              <a:off x="33888676" y="4800879"/>
-              <a:ext cx="9082800" cy="8655061"/>
-              <a:chOff x="33888676" y="4800879"/>
-              <a:chExt cx="9082800" cy="8655061"/>
+              <a:off x="36163753" y="4765073"/>
+              <a:ext cx="6803827" cy="845292"/>
+              <a:chOff x="36003146" y="4722544"/>
+              <a:chExt cx="6803827" cy="845292"/>
             </a:xfrm>
           </p:grpSpPr>
-          <p:pic>
-            <p:nvPicPr>
-              <p:cNvPr id="39" name="Picture 38" descr="A graph showing a graph of correct and filler&#10;&#10;Description automatically generated">
+          <p:grpSp>
+            <p:nvGrpSpPr>
+              <p:cNvPr id="33" name="Group 32">
                 <a:extLst>
                   <a:ext uri="{FF2B5EF4-FFF2-40B4-BE49-F238E27FC236}">
-                    <a16:creationId xmlns:a16="http://schemas.microsoft.com/office/drawing/2014/main" id="{73774C4B-1071-D02B-5092-7D2E1D95428B}"/>
-                  </a:ext>
-                </a:extLst>
-              </p:cNvPr>
-              <p:cNvPicPr>
-                <a:picLocks noChangeAspect="1"/>
-              </p:cNvPicPr>
-              <p:nvPr/>
-            </p:nvPicPr>
-            <p:blipFill rotWithShape="1">
-              <a:blip r:embed="rId24">
-                <a:extLst>
-                  <a:ext uri="{28A0092B-C50C-407E-A947-70E740481C1C}">
-                    <a14:useLocalDpi xmlns:a14="http://schemas.microsoft.com/office/drawing/2010/main" val="0"/>
-                  </a:ext>
-                </a:extLst>
-              </a:blip>
-              <a:srcRect b="8183"/>
-              <a:stretch/>
-            </p:blipFill>
-            <p:spPr>
-              <a:xfrm>
-                <a:off x="33892563" y="5119950"/>
-                <a:ext cx="9078913" cy="8335990"/>
-              </a:xfrm>
-              <a:prstGeom prst="rect">
-                <a:avLst/>
-              </a:prstGeom>
-            </p:spPr>
-          </p:pic>
-          <p:grpSp>
-            <p:nvGrpSpPr>
-              <p:cNvPr id="36" name="Group 35">
-                <a:extLst>
-                  <a:ext uri="{FF2B5EF4-FFF2-40B4-BE49-F238E27FC236}">
-                    <a16:creationId xmlns:a16="http://schemas.microsoft.com/office/drawing/2014/main" id="{33E6E6AF-38A8-5578-508E-F8837F2361DA}"/>
+                    <a16:creationId xmlns:a16="http://schemas.microsoft.com/office/drawing/2014/main" id="{E929CBCD-3CC4-2A54-7CF0-3E83C873D97F}"/>
                   </a:ext>
                 </a:extLst>
               </p:cNvPr>
@@ -6743,378 +6276,187 @@
             </p:nvGrpSpPr>
             <p:grpSpPr>
               <a:xfrm>
-                <a:off x="33888676" y="4800879"/>
-                <a:ext cx="9082800" cy="809486"/>
-                <a:chOff x="33728069" y="4758350"/>
-                <a:chExt cx="9082800" cy="809486"/>
+                <a:off x="37776371" y="5387836"/>
+                <a:ext cx="2993865" cy="180000"/>
+                <a:chOff x="37776371" y="5221580"/>
+                <a:chExt cx="2993865" cy="180000"/>
               </a:xfrm>
             </p:grpSpPr>
-            <p:sp>
-              <p:nvSpPr>
-                <p:cNvPr id="35" name="Rectangle 34">
+            <p:cxnSp>
+              <p:nvCxnSpPr>
+                <p:cNvPr id="17" name="Straight Connector 16">
                   <a:extLst>
                     <a:ext uri="{FF2B5EF4-FFF2-40B4-BE49-F238E27FC236}">
-                      <a16:creationId xmlns:a16="http://schemas.microsoft.com/office/drawing/2014/main" id="{55949B42-2C60-A27F-7704-E8F8D5585F6E}"/>
+                      <a16:creationId xmlns:a16="http://schemas.microsoft.com/office/drawing/2014/main" id="{7B33D5D5-1247-0C95-CEDF-6C67BDC58E0C}"/>
                     </a:ext>
                   </a:extLst>
                 </p:cNvPr>
-                <p:cNvSpPr/>
+                <p:cNvCxnSpPr>
+                  <a:cxnSpLocks/>
+                </p:cNvCxnSpPr>
                 <p:nvPr/>
-              </p:nvSpPr>
+              </p:nvCxnSpPr>
               <p:spPr>
                 <a:xfrm>
-                  <a:off x="33728069" y="4823421"/>
-                  <a:ext cx="9082800" cy="360000"/>
+                  <a:off x="37776371" y="5244921"/>
+                  <a:ext cx="2993865" cy="0"/>
                 </a:xfrm>
-                <a:prstGeom prst="rect">
+                <a:prstGeom prst="line">
                   <a:avLst/>
                 </a:prstGeom>
-                <a:solidFill>
-                  <a:srgbClr val="FFFFFF"/>
-                </a:solidFill>
-                <a:ln>
-                  <a:noFill/>
+                <a:ln w="76200">
+                  <a:solidFill>
+                    <a:srgbClr val="131E29"/>
+                  </a:solidFill>
                 </a:ln>
               </p:spPr>
               <p:style>
-                <a:lnRef idx="2">
-                  <a:schemeClr val="accent1">
-                    <a:shade val="15000"/>
-                  </a:schemeClr>
+                <a:lnRef idx="3">
+                  <a:schemeClr val="dk1"/>
                 </a:lnRef>
-                <a:fillRef idx="1">
-                  <a:schemeClr val="accent1"/>
+                <a:fillRef idx="0">
+                  <a:schemeClr val="dk1"/>
                 </a:fillRef>
-                <a:effectRef idx="0">
-                  <a:schemeClr val="accent1"/>
+                <a:effectRef idx="2">
+                  <a:schemeClr val="dk1"/>
                 </a:effectRef>
                 <a:fontRef idx="minor">
-                  <a:schemeClr val="lt1"/>
+                  <a:schemeClr val="tx1"/>
                 </a:fontRef>
               </p:style>
-              <p:txBody>
-                <a:bodyPr rtlCol="0" anchor="ctr"/>
-                <a:lstStyle/>
-                <a:p>
-                  <a:pPr algn="ctr"/>
-                  <a:endParaRPr lang="en-GB" dirty="0"/>
-                </a:p>
-              </p:txBody>
-            </p:sp>
-            <p:grpSp>
-              <p:nvGrpSpPr>
-                <p:cNvPr id="33" name="Group 32">
+            </p:cxnSp>
+            <p:cxnSp>
+              <p:nvCxnSpPr>
+                <p:cNvPr id="19" name="Straight Connector 18">
                   <a:extLst>
                     <a:ext uri="{FF2B5EF4-FFF2-40B4-BE49-F238E27FC236}">
-                      <a16:creationId xmlns:a16="http://schemas.microsoft.com/office/drawing/2014/main" id="{E929CBCD-3CC4-2A54-7CF0-3E83C873D97F}"/>
+                      <a16:creationId xmlns:a16="http://schemas.microsoft.com/office/drawing/2014/main" id="{405DE04F-04BF-5207-A679-F7476D405BF4}"/>
                     </a:ext>
                   </a:extLst>
                 </p:cNvPr>
-                <p:cNvGrpSpPr/>
+                <p:cNvCxnSpPr>
+                  <a:cxnSpLocks/>
+                </p:cNvCxnSpPr>
                 <p:nvPr/>
-              </p:nvGrpSpPr>
-              <p:grpSpPr>
+              </p:nvCxnSpPr>
+              <p:spPr>
                 <a:xfrm>
-                  <a:off x="37776371" y="5387836"/>
-                  <a:ext cx="2993865" cy="180000"/>
-                  <a:chOff x="37776371" y="5221580"/>
-                  <a:chExt cx="2993865" cy="180000"/>
+                  <a:off x="37815206" y="5221580"/>
+                  <a:ext cx="0" cy="180000"/>
                 </a:xfrm>
-              </p:grpSpPr>
-              <p:cxnSp>
-                <p:nvCxnSpPr>
-                  <p:cNvPr id="17" name="Straight Connector 16">
-                    <a:extLst>
-                      <a:ext uri="{FF2B5EF4-FFF2-40B4-BE49-F238E27FC236}">
-                        <a16:creationId xmlns:a16="http://schemas.microsoft.com/office/drawing/2014/main" id="{7B33D5D5-1247-0C95-CEDF-6C67BDC58E0C}"/>
-                      </a:ext>
-                    </a:extLst>
-                  </p:cNvPr>
-                  <p:cNvCxnSpPr>
-                    <a:cxnSpLocks/>
-                  </p:cNvCxnSpPr>
-                  <p:nvPr/>
-                </p:nvCxnSpPr>
-                <p:spPr>
-                  <a:xfrm>
-                    <a:off x="37776371" y="5260419"/>
-                    <a:ext cx="2993865" cy="0"/>
-                  </a:xfrm>
-                  <a:prstGeom prst="line">
-                    <a:avLst/>
-                  </a:prstGeom>
-                  <a:ln w="76200">
-                    <a:solidFill>
-                      <a:srgbClr val="131E29"/>
-                    </a:solidFill>
-                  </a:ln>
-                </p:spPr>
-                <p:style>
-                  <a:lnRef idx="3">
-                    <a:schemeClr val="dk1"/>
-                  </a:lnRef>
-                  <a:fillRef idx="0">
-                    <a:schemeClr val="dk1"/>
-                  </a:fillRef>
-                  <a:effectRef idx="2">
-                    <a:schemeClr val="dk1"/>
-                  </a:effectRef>
-                  <a:fontRef idx="minor">
-                    <a:schemeClr val="tx1"/>
-                  </a:fontRef>
-                </p:style>
-              </p:cxnSp>
-              <p:cxnSp>
-                <p:nvCxnSpPr>
-                  <p:cNvPr id="19" name="Straight Connector 18">
-                    <a:extLst>
-                      <a:ext uri="{FF2B5EF4-FFF2-40B4-BE49-F238E27FC236}">
-                        <a16:creationId xmlns:a16="http://schemas.microsoft.com/office/drawing/2014/main" id="{405DE04F-04BF-5207-A679-F7476D405BF4}"/>
-                      </a:ext>
-                    </a:extLst>
-                  </p:cNvPr>
-                  <p:cNvCxnSpPr>
-                    <a:cxnSpLocks/>
-                  </p:cNvCxnSpPr>
-                  <p:nvPr/>
-                </p:nvCxnSpPr>
-                <p:spPr>
-                  <a:xfrm>
-                    <a:off x="37815206" y="5221580"/>
-                    <a:ext cx="0" cy="180000"/>
-                  </a:xfrm>
-                  <a:prstGeom prst="line">
-                    <a:avLst/>
-                  </a:prstGeom>
-                  <a:ln w="76200">
-                    <a:solidFill>
-                      <a:srgbClr val="131E29"/>
-                    </a:solidFill>
-                  </a:ln>
-                </p:spPr>
-                <p:style>
-                  <a:lnRef idx="3">
-                    <a:schemeClr val="dk1"/>
-                  </a:lnRef>
-                  <a:fillRef idx="0">
-                    <a:schemeClr val="dk1"/>
-                  </a:fillRef>
-                  <a:effectRef idx="2">
-                    <a:schemeClr val="dk1"/>
-                  </a:effectRef>
-                  <a:fontRef idx="minor">
-                    <a:schemeClr val="tx1"/>
-                  </a:fontRef>
-                </p:style>
-              </p:cxnSp>
-              <p:cxnSp>
-                <p:nvCxnSpPr>
-                  <p:cNvPr id="32" name="Straight Connector 31">
-                    <a:extLst>
-                      <a:ext uri="{FF2B5EF4-FFF2-40B4-BE49-F238E27FC236}">
-                        <a16:creationId xmlns:a16="http://schemas.microsoft.com/office/drawing/2014/main" id="{EAE25531-A796-BBA9-407C-D2F69F56F8A3}"/>
-                      </a:ext>
-                    </a:extLst>
-                  </p:cNvPr>
-                  <p:cNvCxnSpPr>
-                    <a:cxnSpLocks/>
-                  </p:cNvCxnSpPr>
-                  <p:nvPr/>
-                </p:nvCxnSpPr>
-                <p:spPr>
-                  <a:xfrm>
-                    <a:off x="40731989" y="5221580"/>
-                    <a:ext cx="0" cy="180000"/>
-                  </a:xfrm>
-                  <a:prstGeom prst="line">
-                    <a:avLst/>
-                  </a:prstGeom>
-                  <a:ln w="76200">
-                    <a:solidFill>
-                      <a:srgbClr val="131E29"/>
-                    </a:solidFill>
-                  </a:ln>
-                </p:spPr>
-                <p:style>
-                  <a:lnRef idx="3">
-                    <a:schemeClr val="dk1"/>
-                  </a:lnRef>
-                  <a:fillRef idx="0">
-                    <a:schemeClr val="dk1"/>
-                  </a:fillRef>
-                  <a:effectRef idx="2">
-                    <a:schemeClr val="dk1"/>
-                  </a:effectRef>
-                  <a:fontRef idx="minor">
-                    <a:schemeClr val="tx1"/>
-                  </a:fontRef>
-                </p:style>
-              </p:cxnSp>
-            </p:grpSp>
-            <p:sp>
-              <p:nvSpPr>
-                <p:cNvPr id="34" name="TextBox 33">
+                <a:prstGeom prst="line">
+                  <a:avLst/>
+                </a:prstGeom>
+                <a:ln w="76200">
+                  <a:solidFill>
+                    <a:srgbClr val="131E29"/>
+                  </a:solidFill>
+                </a:ln>
+              </p:spPr>
+              <p:style>
+                <a:lnRef idx="3">
+                  <a:schemeClr val="dk1"/>
+                </a:lnRef>
+                <a:fillRef idx="0">
+                  <a:schemeClr val="dk1"/>
+                </a:fillRef>
+                <a:effectRef idx="2">
+                  <a:schemeClr val="dk1"/>
+                </a:effectRef>
+                <a:fontRef idx="minor">
+                  <a:schemeClr val="tx1"/>
+                </a:fontRef>
+              </p:style>
+            </p:cxnSp>
+            <p:cxnSp>
+              <p:nvCxnSpPr>
+                <p:cNvPr id="32" name="Straight Connector 31">
                   <a:extLst>
                     <a:ext uri="{FF2B5EF4-FFF2-40B4-BE49-F238E27FC236}">
-                      <a16:creationId xmlns:a16="http://schemas.microsoft.com/office/drawing/2014/main" id="{A0E85D88-06DA-E82C-28F3-04BCB7A85645}"/>
+                      <a16:creationId xmlns:a16="http://schemas.microsoft.com/office/drawing/2014/main" id="{EAE25531-A796-BBA9-407C-D2F69F56F8A3}"/>
                     </a:ext>
                   </a:extLst>
                 </p:cNvPr>
-                <p:cNvSpPr txBox="1"/>
+                <p:cNvCxnSpPr>
+                  <a:cxnSpLocks/>
+                </p:cNvCxnSpPr>
                 <p:nvPr/>
-              </p:nvSpPr>
+              </p:nvCxnSpPr>
               <p:spPr>
                 <a:xfrm>
-                  <a:off x="36598943" y="4758350"/>
-                  <a:ext cx="5348717" cy="707886"/>
+                  <a:off x="40731989" y="5221580"/>
+                  <a:ext cx="0" cy="180000"/>
                 </a:xfrm>
-                <a:prstGeom prst="rect">
+                <a:prstGeom prst="line">
                   <a:avLst/>
                 </a:prstGeom>
-                <a:noFill/>
+                <a:ln w="76200">
+                  <a:solidFill>
+                    <a:srgbClr val="131E29"/>
+                  </a:solidFill>
+                </a:ln>
               </p:spPr>
-              <p:txBody>
-                <a:bodyPr wrap="square" rtlCol="0">
-                  <a:spAutoFit/>
-                </a:bodyPr>
-                <a:lstStyle/>
-                <a:p>
-                  <a:pPr algn="ctr"/>
-                  <a:r>
-                    <a:rPr lang="en-GB" sz="4000" b="1" i="1" dirty="0">
-                      <a:latin typeface="Source Sans Pro" panose="020B0503030403020204" pitchFamily="34" charset="0"/>
-                    </a:rPr>
-                    <a:t>p</a:t>
-                  </a:r>
-                  <a:r>
-                    <a:rPr lang="en-GB" sz="4000" b="1" dirty="0">
-                      <a:latin typeface="Source Sans Pro" panose="020B0503030403020204" pitchFamily="34" charset="0"/>
-                    </a:rPr>
-                    <a:t> &lt; .001, BF = 87.20</a:t>
-                  </a:r>
-                </a:p>
-              </p:txBody>
-            </p:sp>
+              <p:style>
+                <a:lnRef idx="3">
+                  <a:schemeClr val="dk1"/>
+                </a:lnRef>
+                <a:fillRef idx="0">
+                  <a:schemeClr val="dk1"/>
+                </a:fillRef>
+                <a:effectRef idx="2">
+                  <a:schemeClr val="dk1"/>
+                </a:effectRef>
+                <a:fontRef idx="minor">
+                  <a:schemeClr val="tx1"/>
+                </a:fontRef>
+              </p:style>
+            </p:cxnSp>
           </p:grpSp>
+          <p:sp>
+            <p:nvSpPr>
+              <p:cNvPr id="34" name="TextBox 33">
+                <a:extLst>
+                  <a:ext uri="{FF2B5EF4-FFF2-40B4-BE49-F238E27FC236}">
+                    <a16:creationId xmlns:a16="http://schemas.microsoft.com/office/drawing/2014/main" id="{A0E85D88-06DA-E82C-28F3-04BCB7A85645}"/>
+                  </a:ext>
+                </a:extLst>
+              </p:cNvPr>
+              <p:cNvSpPr txBox="1"/>
+              <p:nvPr/>
+            </p:nvSpPr>
+            <p:spPr>
+              <a:xfrm>
+                <a:off x="36003146" y="4722544"/>
+                <a:ext cx="6803827" cy="707886"/>
+              </a:xfrm>
+              <a:prstGeom prst="rect">
+                <a:avLst/>
+              </a:prstGeom>
+              <a:noFill/>
+            </p:spPr>
+            <p:txBody>
+              <a:bodyPr wrap="square" rtlCol="0">
+                <a:spAutoFit/>
+              </a:bodyPr>
+              <a:lstStyle/>
+              <a:p>
+                <a:pPr algn="ctr"/>
+                <a:r>
+                  <a:rPr lang="en-GB" sz="4000" b="1" i="1" dirty="0">
+                    <a:latin typeface="Source Sans Pro" panose="020B0503030403020204" pitchFamily="34" charset="0"/>
+                  </a:rPr>
+                  <a:t>p</a:t>
+                </a:r>
+                <a:r>
+                  <a:rPr lang="en-GB" sz="4000" b="1" dirty="0">
+                    <a:latin typeface="Source Sans Pro" panose="020B0503030403020204" pitchFamily="34" charset="0"/>
+                  </a:rPr>
+                  <a:t> &lt; .001, BF = 87.20</a:t>
+                </a:r>
+              </a:p>
+            </p:txBody>
+          </p:sp>
         </p:grpSp>
-        <p:sp>
-          <p:nvSpPr>
-            <p:cNvPr id="62" name="TextBox 61">
-              <a:extLst>
-                <a:ext uri="{FF2B5EF4-FFF2-40B4-BE49-F238E27FC236}">
-                  <a16:creationId xmlns:a16="http://schemas.microsoft.com/office/drawing/2014/main" id="{0513384B-2362-BEF9-3749-62969D006484}"/>
-                </a:ext>
-              </a:extLst>
-            </p:cNvPr>
-            <p:cNvSpPr txBox="1"/>
-            <p:nvPr/>
-          </p:nvSpPr>
-          <p:spPr>
-            <a:xfrm>
-              <a:off x="36759551" y="11176772"/>
-              <a:ext cx="2354854" cy="1323439"/>
-            </a:xfrm>
-            <a:prstGeom prst="rect">
-              <a:avLst/>
-            </a:prstGeom>
-            <a:noFill/>
-          </p:spPr>
-          <p:txBody>
-            <a:bodyPr wrap="square" rtlCol="0">
-              <a:spAutoFit/>
-            </a:bodyPr>
-            <a:lstStyle/>
-            <a:p>
-              <a:pPr algn="ctr"/>
-              <a:r>
-                <a:rPr lang="en-GB" sz="4000" i="1" dirty="0">
-                  <a:latin typeface="Source Sans Pro" panose="020B0503030403020204" pitchFamily="34" charset="0"/>
-                </a:rPr>
-                <a:t>M</a:t>
-              </a:r>
-              <a:r>
-                <a:rPr lang="en-GB" sz="4000" dirty="0">
-                  <a:latin typeface="Source Sans Pro" panose="020B0503030403020204" pitchFamily="34" charset="0"/>
-                </a:rPr>
-                <a:t> = 54.81, </a:t>
-              </a:r>
-            </a:p>
-            <a:p>
-              <a:pPr algn="ctr"/>
-              <a:r>
-                <a:rPr lang="en-GB" sz="4000" i="1" dirty="0">
-                  <a:latin typeface="Source Sans Pro" panose="020B0503030403020204" pitchFamily="34" charset="0"/>
-                </a:rPr>
-                <a:t>SD </a:t>
-              </a:r>
-              <a:r>
-                <a:rPr lang="en-GB" sz="4000" dirty="0">
-                  <a:latin typeface="Source Sans Pro" panose="020B0503030403020204" pitchFamily="34" charset="0"/>
-                </a:rPr>
-                <a:t>= 17.54</a:t>
-              </a:r>
-            </a:p>
-          </p:txBody>
-        </p:sp>
-        <p:sp>
-          <p:nvSpPr>
-            <p:cNvPr id="63" name="TextBox 62">
-              <a:extLst>
-                <a:ext uri="{FF2B5EF4-FFF2-40B4-BE49-F238E27FC236}">
-                  <a16:creationId xmlns:a16="http://schemas.microsoft.com/office/drawing/2014/main" id="{78C32A8A-734C-D30A-D519-28D8F172F072}"/>
-                </a:ext>
-              </a:extLst>
-            </p:cNvPr>
-            <p:cNvSpPr txBox="1"/>
-            <p:nvPr/>
-          </p:nvSpPr>
-          <p:spPr>
-            <a:xfrm>
-              <a:off x="39753415" y="11176771"/>
-              <a:ext cx="2354854" cy="1323439"/>
-            </a:xfrm>
-            <a:prstGeom prst="rect">
-              <a:avLst/>
-            </a:prstGeom>
-            <a:noFill/>
-          </p:spPr>
-          <p:txBody>
-            <a:bodyPr wrap="square" rtlCol="0">
-              <a:spAutoFit/>
-            </a:bodyPr>
-            <a:lstStyle/>
-            <a:p>
-              <a:pPr algn="ctr"/>
-              <a:r>
-                <a:rPr lang="en-GB" sz="4000" i="1" dirty="0">
-                  <a:latin typeface="Source Sans Pro" panose="020B0503030403020204" pitchFamily="34" charset="0"/>
-                </a:rPr>
-                <a:t>M</a:t>
-              </a:r>
-              <a:r>
-                <a:rPr lang="en-GB" sz="4000" dirty="0">
-                  <a:latin typeface="Source Sans Pro" panose="020B0503030403020204" pitchFamily="34" charset="0"/>
-                </a:rPr>
-                <a:t> = 43.67, </a:t>
-              </a:r>
-            </a:p>
-            <a:p>
-              <a:pPr algn="ctr"/>
-              <a:r>
-                <a:rPr lang="en-GB" sz="4000" i="1" dirty="0">
-                  <a:latin typeface="Source Sans Pro" panose="020B0503030403020204" pitchFamily="34" charset="0"/>
-                </a:rPr>
-                <a:t>SD </a:t>
-              </a:r>
-              <a:r>
-                <a:rPr lang="en-GB" sz="4000" dirty="0">
-                  <a:latin typeface="Source Sans Pro" panose="020B0503030403020204" pitchFamily="34" charset="0"/>
-                </a:rPr>
-                <a:t>= 8.46</a:t>
-              </a:r>
-            </a:p>
-          </p:txBody>
-        </p:sp>
       </p:grpSp>
       <p:sp>
         <p:nvSpPr>
@@ -7176,49 +6518,6 @@
       </p:sp>
       <p:sp>
         <p:nvSpPr>
-          <p:cNvPr id="77" name="TextBox 76">
-            <a:extLst>
-              <a:ext uri="{FF2B5EF4-FFF2-40B4-BE49-F238E27FC236}">
-                <a16:creationId xmlns:a16="http://schemas.microsoft.com/office/drawing/2014/main" id="{3CE01F6F-936D-AEFD-775F-F7640BA7DF90}"/>
-              </a:ext>
-            </a:extLst>
-          </p:cNvPr>
-          <p:cNvSpPr txBox="1"/>
-          <p:nvPr/>
-        </p:nvSpPr>
-        <p:spPr>
-          <a:xfrm>
-            <a:off x="22161962" y="6345196"/>
-            <a:ext cx="11628000" cy="861774"/>
-          </a:xfrm>
-          <a:prstGeom prst="rect">
-            <a:avLst/>
-          </a:prstGeom>
-          <a:solidFill>
-            <a:srgbClr val="9ADBE8"/>
-          </a:solidFill>
-        </p:spPr>
-        <p:txBody>
-          <a:bodyPr wrap="square">
-            <a:spAutoFit/>
-          </a:bodyPr>
-          <a:lstStyle/>
-          <a:p>
-            <a:pPr algn="ctr"/>
-            <a:r>
-              <a:rPr lang="en-GB" sz="5000" b="1" dirty="0">
-                <a:solidFill>
-                  <a:srgbClr val="131E29"/>
-                </a:solidFill>
-                <a:latin typeface="Source Sans Pro" panose="020B0503030403020204" pitchFamily="34" charset="0"/>
-              </a:rPr>
-              <a:t>Bayesian Hierarchical Mixture Modelling</a:t>
-            </a:r>
-          </a:p>
-        </p:txBody>
-      </p:sp>
-      <p:sp>
-        <p:nvSpPr>
           <p:cNvPr id="79" name="TextBox 78">
             <a:extLst>
               <a:ext uri="{FF2B5EF4-FFF2-40B4-BE49-F238E27FC236}">
@@ -7231,15 +6530,13 @@
         </p:nvSpPr>
         <p:spPr>
           <a:xfrm>
-            <a:off x="22161962" y="24384538"/>
-            <a:ext cx="11628000" cy="861774"/>
+            <a:off x="22172834" y="24508284"/>
+            <a:ext cx="11963971" cy="2400657"/>
           </a:xfrm>
           <a:prstGeom prst="rect">
             <a:avLst/>
           </a:prstGeom>
-          <a:solidFill>
-            <a:srgbClr val="9ADBE8"/>
-          </a:solidFill>
+          <a:noFill/>
         </p:spPr>
         <p:txBody>
           <a:bodyPr wrap="square">
@@ -7247,7 +6544,19 @@
           </a:bodyPr>
           <a:lstStyle/>
           <a:p>
-            <a:pPr algn="ctr"/>
+            <a:pPr marL="685800" indent="-685800">
+              <a:buFont typeface="Wingdings" panose="05000000000000000000" pitchFamily="2" charset="2"/>
+              <a:buChar char="§"/>
+            </a:pPr>
+            <a:r>
+              <a:rPr lang="en-GB" sz="5000" dirty="0">
+                <a:solidFill>
+                  <a:srgbClr val="131E29"/>
+                </a:solidFill>
+                <a:latin typeface="Source Sans Pro" panose="020B0503030403020204" pitchFamily="34" charset="0"/>
+              </a:rPr>
+              <a:t>Identified</a:t>
+            </a:r>
             <a:r>
               <a:rPr lang="en-GB" sz="5000" b="1" dirty="0">
                 <a:solidFill>
@@ -7255,17 +6564,116 @@
                 </a:solidFill>
                 <a:latin typeface="Source Sans Pro" panose="020B0503030403020204" pitchFamily="34" charset="0"/>
               </a:rPr>
-              <a:t>Counter-Strike Expertise</a:t>
+              <a:t> Learners</a:t>
+            </a:r>
+            <a:r>
+              <a:rPr lang="en-GB" sz="5000" dirty="0">
+                <a:solidFill>
+                  <a:srgbClr val="131E29"/>
+                </a:solidFill>
+                <a:latin typeface="Source Sans Pro" panose="020B0503030403020204" pitchFamily="34" charset="0"/>
+              </a:rPr>
+              <a:t> (</a:t>
+            </a:r>
+            <a:r>
+              <a:rPr lang="en-GB" sz="5000" i="1" dirty="0">
+                <a:solidFill>
+                  <a:srgbClr val="131E29"/>
+                </a:solidFill>
+                <a:latin typeface="Source Sans Pro" panose="020B0503030403020204" pitchFamily="34" charset="0"/>
+              </a:rPr>
+              <a:t>n</a:t>
+            </a:r>
+            <a:r>
+              <a:rPr lang="en-GB" sz="5000" dirty="0">
+                <a:solidFill>
+                  <a:srgbClr val="131E29"/>
+                </a:solidFill>
+                <a:latin typeface="Source Sans Pro" panose="020B0503030403020204" pitchFamily="34" charset="0"/>
+              </a:rPr>
+              <a:t> = 27) and </a:t>
+            </a:r>
+            <a:r>
+              <a:rPr lang="en-GB" sz="5000" b="1" dirty="0">
+                <a:solidFill>
+                  <a:srgbClr val="131E29"/>
+                </a:solidFill>
+                <a:latin typeface="Source Sans Pro" panose="020B0503030403020204" pitchFamily="34" charset="0"/>
+              </a:rPr>
+              <a:t>Non-Learners</a:t>
+            </a:r>
+            <a:r>
+              <a:rPr lang="en-GB" sz="5000" dirty="0">
+                <a:solidFill>
+                  <a:srgbClr val="131E29"/>
+                </a:solidFill>
+                <a:latin typeface="Source Sans Pro" panose="020B0503030403020204" pitchFamily="34" charset="0"/>
+              </a:rPr>
+              <a:t> (</a:t>
+            </a:r>
+            <a:r>
+              <a:rPr lang="en-GB" sz="5000" i="1" dirty="0">
+                <a:solidFill>
+                  <a:srgbClr val="131E29"/>
+                </a:solidFill>
+                <a:latin typeface="Source Sans Pro" panose="020B0503030403020204" pitchFamily="34" charset="0"/>
+              </a:rPr>
+              <a:t>n</a:t>
+            </a:r>
+            <a:r>
+              <a:rPr lang="en-GB" sz="5000" dirty="0">
+                <a:solidFill>
+                  <a:srgbClr val="131E29"/>
+                </a:solidFill>
+                <a:latin typeface="Source Sans Pro" panose="020B0503030403020204" pitchFamily="34" charset="0"/>
+              </a:rPr>
+              <a:t> = 29): </a:t>
+            </a:r>
+            <a:r>
+              <a:rPr lang="en-GB" sz="5000" b="1" dirty="0">
+                <a:solidFill>
+                  <a:srgbClr val="F66054"/>
+                </a:solidFill>
+                <a:latin typeface="Source Sans Pro" panose="020B0503030403020204" pitchFamily="34" charset="0"/>
+              </a:rPr>
+              <a:t>Mixture</a:t>
+            </a:r>
+            <a:r>
+              <a:rPr lang="en-GB" sz="5000" b="1" dirty="0">
+                <a:solidFill>
+                  <a:schemeClr val="tx1"/>
+                </a:solidFill>
+                <a:latin typeface="Source Sans Pro" panose="020B0503030403020204" pitchFamily="34" charset="0"/>
+              </a:rPr>
+              <a:t> </a:t>
+            </a:r>
+            <a:r>
+              <a:rPr lang="en-GB" sz="5000" b="1" dirty="0">
+                <a:solidFill>
+                  <a:srgbClr val="F66054"/>
+                </a:solidFill>
+                <a:latin typeface="Source Sans Pro" panose="020B0503030403020204" pitchFamily="34" charset="0"/>
+              </a:rPr>
+              <a:t>Proportion </a:t>
+            </a:r>
+            <a:r>
+              <a:rPr lang="en-GB" sz="5000" dirty="0">
+                <a:solidFill>
+                  <a:srgbClr val="131E29"/>
+                </a:solidFill>
+                <a:latin typeface="Source Sans Pro" panose="020B0503030403020204" pitchFamily="34" charset="0"/>
+              </a:rPr>
+              <a:t>46.33%. </a:t>
             </a:r>
           </a:p>
         </p:txBody>
       </p:sp>
       <p:grpSp>
         <p:nvGrpSpPr>
-          <p:cNvPr id="81" name="Group 80">
+          <p:cNvPr id="37" name="Group 36">
             <a:extLst>
               <a:ext uri="{FF2B5EF4-FFF2-40B4-BE49-F238E27FC236}">
-                <a16:creationId xmlns:a16="http://schemas.microsoft.com/office/drawing/2014/main" id="{BDB2D205-C16B-16E0-8ED5-00641010B3D9}"/>
+                <a16:creationId xmlns:a16="http://schemas.microsoft.com/office/drawing/2014/main" id="{90045844-0B7E-73FF-9FD5-5438FC5AFC32}"/>
               </a:ext>
             </a:extLst>
           </p:cNvPr>
@@ -7274,18 +6682,18 @@
         </p:nvGrpSpPr>
         <p:grpSpPr>
           <a:xfrm>
-            <a:off x="33789962" y="24919456"/>
-            <a:ext cx="9088268" cy="7278944"/>
-            <a:chOff x="23107578" y="20082429"/>
-            <a:chExt cx="9078914" cy="8497038"/>
+            <a:off x="14190422" y="23176783"/>
+            <a:ext cx="7266250" cy="5978898"/>
+            <a:chOff x="14190422" y="23176783"/>
+            <a:chExt cx="7266250" cy="5978898"/>
           </a:xfrm>
         </p:grpSpPr>
         <p:pic>
           <p:nvPicPr>
-            <p:cNvPr id="78" name="Picture 77" descr="A graph of different sizes and colors&#10;&#10;Description automatically generated with medium confidence">
+            <p:cNvPr id="31" name="Picture 30">
               <a:extLst>
                 <a:ext uri="{FF2B5EF4-FFF2-40B4-BE49-F238E27FC236}">
-                  <a16:creationId xmlns:a16="http://schemas.microsoft.com/office/drawing/2014/main" id="{5AD35966-647D-9FA2-5A0C-2240B70B184A}"/>
+                  <a16:creationId xmlns:a16="http://schemas.microsoft.com/office/drawing/2014/main" id="{5A18D75E-FC7C-9EE0-0AF4-7DB73285F821}"/>
                 </a:ext>
               </a:extLst>
             </p:cNvPr>
@@ -7295,20 +6703,14 @@
             <p:nvPr/>
           </p:nvPicPr>
           <p:blipFill>
-            <a:blip r:embed="rId25">
-              <a:extLst>
-                <a:ext uri="{28A0092B-C50C-407E-A947-70E740481C1C}">
-                  <a14:useLocalDpi xmlns:a14="http://schemas.microsoft.com/office/drawing/2010/main" val="0"/>
-                </a:ext>
-              </a:extLst>
-            </a:blip>
-            <a:srcRect b="8016"/>
+            <a:blip r:embed="rId23"/>
+            <a:srcRect b="8130"/>
             <a:stretch/>
           </p:blipFill>
           <p:spPr>
             <a:xfrm>
-              <a:off x="23107578" y="20189608"/>
-              <a:ext cx="9078914" cy="8389859"/>
+              <a:off x="14190422" y="23188096"/>
+              <a:ext cx="7266250" cy="5967585"/>
             </a:xfrm>
             <a:prstGeom prst="rect">
               <a:avLst/>
@@ -7329,8 +6731,8 @@
           </p:nvSpPr>
           <p:spPr>
             <a:xfrm>
-              <a:off x="24968171" y="20082429"/>
-              <a:ext cx="5348717" cy="707886"/>
+              <a:off x="16168255" y="23176783"/>
+              <a:ext cx="5288417" cy="707886"/>
             </a:xfrm>
             <a:prstGeom prst="rect">
               <a:avLst/>
@@ -7354,13 +6756,7 @@
                 <a:rPr lang="en-GB" sz="4000" dirty="0">
                   <a:latin typeface="Source Sans Pro" panose="020B0503030403020204" pitchFamily="34" charset="0"/>
                 </a:rPr>
-                <a:t> = .086, </a:t>
-              </a:r>
-              <a:r>
-                <a:rPr lang="en-GB" sz="4000" b="1" dirty="0">
-                  <a:latin typeface="Source Sans Pro" panose="020B0503030403020204" pitchFamily="34" charset="0"/>
-                </a:rPr>
-                <a:t>BF = 1.02</a:t>
+                <a:t> = .086, BF = 1.02</a:t>
               </a:r>
             </a:p>
           </p:txBody>
@@ -7380,8 +6776,8 @@
         </p:nvSpPr>
         <p:spPr>
           <a:xfrm>
-            <a:off x="22107634" y="29951631"/>
-            <a:ext cx="11682328" cy="2246769"/>
+            <a:off x="13658658" y="31688397"/>
+            <a:ext cx="7520824" cy="707886"/>
           </a:xfrm>
           <a:prstGeom prst="rect">
             <a:avLst/>
@@ -7397,7 +6793,7 @@
           <a:lstStyle/>
           <a:p>
             <a:r>
-              <a:rPr lang="en-GB" sz="2000" b="1" dirty="0">
+              <a:rPr lang="en-GB" sz="1000" b="1" dirty="0">
                 <a:solidFill>
                   <a:srgbClr val="131E29"/>
                 </a:solidFill>
@@ -7406,7 +6802,7 @@
               <a:t>References</a:t>
             </a:r>
             <a:br>
-              <a:rPr lang="en-GB" sz="2000" dirty="0">
+              <a:rPr lang="en-GB" sz="1000" dirty="0">
                 <a:solidFill>
                   <a:srgbClr val="131E29"/>
                 </a:solidFill>
@@ -7414,7 +6810,7 @@
               </a:rPr>
             </a:br>
             <a:r>
-              <a:rPr lang="en-GB" sz="2000" i="1" dirty="0" err="1">
+              <a:rPr lang="en-GB" sz="1000" i="1" dirty="0" err="1">
                 <a:solidFill>
                   <a:srgbClr val="131E29"/>
                 </a:solidFill>
@@ -7423,18 +6819,16 @@
               <a:t>Bediou</a:t>
             </a:r>
             <a:r>
-              <a:rPr lang="en-GB" sz="2000" i="1" dirty="0">
-                <a:solidFill>
-                  <a:srgbClr val="131E29"/>
-                </a:solidFill>
-                <a:latin typeface="Source Sans Pro" panose="020B0503030403020204" pitchFamily="34" charset="0"/>
-              </a:rPr>
-              <a:t> et al., 2018</a:t>
-            </a:r>
-          </a:p>
-          <a:p>
-            <a:r>
-              <a:rPr lang="en-GB" sz="2000" i="1" dirty="0" err="1">
+              <a:rPr lang="en-GB" sz="1000" i="1" dirty="0">
+                <a:solidFill>
+                  <a:srgbClr val="131E29"/>
+                </a:solidFill>
+                <a:latin typeface="Source Sans Pro" panose="020B0503030403020204" pitchFamily="34" charset="0"/>
+              </a:rPr>
+              <a:t> et al., 2018, </a:t>
+            </a:r>
+            <a:r>
+              <a:rPr lang="en-GB" sz="1000" i="1" dirty="0" err="1">
                 <a:solidFill>
                   <a:srgbClr val="131E29"/>
                 </a:solidFill>
@@ -7443,7 +6837,45 @@
               <a:t>Bediou</a:t>
             </a:r>
             <a:r>
-              <a:rPr lang="en-GB" sz="2000" i="1" dirty="0">
+              <a:rPr lang="en-GB" sz="1000" i="1" dirty="0">
+                <a:solidFill>
+                  <a:srgbClr val="131E29"/>
+                </a:solidFill>
+                <a:latin typeface="Source Sans Pro" panose="020B0503030403020204" pitchFamily="34" charset="0"/>
+              </a:rPr>
+              <a:t> et al., 2023) (Zhang et al., 2021</a:t>
+            </a:r>
+          </a:p>
+          <a:p>
+            <a:r>
+              <a:rPr lang="en-GB" sz="1000" i="1" dirty="0">
+                <a:solidFill>
+                  <a:srgbClr val="131E29"/>
+                </a:solidFill>
+                <a:latin typeface="Source Sans Pro" panose="020B0503030403020204" pitchFamily="34" charset="0"/>
+              </a:rPr>
+              <a:t>Bavelier, et al., 2012)</a:t>
+            </a:r>
+            <a:r>
+              <a:rPr lang="en-GB" sz="1000" dirty="0">
+                <a:solidFill>
+                  <a:srgbClr val="131E29"/>
+                </a:solidFill>
+                <a:latin typeface="Source Sans Pro" panose="020B0503030403020204" pitchFamily="34" charset="0"/>
+              </a:rPr>
+              <a:t> </a:t>
+            </a:r>
+            <a:r>
+              <a:rPr lang="en-GB" sz="1000" i="1" dirty="0" err="1">
+                <a:solidFill>
+                  <a:srgbClr val="131E29"/>
+                </a:solidFill>
+                <a:latin typeface="Source Sans Pro" panose="020B0503030403020204" pitchFamily="34" charset="0"/>
+              </a:rPr>
+              <a:t>Musfeld</a:t>
+            </a:r>
+            <a:r>
+              <a:rPr lang="en-GB" sz="1000" i="1" dirty="0">
                 <a:solidFill>
                   <a:srgbClr val="131E29"/>
                 </a:solidFill>
@@ -7453,55 +6885,7 @@
             </a:r>
           </a:p>
           <a:p>
-            <a:r>
-              <a:rPr lang="en-GB" sz="2000" i="1" dirty="0">
-                <a:solidFill>
-                  <a:srgbClr val="131E29"/>
-                </a:solidFill>
-                <a:latin typeface="Source Sans Pro" panose="020B0503030403020204" pitchFamily="34" charset="0"/>
-              </a:rPr>
-              <a:t>(Zhang et al., 2021</a:t>
-            </a:r>
-          </a:p>
-          <a:p>
-            <a:r>
-              <a:rPr lang="en-GB" sz="2000" i="1" dirty="0">
-                <a:solidFill>
-                  <a:srgbClr val="131E29"/>
-                </a:solidFill>
-                <a:latin typeface="Source Sans Pro" panose="020B0503030403020204" pitchFamily="34" charset="0"/>
-              </a:rPr>
-              <a:t>Bavelier, et al., 2012).</a:t>
-            </a:r>
-            <a:endParaRPr lang="en-GB" sz="2000" dirty="0">
-              <a:solidFill>
-                <a:srgbClr val="131E29"/>
-              </a:solidFill>
-              <a:latin typeface="Source Sans Pro" panose="020B0503030403020204" pitchFamily="34" charset="0"/>
-            </a:endParaRPr>
-          </a:p>
-          <a:p>
-            <a:r>
-              <a:rPr lang="en-GB" sz="2000" i="1" dirty="0" err="1">
-                <a:solidFill>
-                  <a:srgbClr val="131E29"/>
-                </a:solidFill>
-                <a:latin typeface="Source Sans Pro" panose="020B0503030403020204" pitchFamily="34" charset="0"/>
-              </a:rPr>
-              <a:t>Musfeld</a:t>
-            </a:r>
-            <a:r>
-              <a:rPr lang="en-GB" sz="2000" i="1" dirty="0">
-                <a:solidFill>
-                  <a:srgbClr val="131E29"/>
-                </a:solidFill>
-                <a:latin typeface="Source Sans Pro" panose="020B0503030403020204" pitchFamily="34" charset="0"/>
-              </a:rPr>
-              <a:t> et al., 2023)</a:t>
-            </a:r>
-          </a:p>
-          <a:p>
-            <a:endParaRPr lang="en-GB" sz="2000" dirty="0">
+            <a:endParaRPr lang="en-GB" sz="1000" i="1" dirty="0">
               <a:solidFill>
                 <a:srgbClr val="131E29"/>
               </a:solidFill>
@@ -7554,6 +6938,774 @@
               </a:solidFill>
               <a:latin typeface="Source Sans Pro" panose="020B0503030403020204" pitchFamily="34" charset="0"/>
             </a:endParaRPr>
+          </a:p>
+        </p:txBody>
+      </p:sp>
+      <p:grpSp>
+        <p:nvGrpSpPr>
+          <p:cNvPr id="26" name="Group 25">
+            <a:extLst>
+              <a:ext uri="{FF2B5EF4-FFF2-40B4-BE49-F238E27FC236}">
+                <a16:creationId xmlns:a16="http://schemas.microsoft.com/office/drawing/2014/main" id="{B2F9A14F-78D5-7431-C819-C6476AE4969F}"/>
+              </a:ext>
+            </a:extLst>
+          </p:cNvPr>
+          <p:cNvGrpSpPr/>
+          <p:nvPr/>
+        </p:nvGrpSpPr>
+        <p:grpSpPr>
+          <a:xfrm>
+            <a:off x="33962869" y="4893585"/>
+            <a:ext cx="9079200" cy="8279335"/>
+            <a:chOff x="33980772" y="12991554"/>
+            <a:chExt cx="9078914" cy="8335990"/>
+          </a:xfrm>
+        </p:grpSpPr>
+        <p:pic>
+          <p:nvPicPr>
+            <p:cNvPr id="22" name="Picture 21" descr="A graph with purple lines and numbers&#10;&#10;Description automatically generated">
+              <a:extLst>
+                <a:ext uri="{FF2B5EF4-FFF2-40B4-BE49-F238E27FC236}">
+                  <a16:creationId xmlns:a16="http://schemas.microsoft.com/office/drawing/2014/main" id="{AA884422-2D99-F1EA-E550-D5F6FE5ACC95}"/>
+                </a:ext>
+              </a:extLst>
+            </p:cNvPr>
+            <p:cNvPicPr>
+              <a:picLocks noChangeAspect="1"/>
+            </p:cNvPicPr>
+            <p:nvPr/>
+          </p:nvPicPr>
+          <p:blipFill>
+            <a:blip r:embed="rId24">
+              <a:extLst>
+                <a:ext uri="{28A0092B-C50C-407E-A947-70E740481C1C}">
+                  <a14:useLocalDpi xmlns:a14="http://schemas.microsoft.com/office/drawing/2010/main" val="0"/>
+                </a:ext>
+              </a:extLst>
+            </a:blip>
+            <a:srcRect t="8182"/>
+            <a:stretch/>
+          </p:blipFill>
+          <p:spPr>
+            <a:xfrm>
+              <a:off x="33980772" y="12991554"/>
+              <a:ext cx="9078914" cy="8335990"/>
+            </a:xfrm>
+            <a:prstGeom prst="rect">
+              <a:avLst/>
+            </a:prstGeom>
+          </p:spPr>
+        </p:pic>
+        <p:sp>
+          <p:nvSpPr>
+            <p:cNvPr id="23" name="TextBox 22">
+              <a:extLst>
+                <a:ext uri="{FF2B5EF4-FFF2-40B4-BE49-F238E27FC236}">
+                  <a16:creationId xmlns:a16="http://schemas.microsoft.com/office/drawing/2014/main" id="{97856FFE-1750-6C21-F9D0-6929A3F83051}"/>
+                </a:ext>
+              </a:extLst>
+            </p:cNvPr>
+            <p:cNvSpPr txBox="1"/>
+            <p:nvPr/>
+          </p:nvSpPr>
+          <p:spPr>
+            <a:xfrm>
+              <a:off x="35814000" y="13034897"/>
+              <a:ext cx="3747214" cy="557789"/>
+            </a:xfrm>
+            <a:prstGeom prst="rect">
+              <a:avLst/>
+            </a:prstGeom>
+            <a:noFill/>
+          </p:spPr>
+          <p:txBody>
+            <a:bodyPr wrap="square" rtlCol="0">
+              <a:spAutoFit/>
+            </a:bodyPr>
+            <a:lstStyle/>
+            <a:p>
+              <a:r>
+                <a:rPr lang="en-GB" sz="3000" b="1" dirty="0">
+                  <a:latin typeface="Source Sans Pro" panose="020B0503030403020204" pitchFamily="34" charset="0"/>
+                  <a:ea typeface="Source Sans Pro" panose="020B0503030403020204" pitchFamily="34" charset="0"/>
+                </a:rPr>
+                <a:t>Per Participant</a:t>
+              </a:r>
+            </a:p>
+          </p:txBody>
+        </p:sp>
+        <p:sp>
+          <p:nvSpPr>
+            <p:cNvPr id="24" name="Rectangle 23">
+              <a:extLst>
+                <a:ext uri="{FF2B5EF4-FFF2-40B4-BE49-F238E27FC236}">
+                  <a16:creationId xmlns:a16="http://schemas.microsoft.com/office/drawing/2014/main" id="{B842709F-6F8D-3BD3-F3A4-3232D520BF1E}"/>
+                </a:ext>
+              </a:extLst>
+            </p:cNvPr>
+            <p:cNvSpPr/>
+            <p:nvPr/>
+          </p:nvSpPr>
+          <p:spPr>
+            <a:xfrm>
+              <a:off x="36179961" y="13488643"/>
+              <a:ext cx="1301750" cy="429307"/>
+            </a:xfrm>
+            <a:prstGeom prst="rect">
+              <a:avLst/>
+            </a:prstGeom>
+            <a:solidFill>
+              <a:schemeClr val="bg1"/>
+            </a:solidFill>
+            <a:ln>
+              <a:noFill/>
+            </a:ln>
+          </p:spPr>
+          <p:style>
+            <a:lnRef idx="2">
+              <a:schemeClr val="accent1">
+                <a:shade val="15000"/>
+              </a:schemeClr>
+            </a:lnRef>
+            <a:fillRef idx="1">
+              <a:schemeClr val="accent1"/>
+            </a:fillRef>
+            <a:effectRef idx="0">
+              <a:schemeClr val="accent1"/>
+            </a:effectRef>
+            <a:fontRef idx="minor">
+              <a:schemeClr val="lt1"/>
+            </a:fontRef>
+          </p:style>
+          <p:txBody>
+            <a:bodyPr rtlCol="0" anchor="ctr"/>
+            <a:lstStyle/>
+            <a:p>
+              <a:pPr algn="ctr"/>
+              <a:endParaRPr lang="en-GB" dirty="0"/>
+            </a:p>
+          </p:txBody>
+        </p:sp>
+        <p:sp>
+          <p:nvSpPr>
+            <p:cNvPr id="25" name="Rectangle 24">
+              <a:extLst>
+                <a:ext uri="{FF2B5EF4-FFF2-40B4-BE49-F238E27FC236}">
+                  <a16:creationId xmlns:a16="http://schemas.microsoft.com/office/drawing/2014/main" id="{77AC4861-F07C-7854-462E-CEA9B8D03454}"/>
+                </a:ext>
+              </a:extLst>
+            </p:cNvPr>
+            <p:cNvSpPr/>
+            <p:nvPr/>
+          </p:nvSpPr>
+          <p:spPr>
+            <a:xfrm>
+              <a:off x="36050804" y="14087431"/>
+              <a:ext cx="1068121" cy="479067"/>
+            </a:xfrm>
+            <a:prstGeom prst="rect">
+              <a:avLst/>
+            </a:prstGeom>
+            <a:solidFill>
+              <a:schemeClr val="bg1"/>
+            </a:solidFill>
+            <a:ln>
+              <a:noFill/>
+            </a:ln>
+          </p:spPr>
+          <p:style>
+            <a:lnRef idx="2">
+              <a:schemeClr val="accent1">
+                <a:shade val="15000"/>
+              </a:schemeClr>
+            </a:lnRef>
+            <a:fillRef idx="1">
+              <a:schemeClr val="accent1"/>
+            </a:fillRef>
+            <a:effectRef idx="0">
+              <a:schemeClr val="accent1"/>
+            </a:effectRef>
+            <a:fontRef idx="minor">
+              <a:schemeClr val="lt1"/>
+            </a:fontRef>
+          </p:style>
+          <p:txBody>
+            <a:bodyPr rtlCol="0" anchor="ctr"/>
+            <a:lstStyle/>
+            <a:p>
+              <a:pPr algn="ctr"/>
+              <a:endParaRPr lang="en-GB"/>
+            </a:p>
+          </p:txBody>
+        </p:sp>
+      </p:grpSp>
+      <p:grpSp>
+        <p:nvGrpSpPr>
+          <p:cNvPr id="28" name="Group 27">
+            <a:extLst>
+              <a:ext uri="{FF2B5EF4-FFF2-40B4-BE49-F238E27FC236}">
+                <a16:creationId xmlns:a16="http://schemas.microsoft.com/office/drawing/2014/main" id="{FA259C72-A05E-8A6C-3AED-D855E3A45319}"/>
+              </a:ext>
+            </a:extLst>
+          </p:cNvPr>
+          <p:cNvGrpSpPr/>
+          <p:nvPr/>
+        </p:nvGrpSpPr>
+        <p:grpSpPr>
+          <a:xfrm>
+            <a:off x="33955100" y="15767698"/>
+            <a:ext cx="9082805" cy="11205648"/>
+            <a:chOff x="33959961" y="21132561"/>
+            <a:chExt cx="9082805" cy="11542815"/>
+          </a:xfrm>
+        </p:grpSpPr>
+        <p:grpSp>
+          <p:nvGrpSpPr>
+            <p:cNvPr id="14" name="Group 13">
+              <a:extLst>
+                <a:ext uri="{FF2B5EF4-FFF2-40B4-BE49-F238E27FC236}">
+                  <a16:creationId xmlns:a16="http://schemas.microsoft.com/office/drawing/2014/main" id="{C40C28F3-5B60-58C6-BBD1-6D680B17D584}"/>
+                </a:ext>
+              </a:extLst>
+            </p:cNvPr>
+            <p:cNvGrpSpPr/>
+            <p:nvPr/>
+          </p:nvGrpSpPr>
+          <p:grpSpPr>
+            <a:xfrm>
+              <a:off x="33962194" y="21132561"/>
+              <a:ext cx="9080572" cy="11100326"/>
+              <a:chOff x="33237395" y="13696115"/>
+              <a:chExt cx="9684600" cy="12428194"/>
+            </a:xfrm>
+          </p:grpSpPr>
+          <p:pic>
+            <p:nvPicPr>
+              <p:cNvPr id="54" name="Picture 53" descr="A graph of a number of dots and lines&#10;&#10;Description automatically generated with medium confidence">
+                <a:extLst>
+                  <a:ext uri="{FF2B5EF4-FFF2-40B4-BE49-F238E27FC236}">
+                    <a16:creationId xmlns:a16="http://schemas.microsoft.com/office/drawing/2014/main" id="{DDEC2E7B-6C0B-0B7A-C55B-F067A5DE0DA3}"/>
+                  </a:ext>
+                </a:extLst>
+              </p:cNvPr>
+              <p:cNvPicPr>
+                <a:picLocks noChangeAspect="1"/>
+              </p:cNvPicPr>
+              <p:nvPr/>
+            </p:nvPicPr>
+            <p:blipFill>
+              <a:blip r:embed="rId25">
+                <a:extLst>
+                  <a:ext uri="{28A0092B-C50C-407E-A947-70E740481C1C}">
+                    <a14:useLocalDpi xmlns:a14="http://schemas.microsoft.com/office/drawing/2010/main" val="0"/>
+                  </a:ext>
+                </a:extLst>
+              </a:blip>
+              <a:srcRect l="21999" b="1476"/>
+              <a:stretch/>
+            </p:blipFill>
+            <p:spPr>
+              <a:xfrm>
+                <a:off x="38385952" y="13696115"/>
+                <a:ext cx="4536043" cy="12428194"/>
+              </a:xfrm>
+              <a:prstGeom prst="rect">
+                <a:avLst/>
+              </a:prstGeom>
+            </p:spPr>
+          </p:pic>
+          <p:pic>
+            <p:nvPicPr>
+              <p:cNvPr id="45" name="Picture 44" descr="A graph with numbers and lines&#10;&#10;Description automatically generated with medium confidence">
+                <a:extLst>
+                  <a:ext uri="{FF2B5EF4-FFF2-40B4-BE49-F238E27FC236}">
+                    <a16:creationId xmlns:a16="http://schemas.microsoft.com/office/drawing/2014/main" id="{C86CC911-EC61-5B5B-59BC-AE99C4EDDBCD}"/>
+                  </a:ext>
+                </a:extLst>
+              </p:cNvPr>
+              <p:cNvPicPr>
+                <a:picLocks noChangeAspect="1"/>
+              </p:cNvPicPr>
+              <p:nvPr/>
+            </p:nvPicPr>
+            <p:blipFill>
+              <a:blip r:embed="rId26">
+                <a:extLst>
+                  <a:ext uri="{28A0092B-C50C-407E-A947-70E740481C1C}">
+                    <a14:useLocalDpi xmlns:a14="http://schemas.microsoft.com/office/drawing/2010/main" val="0"/>
+                  </a:ext>
+                </a:extLst>
+              </a:blip>
+              <a:srcRect l="22947" b="1584"/>
+              <a:stretch/>
+            </p:blipFill>
+            <p:spPr>
+              <a:xfrm>
+                <a:off x="33921089" y="13696115"/>
+                <a:ext cx="4480965" cy="12398898"/>
+              </a:xfrm>
+              <a:prstGeom prst="rect">
+                <a:avLst/>
+              </a:prstGeom>
+            </p:spPr>
+          </p:pic>
+          <p:sp>
+            <p:nvSpPr>
+              <p:cNvPr id="13" name="TextBox 12">
+                <a:extLst>
+                  <a:ext uri="{FF2B5EF4-FFF2-40B4-BE49-F238E27FC236}">
+                    <a16:creationId xmlns:a16="http://schemas.microsoft.com/office/drawing/2014/main" id="{577ABFA0-19F3-CD20-1672-F0ED6E9F6D41}"/>
+                  </a:ext>
+                </a:extLst>
+              </p:cNvPr>
+              <p:cNvSpPr txBox="1"/>
+              <p:nvPr/>
+            </p:nvSpPr>
+            <p:spPr>
+              <a:xfrm rot="16200000">
+                <a:off x="27407924" y="19528878"/>
+                <a:ext cx="12413916" cy="754974"/>
+              </a:xfrm>
+              <a:prstGeom prst="rect">
+                <a:avLst/>
+              </a:prstGeom>
+              <a:solidFill>
+                <a:schemeClr val="bg1"/>
+              </a:solidFill>
+            </p:spPr>
+            <p:txBody>
+              <a:bodyPr wrap="square" rtlCol="0">
+                <a:spAutoFit/>
+              </a:bodyPr>
+              <a:lstStyle/>
+              <a:p>
+                <a:pPr algn="ctr"/>
+                <a:r>
+                  <a:rPr lang="en-GB" sz="4000" b="1" dirty="0">
+                    <a:latin typeface="Source Sans Pro" panose="020B0503030403020204" pitchFamily="34" charset="0"/>
+                    <a:ea typeface="Source Sans Pro" panose="020B0503030403020204" pitchFamily="34" charset="0"/>
+                  </a:rPr>
+                  <a:t>Participants</a:t>
+                </a:r>
+              </a:p>
+            </p:txBody>
+          </p:sp>
+        </p:grpSp>
+        <p:sp>
+          <p:nvSpPr>
+            <p:cNvPr id="27" name="TextBox 26">
+              <a:extLst>
+                <a:ext uri="{FF2B5EF4-FFF2-40B4-BE49-F238E27FC236}">
+                  <a16:creationId xmlns:a16="http://schemas.microsoft.com/office/drawing/2014/main" id="{5CEC16CA-7AE6-598C-A3DC-25FC9D4B2000}"/>
+                </a:ext>
+              </a:extLst>
+            </p:cNvPr>
+            <p:cNvSpPr txBox="1"/>
+            <p:nvPr/>
+          </p:nvSpPr>
+          <p:spPr>
+            <a:xfrm>
+              <a:off x="33959961" y="31967490"/>
+              <a:ext cx="9078914" cy="707886"/>
+            </a:xfrm>
+            <a:prstGeom prst="rect">
+              <a:avLst/>
+            </a:prstGeom>
+            <a:solidFill>
+              <a:schemeClr val="bg1"/>
+            </a:solidFill>
+          </p:spPr>
+          <p:txBody>
+            <a:bodyPr wrap="square" rtlCol="0">
+              <a:spAutoFit/>
+            </a:bodyPr>
+            <a:lstStyle/>
+            <a:p>
+              <a:pPr algn="ctr"/>
+              <a:r>
+                <a:rPr lang="en-GB" sz="4000" b="1" dirty="0">
+                  <a:latin typeface="Source Sans Pro" panose="020B0503030403020204" pitchFamily="34" charset="0"/>
+                  <a:ea typeface="Source Sans Pro" panose="020B0503030403020204" pitchFamily="34" charset="0"/>
+                </a:rPr>
+                <a:t>Estimate</a:t>
+              </a:r>
+            </a:p>
+          </p:txBody>
+        </p:sp>
+      </p:grpSp>
+      <p:sp>
+        <p:nvSpPr>
+          <p:cNvPr id="38" name="TextBox 37">
+            <a:extLst>
+              <a:ext uri="{FF2B5EF4-FFF2-40B4-BE49-F238E27FC236}">
+                <a16:creationId xmlns:a16="http://schemas.microsoft.com/office/drawing/2014/main" id="{935CFA99-D55B-0E73-9A8F-CE1EC88D5C57}"/>
+              </a:ext>
+            </a:extLst>
+          </p:cNvPr>
+          <p:cNvSpPr txBox="1"/>
+          <p:nvPr/>
+        </p:nvSpPr>
+        <p:spPr>
+          <a:xfrm>
+            <a:off x="22107469" y="26929294"/>
+            <a:ext cx="21103200" cy="5478423"/>
+          </a:xfrm>
+          <a:prstGeom prst="rect">
+            <a:avLst/>
+          </a:prstGeom>
+          <a:noFill/>
+        </p:spPr>
+        <p:txBody>
+          <a:bodyPr wrap="square" rtlCol="0">
+            <a:spAutoFit/>
+          </a:bodyPr>
+          <a:lstStyle/>
+          <a:p>
+            <a:pPr marL="685800" indent="-685800">
+              <a:buFont typeface="Wingdings" panose="05000000000000000000" pitchFamily="2" charset="2"/>
+              <a:buChar char="§"/>
+            </a:pPr>
+            <a:r>
+              <a:rPr lang="en-GB" sz="5000" b="1" dirty="0">
+                <a:solidFill>
+                  <a:srgbClr val="131E29"/>
+                </a:solidFill>
+                <a:latin typeface="Source Sans Pro" panose="020B0503030403020204" pitchFamily="34" charset="0"/>
+              </a:rPr>
+              <a:t>Learning Curve: </a:t>
+            </a:r>
+            <a:r>
+              <a:rPr lang="en-GB" sz="5000" dirty="0">
+                <a:solidFill>
+                  <a:srgbClr val="131E29"/>
+                </a:solidFill>
+                <a:latin typeface="Source Sans Pro" panose="020B0503030403020204" pitchFamily="34" charset="0"/>
+              </a:rPr>
+              <a:t>variable but instantaneous </a:t>
+            </a:r>
+            <a:r>
+              <a:rPr lang="en-GB" sz="5000" b="1" dirty="0">
+                <a:solidFill>
+                  <a:srgbClr val="5D9BFF"/>
+                </a:solidFill>
+                <a:latin typeface="Source Sans Pro" panose="020B0503030403020204" pitchFamily="34" charset="0"/>
+              </a:rPr>
+              <a:t>onset</a:t>
+            </a:r>
+            <a:r>
+              <a:rPr lang="en-GB" sz="5000" dirty="0">
+                <a:solidFill>
+                  <a:srgbClr val="131E29"/>
+                </a:solidFill>
+                <a:latin typeface="Source Sans Pro" panose="020B0503030403020204" pitchFamily="34" charset="0"/>
+              </a:rPr>
+              <a:t> point of learning, followed by substantial improvement in </a:t>
+            </a:r>
+            <a:r>
+              <a:rPr lang="en-GB" sz="5000" b="1" dirty="0">
+                <a:solidFill>
+                  <a:srgbClr val="29AEB1"/>
+                </a:solidFill>
+                <a:latin typeface="Source Sans Pro" panose="020B0503030403020204" pitchFamily="34" charset="0"/>
+              </a:rPr>
+              <a:t>learning rate </a:t>
+            </a:r>
+            <a:r>
+              <a:rPr lang="en-GB" sz="5000" dirty="0">
+                <a:solidFill>
+                  <a:srgbClr val="131E29"/>
+                </a:solidFill>
+                <a:latin typeface="Source Sans Pro" panose="020B0503030403020204" pitchFamily="34" charset="0"/>
+              </a:rPr>
+              <a:t>and the </a:t>
+            </a:r>
+            <a:r>
+              <a:rPr lang="en-GB" sz="5000" b="1" dirty="0">
+                <a:solidFill>
+                  <a:srgbClr val="F347DF"/>
+                </a:solidFill>
+                <a:latin typeface="Source Sans Pro" panose="020B0503030403020204" pitchFamily="34" charset="0"/>
+              </a:rPr>
+              <a:t>upper asymptote</a:t>
+            </a:r>
+            <a:r>
+              <a:rPr lang="en-GB" sz="5000" dirty="0">
+                <a:solidFill>
+                  <a:srgbClr val="131E29"/>
+                </a:solidFill>
+                <a:latin typeface="Source Sans Pro" panose="020B0503030403020204" pitchFamily="34" charset="0"/>
+              </a:rPr>
+              <a:t>,</a:t>
+            </a:r>
+            <a:r>
+              <a:rPr lang="en-GB" sz="5000" b="1" dirty="0">
+                <a:solidFill>
+                  <a:srgbClr val="131E29"/>
+                </a:solidFill>
+                <a:latin typeface="Source Sans Pro" panose="020B0503030403020204" pitchFamily="34" charset="0"/>
+              </a:rPr>
+              <a:t> </a:t>
+            </a:r>
+            <a:r>
+              <a:rPr lang="en-GB" sz="5000" dirty="0">
+                <a:solidFill>
+                  <a:srgbClr val="131E29"/>
+                </a:solidFill>
+                <a:latin typeface="Source Sans Pro" panose="020B0503030403020204" pitchFamily="34" charset="0"/>
+              </a:rPr>
+              <a:t>or peak. </a:t>
+            </a:r>
+            <a:endParaRPr lang="en-GB" sz="5000" b="1" dirty="0">
+              <a:latin typeface="Source Sans Pro" panose="020B0503030403020204" pitchFamily="34" charset="0"/>
+              <a:ea typeface="Source Sans Pro" panose="020B0503030403020204" pitchFamily="34" charset="0"/>
+            </a:endParaRPr>
+          </a:p>
+          <a:p>
+            <a:pPr algn="ctr"/>
+            <a:r>
+              <a:rPr lang="en-GB" sz="5000" b="1" dirty="0">
+                <a:latin typeface="Source Sans Pro" panose="020B0503030403020204" pitchFamily="34" charset="0"/>
+                <a:ea typeface="Source Sans Pro" panose="020B0503030403020204" pitchFamily="34" charset="0"/>
+              </a:rPr>
+              <a:t>COUNTER-STRIKE EXPERTISE</a:t>
+            </a:r>
+          </a:p>
+          <a:p>
+            <a:pPr marL="685800" indent="-685800">
+              <a:buFont typeface="Wingdings" panose="05000000000000000000" pitchFamily="2" charset="2"/>
+              <a:buChar char="§"/>
+            </a:pPr>
+            <a:r>
+              <a:rPr lang="en-GB" sz="5000" b="1" dirty="0">
+                <a:solidFill>
+                  <a:srgbClr val="131E29"/>
+                </a:solidFill>
+                <a:latin typeface="Source Sans Pro" panose="020B0503030403020204" pitchFamily="34" charset="0"/>
+                <a:ea typeface="Source Sans Pro" panose="020B0503030403020204" pitchFamily="34" charset="0"/>
+              </a:rPr>
+              <a:t>Ambiguous</a:t>
+            </a:r>
+            <a:r>
+              <a:rPr lang="en-GB" sz="5000" dirty="0">
+                <a:solidFill>
+                  <a:srgbClr val="131E29"/>
+                </a:solidFill>
+                <a:latin typeface="Source Sans Pro" panose="020B0503030403020204" pitchFamily="34" charset="0"/>
+                <a:ea typeface="Source Sans Pro" panose="020B0503030403020204" pitchFamily="34" charset="0"/>
+              </a:rPr>
+              <a:t> </a:t>
+            </a:r>
+            <a:r>
+              <a:rPr lang="en-GB" sz="5000" b="1" dirty="0">
+                <a:solidFill>
+                  <a:srgbClr val="131E29"/>
+                </a:solidFill>
+                <a:latin typeface="Source Sans Pro" panose="020B0503030403020204" pitchFamily="34" charset="0"/>
+                <a:ea typeface="Source Sans Pro" panose="020B0503030403020204" pitchFamily="34" charset="0"/>
+              </a:rPr>
+              <a:t>evidence</a:t>
+            </a:r>
+            <a:r>
+              <a:rPr lang="en-GB" sz="5000" dirty="0">
+                <a:solidFill>
+                  <a:srgbClr val="131E29"/>
+                </a:solidFill>
+                <a:latin typeface="Source Sans Pro" panose="020B0503030403020204" pitchFamily="34" charset="0"/>
+                <a:ea typeface="Source Sans Pro" panose="020B0503030403020204" pitchFamily="34" charset="0"/>
+              </a:rPr>
+              <a:t> for an association between </a:t>
+            </a:r>
+            <a:r>
+              <a:rPr lang="en-GB" sz="5000" b="1" dirty="0">
+                <a:solidFill>
+                  <a:srgbClr val="131E29"/>
+                </a:solidFill>
+                <a:latin typeface="Source Sans Pro" panose="020B0503030403020204" pitchFamily="34" charset="0"/>
+                <a:ea typeface="Source Sans Pro" panose="020B0503030403020204" pitchFamily="34" charset="0"/>
+              </a:rPr>
+              <a:t>total hours of playtime </a:t>
+            </a:r>
+            <a:r>
+              <a:rPr lang="en-GB" sz="5000" dirty="0">
+                <a:solidFill>
+                  <a:srgbClr val="131E29"/>
+                </a:solidFill>
+                <a:latin typeface="Source Sans Pro" panose="020B0503030403020204" pitchFamily="34" charset="0"/>
+                <a:ea typeface="Source Sans Pro" panose="020B0503030403020204" pitchFamily="34" charset="0"/>
+              </a:rPr>
+              <a:t>and Learner/Non-Learner group status. No other associations found. </a:t>
+            </a:r>
+          </a:p>
+          <a:p>
+            <a:pPr marL="685800" indent="-685800">
+              <a:buFont typeface="Wingdings" panose="05000000000000000000" pitchFamily="2" charset="2"/>
+              <a:buChar char="§"/>
+            </a:pPr>
+            <a:r>
+              <a:rPr lang="en-GB" sz="5000" b="1" dirty="0">
+                <a:solidFill>
+                  <a:srgbClr val="131E29"/>
+                </a:solidFill>
+                <a:latin typeface="Source Sans Pro" panose="020B0503030403020204" pitchFamily="34" charset="0"/>
+                <a:ea typeface="Source Sans Pro" panose="020B0503030403020204" pitchFamily="34" charset="0"/>
+              </a:rPr>
+              <a:t>Further analysis </a:t>
+            </a:r>
+            <a:r>
+              <a:rPr lang="en-GB" sz="5000" dirty="0">
+                <a:solidFill>
+                  <a:srgbClr val="131E29"/>
+                </a:solidFill>
+                <a:latin typeface="Source Sans Pro" panose="020B0503030403020204" pitchFamily="34" charset="0"/>
+                <a:ea typeface="Source Sans Pro" panose="020B0503030403020204" pitchFamily="34" charset="0"/>
+              </a:rPr>
+              <a:t>to understand learning in </a:t>
+            </a:r>
+            <a:r>
+              <a:rPr lang="en-GB" sz="5000" i="1" dirty="0">
+                <a:solidFill>
+                  <a:srgbClr val="131E29"/>
+                </a:solidFill>
+                <a:latin typeface="Source Sans Pro" panose="020B0503030403020204" pitchFamily="34" charset="0"/>
+                <a:ea typeface="Source Sans Pro" panose="020B0503030403020204" pitchFamily="34" charset="0"/>
+              </a:rPr>
+              <a:t>Counter-Strike</a:t>
+            </a:r>
+            <a:r>
+              <a:rPr lang="en-GB" sz="5000" dirty="0">
+                <a:solidFill>
+                  <a:srgbClr val="131E29"/>
+                </a:solidFill>
+                <a:latin typeface="Source Sans Pro" panose="020B0503030403020204" pitchFamily="34" charset="0"/>
+                <a:ea typeface="Source Sans Pro" panose="020B0503030403020204" pitchFamily="34" charset="0"/>
+              </a:rPr>
+              <a:t> players to follow!</a:t>
+            </a:r>
+          </a:p>
+        </p:txBody>
+      </p:sp>
+      <p:sp>
+        <p:nvSpPr>
+          <p:cNvPr id="41" name="TextBox 40">
+            <a:extLst>
+              <a:ext uri="{FF2B5EF4-FFF2-40B4-BE49-F238E27FC236}">
+                <a16:creationId xmlns:a16="http://schemas.microsoft.com/office/drawing/2014/main" id="{D548268D-1DEE-2C7A-C9D7-7BF4CA602BA4}"/>
+              </a:ext>
+            </a:extLst>
+          </p:cNvPr>
+          <p:cNvSpPr txBox="1"/>
+          <p:nvPr/>
+        </p:nvSpPr>
+        <p:spPr>
+          <a:xfrm>
+            <a:off x="24589595" y="10947295"/>
+            <a:ext cx="6822387" cy="1323439"/>
+          </a:xfrm>
+          <a:prstGeom prst="rect">
+            <a:avLst/>
+          </a:prstGeom>
+          <a:noFill/>
+        </p:spPr>
+        <p:txBody>
+          <a:bodyPr wrap="square" rtlCol="0">
+            <a:spAutoFit/>
+          </a:bodyPr>
+          <a:lstStyle/>
+          <a:p>
+            <a:pPr algn="ctr"/>
+            <a:r>
+              <a:rPr lang="en-GB" sz="4000" b="1" dirty="0">
+                <a:solidFill>
+                  <a:srgbClr val="440099"/>
+                </a:solidFill>
+                <a:latin typeface="Source Sans Pro" panose="020B0503030403020204" pitchFamily="34" charset="0"/>
+              </a:rPr>
+              <a:t>Hebb: </a:t>
+            </a:r>
+            <a:r>
+              <a:rPr lang="en-GB" sz="4000" i="1" dirty="0">
+                <a:solidFill>
+                  <a:srgbClr val="131E29"/>
+                </a:solidFill>
+                <a:latin typeface="Source Sans Pro" panose="020B0503030403020204" pitchFamily="34" charset="0"/>
+              </a:rPr>
+              <a:t>M</a:t>
+            </a:r>
+            <a:r>
+              <a:rPr lang="en-GB" sz="4000" dirty="0">
+                <a:solidFill>
+                  <a:srgbClr val="131E29"/>
+                </a:solidFill>
+                <a:latin typeface="Source Sans Pro" panose="020B0503030403020204" pitchFamily="34" charset="0"/>
+              </a:rPr>
+              <a:t> = 54.81, </a:t>
+            </a:r>
+            <a:r>
+              <a:rPr lang="en-GB" sz="4000" i="1" dirty="0">
+                <a:solidFill>
+                  <a:srgbClr val="131E29"/>
+                </a:solidFill>
+                <a:latin typeface="Source Sans Pro" panose="020B0503030403020204" pitchFamily="34" charset="0"/>
+              </a:rPr>
+              <a:t>SD</a:t>
+            </a:r>
+            <a:r>
+              <a:rPr lang="en-GB" sz="4000" dirty="0">
+                <a:solidFill>
+                  <a:srgbClr val="131E29"/>
+                </a:solidFill>
+                <a:latin typeface="Source Sans Pro" panose="020B0503030403020204" pitchFamily="34" charset="0"/>
+              </a:rPr>
+              <a:t> = 17.54</a:t>
+            </a:r>
+          </a:p>
+          <a:p>
+            <a:pPr algn="ctr"/>
+            <a:r>
+              <a:rPr lang="en-GB" sz="4000" b="1" dirty="0">
+                <a:solidFill>
+                  <a:srgbClr val="981F92"/>
+                </a:solidFill>
+                <a:latin typeface="Source Sans Pro" panose="020B0503030403020204" pitchFamily="34" charset="0"/>
+              </a:rPr>
+              <a:t>Filler: </a:t>
+            </a:r>
+            <a:r>
+              <a:rPr lang="en-GB" sz="4000" i="1" dirty="0">
+                <a:solidFill>
+                  <a:srgbClr val="131E29"/>
+                </a:solidFill>
+                <a:latin typeface="Source Sans Pro" panose="020B0503030403020204" pitchFamily="34" charset="0"/>
+              </a:rPr>
+              <a:t>M</a:t>
+            </a:r>
+            <a:r>
+              <a:rPr lang="en-GB" sz="4000" dirty="0">
+                <a:solidFill>
+                  <a:srgbClr val="131E29"/>
+                </a:solidFill>
+                <a:latin typeface="Source Sans Pro" panose="020B0503030403020204" pitchFamily="34" charset="0"/>
+              </a:rPr>
+              <a:t> = 43.67, </a:t>
+            </a:r>
+            <a:r>
+              <a:rPr lang="en-GB" sz="4000" i="1" dirty="0">
+                <a:solidFill>
+                  <a:srgbClr val="131E29"/>
+                </a:solidFill>
+                <a:latin typeface="Source Sans Pro" panose="020B0503030403020204" pitchFamily="34" charset="0"/>
+              </a:rPr>
+              <a:t>SD</a:t>
+            </a:r>
+            <a:r>
+              <a:rPr lang="en-GB" sz="4000" dirty="0">
+                <a:solidFill>
+                  <a:srgbClr val="131E29"/>
+                </a:solidFill>
+                <a:latin typeface="Source Sans Pro" panose="020B0503030403020204" pitchFamily="34" charset="0"/>
+              </a:rPr>
+              <a:t> = 8.46</a:t>
+            </a:r>
           </a:p>
         </p:txBody>
       </p:sp>
